--- a/Office documents/Prezentare Scurta.pptx
+++ b/Office documents/Prezentare Scurta.pptx
@@ -21,8 +21,7 @@
     <p:sldId id="266" r:id="rId15"/>
     <p:sldId id="270" r:id="rId16"/>
     <p:sldId id="267" r:id="rId17"/>
-    <p:sldId id="272" r:id="rId18"/>
-    <p:sldId id="269" r:id="rId19"/>
+    <p:sldId id="269" r:id="rId18"/>
   </p:sldIdLst>
   <p:sldSz cx="9144000" cy="6858000" type="screen4x3"/>
   <p:notesSz cx="6858000" cy="9144000"/>
@@ -375,7 +374,7 @@
             <a:fld id="{DC32BC8C-447D-48B7-85E7-C44104B6F7C5}" type="datetimeFigureOut">
               <a:rPr lang="en-US" smtClean="0"/>
               <a:pPr/>
-              <a:t>6/25/2010</a:t>
+              <a:t>6/27/2010</a:t>
             </a:fld>
             <a:endParaRPr lang="en-US"/>
           </a:p>
@@ -552,7 +551,7 @@
             <a:fld id="{DC32BC8C-447D-48B7-85E7-C44104B6F7C5}" type="datetimeFigureOut">
               <a:rPr lang="en-US" smtClean="0"/>
               <a:pPr/>
-              <a:t>6/25/2010</a:t>
+              <a:t>6/27/2010</a:t>
             </a:fld>
             <a:endParaRPr lang="en-US"/>
           </a:p>
@@ -678,7 +677,7 @@
             <a:fld id="{DC32BC8C-447D-48B7-85E7-C44104B6F7C5}" type="datetimeFigureOut">
               <a:rPr lang="en-US" smtClean="0"/>
               <a:pPr/>
-              <a:t>6/25/2010</a:t>
+              <a:t>6/27/2010</a:t>
             </a:fld>
             <a:endParaRPr lang="en-US"/>
           </a:p>
@@ -770,7 +769,7 @@
             <a:fld id="{DC32BC8C-447D-48B7-85E7-C44104B6F7C5}" type="datetimeFigureOut">
               <a:rPr lang="en-US" smtClean="0"/>
               <a:pPr/>
-              <a:t>6/25/2010</a:t>
+              <a:t>6/27/2010</a:t>
             </a:fld>
             <a:endParaRPr lang="en-US"/>
           </a:p>
@@ -1008,7 +1007,7 @@
             <a:fld id="{DC32BC8C-447D-48B7-85E7-C44104B6F7C5}" type="datetimeFigureOut">
               <a:rPr lang="en-US" smtClean="0"/>
               <a:pPr/>
-              <a:t>6/25/2010</a:t>
+              <a:t>6/27/2010</a:t>
             </a:fld>
             <a:endParaRPr lang="en-US"/>
           </a:p>
@@ -1185,7 +1184,7 @@
             <a:fld id="{DC32BC8C-447D-48B7-85E7-C44104B6F7C5}" type="datetimeFigureOut">
               <a:rPr lang="en-US" smtClean="0"/>
               <a:pPr/>
-              <a:t>6/25/2010</a:t>
+              <a:t>6/27/2010</a:t>
             </a:fld>
             <a:endParaRPr lang="en-US"/>
           </a:p>
@@ -1423,7 +1422,7 @@
             <a:fld id="{DC32BC8C-447D-48B7-85E7-C44104B6F7C5}" type="datetimeFigureOut">
               <a:rPr lang="en-US" smtClean="0"/>
               <a:pPr/>
-              <a:t>6/25/2010</a:t>
+              <a:t>6/27/2010</a:t>
             </a:fld>
             <a:endParaRPr lang="en-US"/>
           </a:p>
@@ -1696,7 +1695,7 @@
             <a:fld id="{DC32BC8C-447D-48B7-85E7-C44104B6F7C5}" type="datetimeFigureOut">
               <a:rPr lang="en-US" smtClean="0"/>
               <a:pPr/>
-              <a:t>6/25/2010</a:t>
+              <a:t>6/27/2010</a:t>
             </a:fld>
             <a:endParaRPr lang="en-US"/>
           </a:p>
@@ -1924,7 +1923,19 @@
           <a:bodyPr/>
           <a:lstStyle/>
           <a:p>
-            <a:endParaRPr lang="en-US" dirty="0"/>
+            <a:r>
+              <a:rPr lang="ro-RO" b="1" noProof="1" smtClean="0"/>
+              <a:t>Popescu</a:t>
+            </a:r>
+            <a:r>
+              <a:rPr lang="ro-RO" b="1" noProof="1" smtClean="0"/>
+              <a:t> </a:t>
+            </a:r>
+            <a:r>
+              <a:rPr lang="ro-RO" b="1" noProof="1" smtClean="0"/>
+              <a:t>Alexandru</a:t>
+            </a:r>
+            <a:endParaRPr lang="ro-RO" b="1" noProof="1"/>
           </a:p>
         </p:txBody>
       </p:sp>
@@ -1952,13 +1963,27 @@
           <a:p>
             <a:pPr algn="ctr"/>
             <a:r>
-              <a:rPr lang="ro-RO" dirty="0" smtClean="0">
-                <a:latin typeface="Times New Roman" pitchFamily="18" charset="0"/>
-                <a:cs typeface="Times New Roman" pitchFamily="18" charset="0"/>
-              </a:rPr>
-              <a:t>Sistem de simulare si testare automata a functionalitatilor unui computer de bord</a:t>
-            </a:r>
-            <a:endParaRPr lang="ro-RO" dirty="0">
+              <a:rPr lang="ro-RO" b="1" noProof="1" smtClean="0">
+                <a:latin typeface="Times New Roman" pitchFamily="18" charset="0"/>
+                <a:cs typeface="Times New Roman" pitchFamily="18" charset="0"/>
+              </a:rPr>
+              <a:t>Sistem de simulare si testare automata a functionalitatilor unui computer </a:t>
+            </a:r>
+            <a:r>
+              <a:rPr lang="ro-RO" b="1" noProof="1" smtClean="0">
+                <a:latin typeface="Times New Roman" pitchFamily="18" charset="0"/>
+                <a:cs typeface="Times New Roman" pitchFamily="18" charset="0"/>
+              </a:rPr>
+              <a:t>de </a:t>
+            </a:r>
+            <a:r>
+              <a:rPr lang="ro-RO" b="1" noProof="1" smtClean="0">
+                <a:latin typeface="Times New Roman" pitchFamily="18" charset="0"/>
+                <a:cs typeface="Times New Roman" pitchFamily="18" charset="0"/>
+              </a:rPr>
+              <a:t>bord</a:t>
+            </a:r>
+            <a:endParaRPr lang="ro-RO" b="1" noProof="1">
               <a:latin typeface="Times New Roman" pitchFamily="18" charset="0"/>
               <a:cs typeface="Times New Roman" pitchFamily="18" charset="0"/>
             </a:endParaRPr>
@@ -2015,7 +2040,80 @@
           <a:bodyPr/>
           <a:lstStyle/>
           <a:p>
-            <a:endParaRPr lang="ro-RO"/>
+            <a:r>
+              <a:rPr lang="ro-RO" b="1" noProof="1" smtClean="0">
+                <a:latin typeface="Times New Roman" pitchFamily="18" charset="0"/>
+                <a:cs typeface="Times New Roman" pitchFamily="18" charset="0"/>
+              </a:rPr>
+              <a:t>Inlocuirea</a:t>
+            </a:r>
+            <a:r>
+              <a:rPr lang="ro-RO" b="1" noProof="1" smtClean="0">
+                <a:latin typeface="Times New Roman" pitchFamily="18" charset="0"/>
+                <a:cs typeface="Times New Roman" pitchFamily="18" charset="0"/>
+              </a:rPr>
+              <a:t> AWT cu </a:t>
+            </a:r>
+            <a:r>
+              <a:rPr lang="ro-RO" b="1" noProof="1" smtClean="0">
+                <a:latin typeface="Times New Roman" pitchFamily="18" charset="0"/>
+                <a:cs typeface="Times New Roman" pitchFamily="18" charset="0"/>
+              </a:rPr>
+              <a:t>Swing</a:t>
+            </a:r>
+            <a:endParaRPr lang="en-US" b="1" noProof="1" smtClean="0">
+              <a:latin typeface="Times New Roman" pitchFamily="18" charset="0"/>
+              <a:cs typeface="Times New Roman" pitchFamily="18" charset="0"/>
+            </a:endParaRPr>
+          </a:p>
+          <a:p>
+            <a:endParaRPr lang="en-US" b="1" noProof="1" smtClean="0">
+              <a:latin typeface="Times New Roman" pitchFamily="18" charset="0"/>
+              <a:cs typeface="Times New Roman" pitchFamily="18" charset="0"/>
+            </a:endParaRPr>
+          </a:p>
+          <a:p>
+            <a:r>
+              <a:rPr lang="en-US" b="1" noProof="1" smtClean="0">
+                <a:latin typeface="Times New Roman" pitchFamily="18" charset="0"/>
+                <a:cs typeface="Times New Roman" pitchFamily="18" charset="0"/>
+              </a:rPr>
+              <a:t>Interfata cu utilizatorul</a:t>
+            </a:r>
+          </a:p>
+          <a:p>
+            <a:endParaRPr lang="en-US" b="1" noProof="1" smtClean="0">
+              <a:latin typeface="Times New Roman" pitchFamily="18" charset="0"/>
+              <a:cs typeface="Times New Roman" pitchFamily="18" charset="0"/>
+            </a:endParaRPr>
+          </a:p>
+          <a:p>
+            <a:r>
+              <a:rPr lang="en-US" b="1" noProof="1" smtClean="0">
+                <a:latin typeface="Times New Roman" pitchFamily="18" charset="0"/>
+                <a:cs typeface="Times New Roman" pitchFamily="18" charset="0"/>
+              </a:rPr>
+              <a:t>Componentele Swing</a:t>
+            </a:r>
+          </a:p>
+          <a:p>
+            <a:endParaRPr lang="en-US" b="1" noProof="1" smtClean="0">
+              <a:latin typeface="Times New Roman" pitchFamily="18" charset="0"/>
+              <a:cs typeface="Times New Roman" pitchFamily="18" charset="0"/>
+            </a:endParaRPr>
+          </a:p>
+          <a:p>
+            <a:r>
+              <a:rPr lang="en-US" b="1" noProof="1" smtClean="0">
+                <a:latin typeface="Times New Roman" pitchFamily="18" charset="0"/>
+                <a:cs typeface="Times New Roman" pitchFamily="18" charset="0"/>
+              </a:rPr>
+              <a:t>Arhitectura Swing</a:t>
+            </a:r>
+            <a:endParaRPr lang="ro-RO" b="1" noProof="1">
+              <a:latin typeface="Times New Roman" pitchFamily="18" charset="0"/>
+              <a:cs typeface="Times New Roman" pitchFamily="18" charset="0"/>
+            </a:endParaRPr>
           </a:p>
         </p:txBody>
       </p:sp>
@@ -2035,10 +2133,23 @@
           <a:lstStyle/>
           <a:p>
             <a:r>
-              <a:rPr lang="en-US" dirty="0" smtClean="0"/>
-              <a:t>Java Swing</a:t>
-            </a:r>
-            <a:endParaRPr lang="ro-RO" dirty="0"/>
+              <a:rPr lang="ro-RO" b="1" noProof="1" smtClean="0">
+                <a:latin typeface="Times New Roman" pitchFamily="18" charset="0"/>
+                <a:cs typeface="Times New Roman" pitchFamily="18" charset="0"/>
+              </a:rPr>
+              <a:t>Java </a:t>
+            </a:r>
+            <a:r>
+              <a:rPr lang="ro-RO" b="1" noProof="1" smtClean="0">
+                <a:latin typeface="Times New Roman" pitchFamily="18" charset="0"/>
+                <a:cs typeface="Times New Roman" pitchFamily="18" charset="0"/>
+              </a:rPr>
+              <a:t>Swing</a:t>
+            </a:r>
+            <a:endParaRPr lang="ro-RO" b="1" noProof="1">
+              <a:latin typeface="Times New Roman" pitchFamily="18" charset="0"/>
+              <a:cs typeface="Times New Roman" pitchFamily="18" charset="0"/>
+            </a:endParaRPr>
           </a:p>
         </p:txBody>
       </p:sp>
@@ -2087,43 +2198,625 @@
             <p:ph type="body" idx="1"/>
           </p:nvPr>
         </p:nvSpPr>
-        <p:spPr/>
+        <p:spPr>
+          <a:xfrm>
+            <a:off x="457200" y="1066800"/>
+            <a:ext cx="8229600" cy="5257800"/>
+          </a:xfrm>
+        </p:spPr>
+        <p:txBody>
+          <a:bodyPr>
+            <a:normAutofit/>
+          </a:bodyPr>
+          <a:lstStyle/>
+          <a:p>
+            <a:r>
+              <a:rPr lang="ro-RO" sz="2400" noProof="1" smtClean="0">
+                <a:latin typeface="Times New Roman" pitchFamily="18" charset="0"/>
+                <a:cs typeface="Times New Roman" pitchFamily="18" charset="0"/>
+              </a:rPr>
+              <a:t>O vedere generala asupra proiectului poate fi descrisa de figura de mai jos, in care sunt prezentate 4 componente principale denumite </a:t>
+            </a:r>
+            <a:r>
+              <a:rPr lang="ro-RO" sz="2400" noProof="1" smtClean="0">
+                <a:latin typeface="Times New Roman" pitchFamily="18" charset="0"/>
+                <a:cs typeface="Times New Roman" pitchFamily="18" charset="0"/>
+              </a:rPr>
+              <a:t>generic </a:t>
+            </a:r>
+            <a:r>
+              <a:rPr lang="ro-RO" sz="2400" b="1" noProof="1" smtClean="0">
+                <a:latin typeface="Times New Roman" pitchFamily="18" charset="0"/>
+                <a:cs typeface="Times New Roman" pitchFamily="18" charset="0"/>
+              </a:rPr>
+              <a:t>Simulator</a:t>
+            </a:r>
+            <a:r>
+              <a:rPr lang="ro-RO" sz="2400" noProof="1" smtClean="0">
+                <a:latin typeface="Times New Roman" pitchFamily="18" charset="0"/>
+                <a:cs typeface="Times New Roman" pitchFamily="18" charset="0"/>
+              </a:rPr>
+              <a:t>, </a:t>
+            </a:r>
+            <a:r>
+              <a:rPr lang="ro-RO" sz="2400" b="1" noProof="1" smtClean="0">
+                <a:latin typeface="Times New Roman" pitchFamily="18" charset="0"/>
+                <a:cs typeface="Times New Roman" pitchFamily="18" charset="0"/>
+              </a:rPr>
+              <a:t>Interfata </a:t>
+            </a:r>
+            <a:r>
+              <a:rPr lang="ro-RO" sz="2400" b="1" noProof="1" smtClean="0">
+                <a:latin typeface="Times New Roman" pitchFamily="18" charset="0"/>
+                <a:cs typeface="Times New Roman" pitchFamily="18" charset="0"/>
+              </a:rPr>
+              <a:t>cu </a:t>
+            </a:r>
+            <a:r>
+              <a:rPr lang="ro-RO" sz="2400" b="1" noProof="1" smtClean="0">
+                <a:latin typeface="Times New Roman" pitchFamily="18" charset="0"/>
+                <a:cs typeface="Times New Roman" pitchFamily="18" charset="0"/>
+              </a:rPr>
+              <a:t>utilizatorul</a:t>
+            </a:r>
+            <a:r>
+              <a:rPr lang="ro-RO" sz="2400" noProof="1" smtClean="0">
+                <a:latin typeface="Times New Roman" pitchFamily="18" charset="0"/>
+                <a:cs typeface="Times New Roman" pitchFamily="18" charset="0"/>
+              </a:rPr>
+              <a:t>, </a:t>
+            </a:r>
+            <a:r>
+              <a:rPr lang="ro-RO" sz="2400" b="1" noProof="1" smtClean="0">
+                <a:latin typeface="Times New Roman" pitchFamily="18" charset="0"/>
+                <a:cs typeface="Times New Roman" pitchFamily="18" charset="0"/>
+              </a:rPr>
+              <a:t>Modulul de </a:t>
+            </a:r>
+            <a:r>
+              <a:rPr lang="ro-RO" sz="2400" b="1" noProof="1" smtClean="0">
+                <a:latin typeface="Times New Roman" pitchFamily="18" charset="0"/>
+                <a:cs typeface="Times New Roman" pitchFamily="18" charset="0"/>
+              </a:rPr>
+              <a:t>testare</a:t>
+            </a:r>
+            <a:r>
+              <a:rPr lang="ro-RO" sz="2400" b="1" noProof="1" smtClean="0">
+                <a:latin typeface="Times New Roman" pitchFamily="18" charset="0"/>
+                <a:cs typeface="Times New Roman" pitchFamily="18" charset="0"/>
+              </a:rPr>
+              <a:t> </a:t>
+            </a:r>
+            <a:r>
+              <a:rPr lang="ro-RO" sz="2400" noProof="1" smtClean="0">
+                <a:latin typeface="Times New Roman" pitchFamily="18" charset="0"/>
+                <a:cs typeface="Times New Roman" pitchFamily="18" charset="0"/>
+              </a:rPr>
+              <a:t>si</a:t>
+            </a:r>
+            <a:r>
+              <a:rPr lang="ro-RO" sz="2400" noProof="1" smtClean="0">
+                <a:latin typeface="Times New Roman" pitchFamily="18" charset="0"/>
+                <a:cs typeface="Times New Roman" pitchFamily="18" charset="0"/>
+              </a:rPr>
+              <a:t> </a:t>
+            </a:r>
+            <a:r>
+              <a:rPr lang="ro-RO" sz="2400" b="1" noProof="1" smtClean="0">
+                <a:latin typeface="Times New Roman" pitchFamily="18" charset="0"/>
+                <a:cs typeface="Times New Roman" pitchFamily="18" charset="0"/>
+              </a:rPr>
+              <a:t>Baza </a:t>
+            </a:r>
+            <a:r>
+              <a:rPr lang="ro-RO" sz="2400" b="1" noProof="1" smtClean="0">
+                <a:latin typeface="Times New Roman" pitchFamily="18" charset="0"/>
+                <a:cs typeface="Times New Roman" pitchFamily="18" charset="0"/>
+              </a:rPr>
+              <a:t>de </a:t>
+            </a:r>
+            <a:r>
+              <a:rPr lang="ro-RO" sz="2400" b="1" noProof="1" smtClean="0">
+                <a:latin typeface="Times New Roman" pitchFamily="18" charset="0"/>
+                <a:cs typeface="Times New Roman" pitchFamily="18" charset="0"/>
+              </a:rPr>
+              <a:t>date</a:t>
+            </a:r>
+            <a:r>
+              <a:rPr lang="ro-RO" sz="2400" noProof="1" smtClean="0">
+                <a:latin typeface="Times New Roman" pitchFamily="18" charset="0"/>
+                <a:cs typeface="Times New Roman" pitchFamily="18" charset="0"/>
+              </a:rPr>
+              <a:t>.</a:t>
+            </a:r>
+            <a:r>
+              <a:rPr lang="ro-RO" sz="2400" b="1" noProof="1" smtClean="0">
+                <a:latin typeface="Times New Roman" pitchFamily="18" charset="0"/>
+                <a:cs typeface="Times New Roman" pitchFamily="18" charset="0"/>
+              </a:rPr>
+              <a:t> </a:t>
+            </a:r>
+            <a:endParaRPr lang="en-US" sz="2400" b="1" noProof="1" smtClean="0">
+              <a:latin typeface="Times New Roman" pitchFamily="18" charset="0"/>
+              <a:cs typeface="Times New Roman" pitchFamily="18" charset="0"/>
+            </a:endParaRPr>
+          </a:p>
+          <a:p>
+            <a:endParaRPr lang="en-US" sz="2400" b="1" noProof="1" smtClean="0">
+              <a:latin typeface="Times New Roman" pitchFamily="18" charset="0"/>
+              <a:cs typeface="Times New Roman" pitchFamily="18" charset="0"/>
+            </a:endParaRPr>
+          </a:p>
+          <a:p>
+            <a:endParaRPr lang="en-US" sz="2400" b="1" noProof="1" smtClean="0">
+              <a:latin typeface="Times New Roman" pitchFamily="18" charset="0"/>
+              <a:cs typeface="Times New Roman" pitchFamily="18" charset="0"/>
+            </a:endParaRPr>
+          </a:p>
+          <a:p>
+            <a:endParaRPr lang="en-US" sz="2400" b="1" noProof="1" smtClean="0">
+              <a:latin typeface="Times New Roman" pitchFamily="18" charset="0"/>
+              <a:cs typeface="Times New Roman" pitchFamily="18" charset="0"/>
+            </a:endParaRPr>
+          </a:p>
+          <a:p>
+            <a:endParaRPr lang="en-US" sz="2400" b="1" noProof="1" smtClean="0">
+              <a:latin typeface="Times New Roman" pitchFamily="18" charset="0"/>
+              <a:cs typeface="Times New Roman" pitchFamily="18" charset="0"/>
+            </a:endParaRPr>
+          </a:p>
+          <a:p>
+            <a:endParaRPr lang="en-US" sz="2400" b="1" noProof="1" smtClean="0">
+              <a:latin typeface="Times New Roman" pitchFamily="18" charset="0"/>
+              <a:cs typeface="Times New Roman" pitchFamily="18" charset="0"/>
+            </a:endParaRPr>
+          </a:p>
+          <a:p>
+            <a:endParaRPr lang="en-US" sz="2400" b="1" noProof="1" smtClean="0">
+              <a:latin typeface="Times New Roman" pitchFamily="18" charset="0"/>
+              <a:cs typeface="Times New Roman" pitchFamily="18" charset="0"/>
+            </a:endParaRPr>
+          </a:p>
+          <a:p>
+            <a:endParaRPr lang="en-US" sz="2400" b="1" noProof="1" smtClean="0">
+              <a:latin typeface="Times New Roman" pitchFamily="18" charset="0"/>
+              <a:cs typeface="Times New Roman" pitchFamily="18" charset="0"/>
+            </a:endParaRPr>
+          </a:p>
+          <a:p>
+            <a:endParaRPr lang="en-US" sz="2400" b="1" noProof="1" smtClean="0">
+              <a:latin typeface="Times New Roman" pitchFamily="18" charset="0"/>
+              <a:cs typeface="Times New Roman" pitchFamily="18" charset="0"/>
+            </a:endParaRPr>
+          </a:p>
+          <a:p>
+            <a:endParaRPr lang="en-US" sz="2400" b="1" noProof="1" smtClean="0">
+              <a:latin typeface="Times New Roman" pitchFamily="18" charset="0"/>
+              <a:cs typeface="Times New Roman" pitchFamily="18" charset="0"/>
+            </a:endParaRPr>
+          </a:p>
+          <a:p>
+            <a:r>
+              <a:rPr lang="en-US" sz="2400" b="1" noProof="1" smtClean="0">
+                <a:latin typeface="Times New Roman" pitchFamily="18" charset="0"/>
+                <a:cs typeface="Times New Roman" pitchFamily="18" charset="0"/>
+              </a:rPr>
+              <a:t>Cazurile de utilizare</a:t>
+            </a:r>
+            <a:endParaRPr lang="ro-RO" sz="2400" noProof="1">
+              <a:latin typeface="Times New Roman" pitchFamily="18" charset="0"/>
+              <a:cs typeface="Times New Roman" pitchFamily="18" charset="0"/>
+            </a:endParaRPr>
+          </a:p>
+        </p:txBody>
+      </p:sp>
+      <p:sp>
+        <p:nvSpPr>
+          <p:cNvPr id="3" name="Title 2"/>
+          <p:cNvSpPr>
+            <a:spLocks noGrp="1"/>
+          </p:cNvSpPr>
+          <p:nvPr>
+            <p:ph type="title"/>
+          </p:nvPr>
+        </p:nvSpPr>
+        <p:spPr>
+          <a:xfrm>
+            <a:off x="457200" y="304800"/>
+            <a:ext cx="8229600" cy="783535"/>
+          </a:xfrm>
+        </p:spPr>
         <p:txBody>
           <a:bodyPr/>
           <a:lstStyle/>
           <a:p>
-            <a:endParaRPr lang="ro-RO"/>
-          </a:p>
-        </p:txBody>
-      </p:sp>
-      <p:sp>
-        <p:nvSpPr>
-          <p:cNvPr id="3" name="Title 2"/>
-          <p:cNvSpPr>
-            <a:spLocks noGrp="1"/>
-          </p:cNvSpPr>
-          <p:nvPr>
-            <p:ph type="title"/>
-          </p:nvPr>
-        </p:nvSpPr>
-        <p:spPr/>
-        <p:txBody>
-          <a:bodyPr/>
-          <a:lstStyle/>
-          <a:p>
-            <a:r>
-              <a:rPr lang="en-US" dirty="0" err="1" smtClean="0"/>
-              <a:t>Descrierea</a:t>
-            </a:r>
-            <a:r>
-              <a:rPr lang="en-US" dirty="0" smtClean="0"/>
-              <a:t> </a:t>
-            </a:r>
-            <a:r>
-              <a:rPr lang="en-US" dirty="0" err="1" smtClean="0"/>
-              <a:t>proiectului</a:t>
-            </a:r>
-            <a:endParaRPr lang="ro-RO" dirty="0"/>
+            <a:r>
+              <a:rPr lang="ro-RO" b="1" noProof="1" smtClean="0">
+                <a:latin typeface="Times New Roman" pitchFamily="18" charset="0"/>
+                <a:cs typeface="Times New Roman" pitchFamily="18" charset="0"/>
+              </a:rPr>
+              <a:t>Descrierea </a:t>
+            </a:r>
+            <a:r>
+              <a:rPr lang="ro-RO" b="1" noProof="1" smtClean="0">
+                <a:latin typeface="Times New Roman" pitchFamily="18" charset="0"/>
+                <a:cs typeface="Times New Roman" pitchFamily="18" charset="0"/>
+              </a:rPr>
+              <a:t>aplicatiei proiectului</a:t>
+            </a:r>
+            <a:endParaRPr lang="ro-RO" b="1" noProof="1">
+              <a:latin typeface="Times New Roman" pitchFamily="18" charset="0"/>
+              <a:cs typeface="Times New Roman" pitchFamily="18" charset="0"/>
+            </a:endParaRPr>
+          </a:p>
+        </p:txBody>
+      </p:sp>
+      <p:sp>
+        <p:nvSpPr>
+          <p:cNvPr id="4" name="Rounded Rectangle 3"/>
+          <p:cNvSpPr/>
+          <p:nvPr/>
+        </p:nvSpPr>
+        <p:spPr>
+          <a:xfrm>
+            <a:off x="3352800" y="2667000"/>
+            <a:ext cx="2133600" cy="1143000"/>
+          </a:xfrm>
+          <a:prstGeom prst="roundRect">
+            <a:avLst/>
+          </a:prstGeom>
+        </p:spPr>
+        <p:style>
+          <a:lnRef idx="2">
+            <a:schemeClr val="accent1">
+              <a:shade val="50000"/>
+            </a:schemeClr>
+          </a:lnRef>
+          <a:fillRef idx="1">
+            <a:schemeClr val="accent1"/>
+          </a:fillRef>
+          <a:effectRef idx="0">
+            <a:schemeClr val="accent1"/>
+          </a:effectRef>
+          <a:fontRef idx="minor">
+            <a:schemeClr val="lt1"/>
+          </a:fontRef>
+        </p:style>
+        <p:txBody>
+          <a:bodyPr rtlCol="0" anchor="ctr"/>
+          <a:lstStyle/>
+          <a:p>
+            <a:pPr algn="ctr"/>
+            <a:r>
+              <a:rPr lang="ro-RO" sz="2800" noProof="1" smtClean="0">
+                <a:solidFill>
+                  <a:schemeClr val="bg1"/>
+                </a:solidFill>
+              </a:rPr>
+              <a:t>Simulatorul</a:t>
+            </a:r>
+            <a:endParaRPr lang="ro-RO" sz="2800" noProof="1">
+              <a:solidFill>
+                <a:schemeClr val="bg1"/>
+              </a:solidFill>
+            </a:endParaRPr>
+          </a:p>
+        </p:txBody>
+      </p:sp>
+      <p:sp>
+        <p:nvSpPr>
+          <p:cNvPr id="5" name="Rounded Rectangle 4"/>
+          <p:cNvSpPr/>
+          <p:nvPr/>
+        </p:nvSpPr>
+        <p:spPr>
+          <a:xfrm>
+            <a:off x="5943600" y="2667000"/>
+            <a:ext cx="2133600" cy="1143000"/>
+          </a:xfrm>
+          <a:prstGeom prst="roundRect">
+            <a:avLst/>
+          </a:prstGeom>
+        </p:spPr>
+        <p:style>
+          <a:lnRef idx="2">
+            <a:schemeClr val="accent1">
+              <a:shade val="50000"/>
+            </a:schemeClr>
+          </a:lnRef>
+          <a:fillRef idx="1">
+            <a:schemeClr val="accent1"/>
+          </a:fillRef>
+          <a:effectRef idx="0">
+            <a:schemeClr val="accent1"/>
+          </a:effectRef>
+          <a:fontRef idx="minor">
+            <a:schemeClr val="lt1"/>
+          </a:fontRef>
+        </p:style>
+        <p:txBody>
+          <a:bodyPr rtlCol="0" anchor="ctr"/>
+          <a:lstStyle/>
+          <a:p>
+            <a:pPr algn="ctr"/>
+            <a:r>
+              <a:rPr lang="ro-RO" sz="2800" noProof="1" smtClean="0">
+                <a:solidFill>
+                  <a:schemeClr val="bg1"/>
+                </a:solidFill>
+              </a:rPr>
+              <a:t>Interfata</a:t>
+            </a:r>
+            <a:r>
+              <a:rPr lang="ro-RO" sz="2800" noProof="1" smtClean="0">
+                <a:solidFill>
+                  <a:schemeClr val="bg1"/>
+                </a:solidFill>
+              </a:rPr>
+              <a:t> cu </a:t>
+            </a:r>
+            <a:r>
+              <a:rPr lang="ro-RO" sz="2800" noProof="1" smtClean="0">
+                <a:solidFill>
+                  <a:schemeClr val="bg1"/>
+                </a:solidFill>
+              </a:rPr>
+              <a:t>utilizatorul</a:t>
+            </a:r>
+            <a:endParaRPr lang="ro-RO" sz="2800" noProof="1">
+              <a:solidFill>
+                <a:schemeClr val="bg1"/>
+              </a:solidFill>
+            </a:endParaRPr>
+          </a:p>
+        </p:txBody>
+      </p:sp>
+      <p:sp>
+        <p:nvSpPr>
+          <p:cNvPr id="6" name="Rounded Rectangle 5"/>
+          <p:cNvSpPr/>
+          <p:nvPr/>
+        </p:nvSpPr>
+        <p:spPr>
+          <a:xfrm>
+            <a:off x="3429000" y="4343400"/>
+            <a:ext cx="2133600" cy="1143000"/>
+          </a:xfrm>
+          <a:prstGeom prst="roundRect">
+            <a:avLst/>
+          </a:prstGeom>
+        </p:spPr>
+        <p:style>
+          <a:lnRef idx="2">
+            <a:schemeClr val="accent1">
+              <a:shade val="50000"/>
+            </a:schemeClr>
+          </a:lnRef>
+          <a:fillRef idx="1">
+            <a:schemeClr val="accent1"/>
+          </a:fillRef>
+          <a:effectRef idx="0">
+            <a:schemeClr val="accent1"/>
+          </a:effectRef>
+          <a:fontRef idx="minor">
+            <a:schemeClr val="lt1"/>
+          </a:fontRef>
+        </p:style>
+        <p:txBody>
+          <a:bodyPr rtlCol="0" anchor="ctr"/>
+          <a:lstStyle/>
+          <a:p>
+            <a:pPr algn="ctr"/>
+            <a:r>
+              <a:rPr lang="ro-RO" sz="2800" noProof="1" smtClean="0">
+                <a:solidFill>
+                  <a:schemeClr val="bg1"/>
+                </a:solidFill>
+              </a:rPr>
+              <a:t>Modul</a:t>
+            </a:r>
+            <a:r>
+              <a:rPr lang="ro-RO" sz="2800" noProof="1" smtClean="0">
+                <a:solidFill>
+                  <a:schemeClr val="bg1"/>
+                </a:solidFill>
+              </a:rPr>
+              <a:t> de </a:t>
+            </a:r>
+            <a:r>
+              <a:rPr lang="ro-RO" sz="2800" noProof="1" smtClean="0">
+                <a:solidFill>
+                  <a:schemeClr val="bg1"/>
+                </a:solidFill>
+              </a:rPr>
+              <a:t>testare</a:t>
+            </a:r>
+            <a:endParaRPr lang="ro-RO" sz="2800" noProof="1">
+              <a:solidFill>
+                <a:schemeClr val="bg1"/>
+              </a:solidFill>
+            </a:endParaRPr>
+          </a:p>
+        </p:txBody>
+      </p:sp>
+      <p:sp>
+        <p:nvSpPr>
+          <p:cNvPr id="7" name="Rounded Rectangle 6"/>
+          <p:cNvSpPr/>
+          <p:nvPr/>
+        </p:nvSpPr>
+        <p:spPr>
+          <a:xfrm>
+            <a:off x="762000" y="4343400"/>
+            <a:ext cx="2133600" cy="1143000"/>
+          </a:xfrm>
+          <a:prstGeom prst="roundRect">
+            <a:avLst/>
+          </a:prstGeom>
+        </p:spPr>
+        <p:style>
+          <a:lnRef idx="2">
+            <a:schemeClr val="accent1">
+              <a:shade val="50000"/>
+            </a:schemeClr>
+          </a:lnRef>
+          <a:fillRef idx="1">
+            <a:schemeClr val="accent1"/>
+          </a:fillRef>
+          <a:effectRef idx="0">
+            <a:schemeClr val="accent1"/>
+          </a:effectRef>
+          <a:fontRef idx="minor">
+            <a:schemeClr val="lt1"/>
+          </a:fontRef>
+        </p:style>
+        <p:txBody>
+          <a:bodyPr rtlCol="0" anchor="ctr"/>
+          <a:lstStyle/>
+          <a:p>
+            <a:pPr algn="ctr"/>
+            <a:r>
+              <a:rPr lang="ro-RO" sz="2800" noProof="1" smtClean="0">
+                <a:solidFill>
+                  <a:schemeClr val="bg1"/>
+                </a:solidFill>
+              </a:rPr>
+              <a:t>Simulatorul</a:t>
+            </a:r>
+            <a:endParaRPr lang="ro-RO" sz="2800" noProof="1">
+              <a:solidFill>
+                <a:schemeClr val="bg1"/>
+              </a:solidFill>
+            </a:endParaRPr>
+          </a:p>
+        </p:txBody>
+      </p:sp>
+      <p:sp>
+        <p:nvSpPr>
+          <p:cNvPr id="8" name="Right Arrow 7"/>
+          <p:cNvSpPr/>
+          <p:nvPr/>
+        </p:nvSpPr>
+        <p:spPr>
+          <a:xfrm>
+            <a:off x="5486400" y="3048000"/>
+            <a:ext cx="609600" cy="381000"/>
+          </a:xfrm>
+          <a:prstGeom prst="rightArrow">
+            <a:avLst/>
+          </a:prstGeom>
+          <a:solidFill>
+            <a:schemeClr val="tx1"/>
+          </a:solidFill>
+        </p:spPr>
+        <p:style>
+          <a:lnRef idx="2">
+            <a:schemeClr val="accent1">
+              <a:shade val="50000"/>
+            </a:schemeClr>
+          </a:lnRef>
+          <a:fillRef idx="1">
+            <a:schemeClr val="accent1"/>
+          </a:fillRef>
+          <a:effectRef idx="0">
+            <a:schemeClr val="accent1"/>
+          </a:effectRef>
+          <a:fontRef idx="minor">
+            <a:schemeClr val="lt1"/>
+          </a:fontRef>
+        </p:style>
+        <p:txBody>
+          <a:bodyPr rtlCol="0" anchor="ctr"/>
+          <a:lstStyle/>
+          <a:p>
+            <a:pPr algn="ctr"/>
+            <a:endParaRPr lang="en-US"/>
+          </a:p>
+        </p:txBody>
+      </p:sp>
+      <p:sp>
+        <p:nvSpPr>
+          <p:cNvPr id="9" name="Right Arrow 8"/>
+          <p:cNvSpPr/>
+          <p:nvPr/>
+        </p:nvSpPr>
+        <p:spPr>
+          <a:xfrm>
+            <a:off x="2895600" y="4800600"/>
+            <a:ext cx="609600" cy="381000"/>
+          </a:xfrm>
+          <a:prstGeom prst="rightArrow">
+            <a:avLst/>
+          </a:prstGeom>
+          <a:solidFill>
+            <a:schemeClr val="tx1"/>
+          </a:solidFill>
+        </p:spPr>
+        <p:style>
+          <a:lnRef idx="2">
+            <a:schemeClr val="accent1">
+              <a:shade val="50000"/>
+            </a:schemeClr>
+          </a:lnRef>
+          <a:fillRef idx="1">
+            <a:schemeClr val="accent1"/>
+          </a:fillRef>
+          <a:effectRef idx="0">
+            <a:schemeClr val="accent1"/>
+          </a:effectRef>
+          <a:fontRef idx="minor">
+            <a:schemeClr val="lt1"/>
+          </a:fontRef>
+        </p:style>
+        <p:txBody>
+          <a:bodyPr rtlCol="0" anchor="ctr"/>
+          <a:lstStyle/>
+          <a:p>
+            <a:pPr algn="ctr"/>
+            <a:endParaRPr lang="en-US"/>
+          </a:p>
+        </p:txBody>
+      </p:sp>
+      <p:sp>
+        <p:nvSpPr>
+          <p:cNvPr id="10" name="Up-Down Arrow 9"/>
+          <p:cNvSpPr/>
+          <p:nvPr/>
+        </p:nvSpPr>
+        <p:spPr>
+          <a:xfrm>
+            <a:off x="4191000" y="3733800"/>
+            <a:ext cx="609600" cy="762000"/>
+          </a:xfrm>
+          <a:prstGeom prst="upDownArrow">
+            <a:avLst/>
+          </a:prstGeom>
+          <a:solidFill>
+            <a:schemeClr val="tx1"/>
+          </a:solidFill>
+        </p:spPr>
+        <p:style>
+          <a:lnRef idx="2">
+            <a:schemeClr val="accent1">
+              <a:shade val="50000"/>
+            </a:schemeClr>
+          </a:lnRef>
+          <a:fillRef idx="1">
+            <a:schemeClr val="accent1"/>
+          </a:fillRef>
+          <a:effectRef idx="0">
+            <a:schemeClr val="accent1"/>
+          </a:effectRef>
+          <a:fontRef idx="minor">
+            <a:schemeClr val="lt1"/>
+          </a:fontRef>
+        </p:style>
+        <p:txBody>
+          <a:bodyPr rtlCol="0" anchor="ctr"/>
+          <a:lstStyle/>
+          <a:p>
+            <a:pPr algn="ctr"/>
+            <a:endParaRPr lang="en-US"/>
           </a:p>
         </p:txBody>
       </p:sp>
@@ -2135,6 +2828,13 @@
   <p:transition>
     <p:fade thruBlk="1"/>
   </p:transition>
+  <p:timing>
+    <p:tnLst>
+      <p:par>
+        <p:cTn id="1" dur="indefinite" restart="never" nodeType="tmRoot"/>
+      </p:par>
+    </p:tnLst>
+  </p:timing>
 </p:sld>
 </file>
 
@@ -2170,7 +2870,100 @@
           <a:bodyPr/>
           <a:lstStyle/>
           <a:p>
-            <a:endParaRPr lang="ro-RO"/>
+            <a:r>
+              <a:rPr lang="en-US" b="1" noProof="1" smtClean="0">
+                <a:latin typeface="Times New Roman" pitchFamily="18" charset="0"/>
+                <a:cs typeface="Times New Roman" pitchFamily="18" charset="0"/>
+              </a:rPr>
+              <a:t>Atributii principale:</a:t>
+            </a:r>
+            <a:endParaRPr lang="en-US" b="1" noProof="1" smtClean="0">
+              <a:latin typeface="Times New Roman" pitchFamily="18" charset="0"/>
+              <a:cs typeface="Times New Roman" pitchFamily="18" charset="0"/>
+            </a:endParaRPr>
+          </a:p>
+          <a:p>
+            <a:pPr lvl="1"/>
+            <a:r>
+              <a:rPr lang="en-US" noProof="1" smtClean="0">
+                <a:latin typeface="Times New Roman" pitchFamily="18" charset="0"/>
+                <a:cs typeface="Times New Roman" pitchFamily="18" charset="0"/>
+              </a:rPr>
+              <a:t>calculul de coordonate in spatiul de lucru al componentelor Swing</a:t>
+            </a:r>
+          </a:p>
+          <a:p>
+            <a:pPr lvl="1"/>
+            <a:r>
+              <a:rPr lang="en-US" noProof="1" smtClean="0">
+                <a:latin typeface="Times New Roman" pitchFamily="18" charset="0"/>
+                <a:cs typeface="Times New Roman" pitchFamily="18" charset="0"/>
+              </a:rPr>
+              <a:t>desenarea interfetei</a:t>
+            </a:r>
+          </a:p>
+          <a:p>
+            <a:pPr lvl="1"/>
+            <a:r>
+              <a:rPr lang="en-US" noProof="1" smtClean="0">
+                <a:latin typeface="Times New Roman" pitchFamily="18" charset="0"/>
+                <a:cs typeface="Times New Roman" pitchFamily="18" charset="0"/>
+              </a:rPr>
+              <a:t>calculul marimilor de interes (viteza, turatie etc.) </a:t>
+            </a:r>
+          </a:p>
+          <a:p>
+            <a:pPr lvl="1"/>
+            <a:r>
+              <a:rPr lang="en-US" noProof="1" smtClean="0">
+                <a:latin typeface="Times New Roman" pitchFamily="18" charset="0"/>
+                <a:cs typeface="Times New Roman" pitchFamily="18" charset="0"/>
+              </a:rPr>
+              <a:t>gestionarea semnalelor de avertizare </a:t>
+            </a:r>
+          </a:p>
+          <a:p>
+            <a:r>
+              <a:rPr lang="en-US" b="1" noProof="1" smtClean="0">
+                <a:latin typeface="Times New Roman" pitchFamily="18" charset="0"/>
+                <a:cs typeface="Times New Roman" pitchFamily="18" charset="0"/>
+              </a:rPr>
+              <a:t>Tehnici folosite</a:t>
+            </a:r>
+          </a:p>
+          <a:p>
+            <a:pPr lvl="1"/>
+            <a:r>
+              <a:rPr lang="en-US" noProof="1" smtClean="0">
+                <a:latin typeface="Times New Roman" pitchFamily="18" charset="0"/>
+                <a:cs typeface="Times New Roman" pitchFamily="18" charset="0"/>
+              </a:rPr>
+              <a:t>Impartirea in zone a interfetei</a:t>
+            </a:r>
+          </a:p>
+          <a:p>
+            <a:pPr lvl="1"/>
+            <a:r>
+              <a:rPr lang="en-US" noProof="1" smtClean="0">
+                <a:latin typeface="Times New Roman" pitchFamily="18" charset="0"/>
+                <a:cs typeface="Times New Roman" pitchFamily="18" charset="0"/>
+              </a:rPr>
+              <a:t>Regresia polinomiala</a:t>
+            </a:r>
+          </a:p>
+          <a:p>
+            <a:pPr lvl="1"/>
+            <a:r>
+              <a:rPr lang="en-US" noProof="1" smtClean="0">
+                <a:latin typeface="Times New Roman" pitchFamily="18" charset="0"/>
+                <a:cs typeface="Times New Roman" pitchFamily="18" charset="0"/>
+              </a:rPr>
+              <a:t>Integrarea mesajelor vocale</a:t>
+            </a:r>
+            <a:endParaRPr lang="ro-RO" noProof="1">
+              <a:latin typeface="Times New Roman" pitchFamily="18" charset="0"/>
+              <a:cs typeface="Times New Roman" pitchFamily="18" charset="0"/>
+            </a:endParaRPr>
           </a:p>
         </p:txBody>
       </p:sp>
@@ -2190,10 +2983,16 @@
           <a:lstStyle/>
           <a:p>
             <a:r>
-              <a:rPr lang="en-US" dirty="0" err="1" smtClean="0"/>
+              <a:rPr lang="ro-RO" b="1" noProof="1" smtClean="0">
+                <a:latin typeface="Times New Roman" pitchFamily="18" charset="0"/>
+                <a:cs typeface="Times New Roman" pitchFamily="18" charset="0"/>
+              </a:rPr>
               <a:t>Simulatorul</a:t>
             </a:r>
-            <a:endParaRPr lang="ro-RO" dirty="0"/>
+            <a:endParaRPr lang="ro-RO" b="1" noProof="1">
+              <a:latin typeface="Times New Roman" pitchFamily="18" charset="0"/>
+              <a:cs typeface="Times New Roman" pitchFamily="18" charset="0"/>
+            </a:endParaRPr>
           </a:p>
         </p:txBody>
       </p:sp>
@@ -2205,6 +3004,13 @@
   <p:transition>
     <p:fade thruBlk="1"/>
   </p:transition>
+  <p:timing>
+    <p:tnLst>
+      <p:par>
+        <p:cTn id="1" dur="indefinite" restart="never" nodeType="tmRoot"/>
+      </p:par>
+    </p:tnLst>
+  </p:timing>
 </p:sld>
 </file>
 
@@ -2235,42 +3041,267 @@
             <p:ph type="body" idx="1"/>
           </p:nvPr>
         </p:nvSpPr>
-        <p:spPr/>
+        <p:spPr>
+          <a:xfrm>
+            <a:off x="457200" y="685800"/>
+            <a:ext cx="8229600" cy="5867400"/>
+          </a:xfrm>
+        </p:spPr>
+        <p:txBody>
+          <a:bodyPr>
+            <a:normAutofit lnSpcReduction="10000"/>
+          </a:bodyPr>
+          <a:lstStyle/>
+          <a:p>
+            <a:r>
+              <a:rPr lang="en-US" b="1" noProof="1" smtClean="0">
+                <a:latin typeface="Times New Roman" pitchFamily="18" charset="0"/>
+                <a:cs typeface="Times New Roman" pitchFamily="18" charset="0"/>
+              </a:rPr>
+              <a:t>I</a:t>
+            </a:r>
+            <a:r>
+              <a:rPr lang="en-US" sz="2400" b="1" noProof="1" smtClean="0">
+                <a:latin typeface="Times New Roman" pitchFamily="18" charset="0"/>
+                <a:cs typeface="Times New Roman" pitchFamily="18" charset="0"/>
+              </a:rPr>
+              <a:t>mpartirea in zone a simulatorului</a:t>
+            </a:r>
+          </a:p>
+          <a:p>
+            <a:endParaRPr lang="en-US" noProof="1" smtClean="0">
+              <a:latin typeface="Times New Roman" pitchFamily="18" charset="0"/>
+              <a:cs typeface="Times New Roman" pitchFamily="18" charset="0"/>
+            </a:endParaRPr>
+          </a:p>
+          <a:p>
+            <a:endParaRPr lang="en-US" noProof="1" smtClean="0">
+              <a:latin typeface="Times New Roman" pitchFamily="18" charset="0"/>
+              <a:cs typeface="Times New Roman" pitchFamily="18" charset="0"/>
+            </a:endParaRPr>
+          </a:p>
+          <a:p>
+            <a:endParaRPr lang="en-US" noProof="1" smtClean="0">
+              <a:latin typeface="Times New Roman" pitchFamily="18" charset="0"/>
+              <a:cs typeface="Times New Roman" pitchFamily="18" charset="0"/>
+            </a:endParaRPr>
+          </a:p>
+          <a:p>
+            <a:endParaRPr lang="en-US" noProof="1" smtClean="0">
+              <a:latin typeface="Times New Roman" pitchFamily="18" charset="0"/>
+              <a:cs typeface="Times New Roman" pitchFamily="18" charset="0"/>
+            </a:endParaRPr>
+          </a:p>
+          <a:p>
+            <a:endParaRPr lang="en-US" noProof="1" smtClean="0">
+              <a:latin typeface="Times New Roman" pitchFamily="18" charset="0"/>
+              <a:cs typeface="Times New Roman" pitchFamily="18" charset="0"/>
+            </a:endParaRPr>
+          </a:p>
+          <a:p>
+            <a:pPr>
+              <a:buNone/>
+            </a:pPr>
+            <a:endParaRPr lang="en-US" noProof="1" smtClean="0">
+              <a:latin typeface="Times New Roman" pitchFamily="18" charset="0"/>
+              <a:cs typeface="Times New Roman" pitchFamily="18" charset="0"/>
+            </a:endParaRPr>
+          </a:p>
+          <a:p>
+            <a:pPr>
+              <a:buNone/>
+            </a:pPr>
+            <a:endParaRPr lang="en-US" noProof="1" smtClean="0">
+              <a:latin typeface="Times New Roman" pitchFamily="18" charset="0"/>
+              <a:cs typeface="Times New Roman" pitchFamily="18" charset="0"/>
+            </a:endParaRPr>
+          </a:p>
+          <a:p>
+            <a:r>
+              <a:rPr lang="en-US" sz="2400" b="1" noProof="1" smtClean="0">
+                <a:latin typeface="Times New Roman" pitchFamily="18" charset="0"/>
+                <a:cs typeface="Times New Roman" pitchFamily="18" charset="0"/>
+              </a:rPr>
+              <a:t>Regresia polinomiala</a:t>
+            </a:r>
+            <a:endParaRPr lang="en-US" sz="2400" b="1" noProof="1" smtClean="0">
+              <a:latin typeface="Times New Roman" pitchFamily="18" charset="0"/>
+              <a:cs typeface="Times New Roman" pitchFamily="18" charset="0"/>
+            </a:endParaRPr>
+          </a:p>
+          <a:p>
+            <a:endParaRPr lang="en-US" noProof="1" smtClean="0">
+              <a:latin typeface="Times New Roman" pitchFamily="18" charset="0"/>
+              <a:cs typeface="Times New Roman" pitchFamily="18" charset="0"/>
+            </a:endParaRPr>
+          </a:p>
+          <a:p>
+            <a:endParaRPr lang="en-US" noProof="1" smtClean="0">
+              <a:latin typeface="Times New Roman" pitchFamily="18" charset="0"/>
+              <a:cs typeface="Times New Roman" pitchFamily="18" charset="0"/>
+            </a:endParaRPr>
+          </a:p>
+          <a:p>
+            <a:endParaRPr lang="en-US" noProof="1" smtClean="0">
+              <a:latin typeface="Times New Roman" pitchFamily="18" charset="0"/>
+              <a:cs typeface="Times New Roman" pitchFamily="18" charset="0"/>
+            </a:endParaRPr>
+          </a:p>
+          <a:p>
+            <a:endParaRPr lang="en-US" noProof="1" smtClean="0">
+              <a:latin typeface="Times New Roman" pitchFamily="18" charset="0"/>
+              <a:cs typeface="Times New Roman" pitchFamily="18" charset="0"/>
+            </a:endParaRPr>
+          </a:p>
+          <a:p>
+            <a:endParaRPr lang="en-US" noProof="1" smtClean="0">
+              <a:latin typeface="Times New Roman" pitchFamily="18" charset="0"/>
+              <a:cs typeface="Times New Roman" pitchFamily="18" charset="0"/>
+            </a:endParaRPr>
+          </a:p>
+          <a:p>
+            <a:r>
+              <a:rPr lang="en-US" sz="2400" b="1" noProof="1" smtClean="0">
+                <a:latin typeface="Times New Roman" pitchFamily="18" charset="0"/>
+                <a:cs typeface="Times New Roman" pitchFamily="18" charset="0"/>
+              </a:rPr>
+              <a:t>Integrarea mesajelor vocale</a:t>
+            </a:r>
+          </a:p>
+          <a:p>
+            <a:endParaRPr lang="en-US" noProof="1" smtClean="0">
+              <a:latin typeface="Times New Roman" pitchFamily="18" charset="0"/>
+              <a:cs typeface="Times New Roman" pitchFamily="18" charset="0"/>
+            </a:endParaRPr>
+          </a:p>
+          <a:p>
+            <a:endParaRPr lang="en-US" noProof="1" smtClean="0">
+              <a:latin typeface="Times New Roman" pitchFamily="18" charset="0"/>
+              <a:cs typeface="Times New Roman" pitchFamily="18" charset="0"/>
+            </a:endParaRPr>
+          </a:p>
+          <a:p>
+            <a:endParaRPr lang="ro-RO" noProof="1">
+              <a:latin typeface="Times New Roman" pitchFamily="18" charset="0"/>
+              <a:cs typeface="Times New Roman" pitchFamily="18" charset="0"/>
+            </a:endParaRPr>
+          </a:p>
+        </p:txBody>
+      </p:sp>
+      <p:sp>
+        <p:nvSpPr>
+          <p:cNvPr id="3" name="Title 2"/>
+          <p:cNvSpPr>
+            <a:spLocks noGrp="1"/>
+          </p:cNvSpPr>
+          <p:nvPr>
+            <p:ph type="title"/>
+          </p:nvPr>
+        </p:nvSpPr>
+        <p:spPr>
+          <a:xfrm>
+            <a:off x="457200" y="0"/>
+            <a:ext cx="8229600" cy="707335"/>
+          </a:xfrm>
+        </p:spPr>
         <p:txBody>
           <a:bodyPr/>
           <a:lstStyle/>
           <a:p>
-            <a:endParaRPr lang="ro-RO"/>
-          </a:p>
-        </p:txBody>
-      </p:sp>
-      <p:sp>
-        <p:nvSpPr>
-          <p:cNvPr id="3" name="Title 2"/>
-          <p:cNvSpPr>
-            <a:spLocks noGrp="1"/>
-          </p:cNvSpPr>
-          <p:nvPr>
-            <p:ph type="title"/>
-          </p:nvPr>
-        </p:nvSpPr>
-        <p:spPr/>
-        <p:txBody>
-          <a:bodyPr/>
-          <a:lstStyle/>
-          <a:p>
-            <a:r>
-              <a:rPr lang="en-US" dirty="0" err="1" smtClean="0"/>
+            <a:r>
+              <a:rPr lang="ro-RO" b="1" noProof="1" smtClean="0">
+                <a:latin typeface="Times New Roman" pitchFamily="18" charset="0"/>
+                <a:cs typeface="Times New Roman" pitchFamily="18" charset="0"/>
+              </a:rPr>
               <a:t>Simulatorul</a:t>
             </a:r>
             <a:r>
-              <a:rPr lang="en-US" dirty="0" smtClean="0"/>
-              <a:t> (2)</a:t>
-            </a:r>
-            <a:endParaRPr lang="ro-RO" dirty="0"/>
-          </a:p>
-        </p:txBody>
-      </p:sp>
+              <a:rPr lang="ro-RO" b="1" noProof="1" smtClean="0">
+                <a:latin typeface="Times New Roman" pitchFamily="18" charset="0"/>
+                <a:cs typeface="Times New Roman" pitchFamily="18" charset="0"/>
+              </a:rPr>
+              <a:t> </a:t>
+            </a:r>
+            <a:r>
+              <a:rPr lang="ro-RO" b="1" noProof="1" smtClean="0">
+                <a:latin typeface="Times New Roman" pitchFamily="18" charset="0"/>
+                <a:cs typeface="Times New Roman" pitchFamily="18" charset="0"/>
+              </a:rPr>
+              <a:t>(2)</a:t>
+            </a:r>
+            <a:endParaRPr lang="ro-RO" b="1" noProof="1">
+              <a:latin typeface="Times New Roman" pitchFamily="18" charset="0"/>
+              <a:cs typeface="Times New Roman" pitchFamily="18" charset="0"/>
+            </a:endParaRPr>
+          </a:p>
+        </p:txBody>
+      </p:sp>
+      <p:pic>
+        <p:nvPicPr>
+          <p:cNvPr id="1026" name="Picture 2"/>
+          <p:cNvPicPr>
+            <a:picLocks noChangeAspect="1" noChangeArrowheads="1"/>
+          </p:cNvPicPr>
+          <p:nvPr/>
+        </p:nvPicPr>
+        <p:blipFill>
+          <a:blip r:embed="rId2"/>
+          <a:srcRect/>
+          <a:stretch>
+            <a:fillRect/>
+          </a:stretch>
+        </p:blipFill>
+        <p:spPr bwMode="auto">
+          <a:xfrm>
+            <a:off x="1981201" y="1219200"/>
+            <a:ext cx="4495800" cy="2441019"/>
+          </a:xfrm>
+          <a:prstGeom prst="rect">
+            <a:avLst/>
+          </a:prstGeom>
+          <a:noFill/>
+          <a:ln w="9525">
+            <a:noFill/>
+            <a:miter lim="800000"/>
+            <a:headEnd/>
+            <a:tailEnd/>
+          </a:ln>
+          <a:effectLst/>
+        </p:spPr>
+      </p:pic>
+      <p:pic>
+        <p:nvPicPr>
+          <p:cNvPr id="1027" name="Picture 3"/>
+          <p:cNvPicPr>
+            <a:picLocks noChangeAspect="1" noChangeArrowheads="1"/>
+          </p:cNvPicPr>
+          <p:nvPr/>
+        </p:nvPicPr>
+        <p:blipFill>
+          <a:blip r:embed="rId3"/>
+          <a:srcRect/>
+          <a:stretch>
+            <a:fillRect/>
+          </a:stretch>
+        </p:blipFill>
+        <p:spPr bwMode="auto">
+          <a:xfrm>
+            <a:off x="2438400" y="4191000"/>
+            <a:ext cx="4038600" cy="1812482"/>
+          </a:xfrm>
+          <a:prstGeom prst="rect">
+            <a:avLst/>
+          </a:prstGeom>
+          <a:noFill/>
+          <a:ln w="9525">
+            <a:noFill/>
+            <a:miter lim="800000"/>
+            <a:headEnd/>
+            <a:tailEnd/>
+          </a:ln>
+          <a:effectLst/>
+        </p:spPr>
+      </p:pic>
     </p:spTree>
   </p:cSld>
   <p:clrMapOvr>
@@ -2279,6 +3310,13 @@
   <p:transition>
     <p:fade thruBlk="1"/>
   </p:transition>
+  <p:timing>
+    <p:tnLst>
+      <p:par>
+        <p:cTn id="1" dur="indefinite" restart="never" nodeType="tmRoot"/>
+      </p:par>
+    </p:tnLst>
+  </p:timing>
 </p:sld>
 </file>
 
@@ -2309,51 +3347,260 @@
             <p:ph type="body" idx="1"/>
           </p:nvPr>
         </p:nvSpPr>
-        <p:spPr/>
+        <p:spPr>
+          <a:xfrm>
+            <a:off x="457200" y="990600"/>
+            <a:ext cx="8229600" cy="5135563"/>
+          </a:xfrm>
+        </p:spPr>
+        <p:txBody>
+          <a:bodyPr>
+            <a:normAutofit/>
+          </a:bodyPr>
+          <a:lstStyle/>
+          <a:p>
+            <a:r>
+              <a:rPr lang="en-US" sz="2400" b="1" noProof="1" smtClean="0">
+                <a:latin typeface="Times New Roman" pitchFamily="18" charset="0"/>
+                <a:cs typeface="Times New Roman" pitchFamily="18" charset="0"/>
+              </a:rPr>
+              <a:t>Componentele Swing folosite</a:t>
+            </a:r>
+            <a:endParaRPr lang="ro-RO" sz="2400" b="1" noProof="1">
+              <a:latin typeface="Times New Roman" pitchFamily="18" charset="0"/>
+              <a:cs typeface="Times New Roman" pitchFamily="18" charset="0"/>
+            </a:endParaRPr>
+          </a:p>
+        </p:txBody>
+      </p:sp>
+      <p:sp>
+        <p:nvSpPr>
+          <p:cNvPr id="3" name="Title 2"/>
+          <p:cNvSpPr>
+            <a:spLocks noGrp="1"/>
+          </p:cNvSpPr>
+          <p:nvPr>
+            <p:ph type="title"/>
+          </p:nvPr>
+        </p:nvSpPr>
+        <p:spPr>
+          <a:xfrm>
+            <a:off x="381000" y="228600"/>
+            <a:ext cx="8229600" cy="707335"/>
+          </a:xfrm>
+        </p:spPr>
         <p:txBody>
           <a:bodyPr/>
           <a:lstStyle/>
           <a:p>
-            <a:endParaRPr lang="ro-RO"/>
-          </a:p>
-        </p:txBody>
-      </p:sp>
-      <p:sp>
-        <p:nvSpPr>
-          <p:cNvPr id="3" name="Title 2"/>
-          <p:cNvSpPr>
-            <a:spLocks noGrp="1"/>
-          </p:cNvSpPr>
-          <p:nvPr>
-            <p:ph type="title"/>
-          </p:nvPr>
-        </p:nvSpPr>
-        <p:spPr/>
-        <p:txBody>
-          <a:bodyPr/>
-          <a:lstStyle/>
-          <a:p>
-            <a:r>
-              <a:rPr lang="en-US" dirty="0" err="1" smtClean="0"/>
+            <a:r>
+              <a:rPr lang="ro-RO" b="1" noProof="1" smtClean="0">
+                <a:latin typeface="Times New Roman" pitchFamily="18" charset="0"/>
+                <a:cs typeface="Times New Roman" pitchFamily="18" charset="0"/>
+              </a:rPr>
               <a:t>Interfata</a:t>
             </a:r>
             <a:r>
-              <a:rPr lang="en-US" dirty="0" smtClean="0"/>
-              <a:t> </a:t>
-            </a:r>
-            <a:r>
-              <a:rPr lang="en-US" dirty="0" err="1" smtClean="0"/>
-              <a:t>grafica</a:t>
-            </a:r>
-            <a:r>
-              <a:rPr lang="en-US" dirty="0" smtClean="0"/>
-              <a:t> cu </a:t>
-            </a:r>
-            <a:r>
-              <a:rPr lang="en-US" dirty="0" err="1" smtClean="0"/>
+              <a:rPr lang="ro-RO" b="1" noProof="1" smtClean="0">
+                <a:latin typeface="Times New Roman" pitchFamily="18" charset="0"/>
+                <a:cs typeface="Times New Roman" pitchFamily="18" charset="0"/>
+              </a:rPr>
+              <a:t> grafica cu </a:t>
+            </a:r>
+            <a:r>
+              <a:rPr lang="ro-RO" b="1" noProof="1" smtClean="0">
+                <a:latin typeface="Times New Roman" pitchFamily="18" charset="0"/>
+                <a:cs typeface="Times New Roman" pitchFamily="18" charset="0"/>
+              </a:rPr>
               <a:t>utilizatorul</a:t>
             </a:r>
-            <a:endParaRPr lang="ro-RO" dirty="0"/>
+            <a:endParaRPr lang="ro-RO" b="1" noProof="1">
+              <a:latin typeface="Times New Roman" pitchFamily="18" charset="0"/>
+              <a:cs typeface="Times New Roman" pitchFamily="18" charset="0"/>
+            </a:endParaRPr>
+          </a:p>
+        </p:txBody>
+      </p:sp>
+      <p:pic>
+        <p:nvPicPr>
+          <p:cNvPr id="4" name="Picture 3"/>
+          <p:cNvPicPr/>
+          <p:nvPr/>
+        </p:nvPicPr>
+        <p:blipFill>
+          <a:blip r:embed="rId2"/>
+          <a:srcRect/>
+          <a:stretch>
+            <a:fillRect/>
+          </a:stretch>
+        </p:blipFill>
+        <p:spPr bwMode="auto">
+          <a:xfrm>
+            <a:off x="685800" y="1447800"/>
+            <a:ext cx="3429000" cy="2514600"/>
+          </a:xfrm>
+          <a:prstGeom prst="rect">
+            <a:avLst/>
+          </a:prstGeom>
+          <a:noFill/>
+          <a:ln w="9525">
+            <a:noFill/>
+            <a:miter lim="800000"/>
+            <a:headEnd/>
+            <a:tailEnd/>
+          </a:ln>
+        </p:spPr>
+      </p:pic>
+      <p:pic>
+        <p:nvPicPr>
+          <p:cNvPr id="5" name="Picture 4"/>
+          <p:cNvPicPr/>
+          <p:nvPr/>
+        </p:nvPicPr>
+        <p:blipFill>
+          <a:blip r:embed="rId3"/>
+          <a:srcRect/>
+          <a:stretch>
+            <a:fillRect/>
+          </a:stretch>
+        </p:blipFill>
+        <p:spPr bwMode="auto">
+          <a:xfrm>
+            <a:off x="3352800" y="4038600"/>
+            <a:ext cx="3690442" cy="2562447"/>
+          </a:xfrm>
+          <a:prstGeom prst="rect">
+            <a:avLst/>
+          </a:prstGeom>
+          <a:noFill/>
+          <a:ln w="9525">
+            <a:noFill/>
+            <a:miter lim="800000"/>
+            <a:headEnd/>
+            <a:tailEnd/>
+          </a:ln>
+        </p:spPr>
+      </p:pic>
+      <p:sp>
+        <p:nvSpPr>
+          <p:cNvPr id="7" name="Plus 6"/>
+          <p:cNvSpPr/>
+          <p:nvPr/>
+        </p:nvSpPr>
+        <p:spPr>
+          <a:xfrm>
+            <a:off x="4038600" y="2286000"/>
+            <a:ext cx="685800" cy="685800"/>
+          </a:xfrm>
+          <a:prstGeom prst="mathPlus">
+            <a:avLst/>
+          </a:prstGeom>
+          <a:solidFill>
+            <a:schemeClr val="tx1"/>
+          </a:solidFill>
+        </p:spPr>
+        <p:style>
+          <a:lnRef idx="2">
+            <a:schemeClr val="accent1">
+              <a:shade val="50000"/>
+            </a:schemeClr>
+          </a:lnRef>
+          <a:fillRef idx="1">
+            <a:schemeClr val="accent1"/>
+          </a:fillRef>
+          <a:effectRef idx="0">
+            <a:schemeClr val="accent1"/>
+          </a:effectRef>
+          <a:fontRef idx="minor">
+            <a:schemeClr val="lt1"/>
+          </a:fontRef>
+        </p:style>
+        <p:txBody>
+          <a:bodyPr rtlCol="0" anchor="ctr"/>
+          <a:lstStyle/>
+          <a:p>
+            <a:pPr algn="ctr"/>
+            <a:endParaRPr lang="en-US"/>
+          </a:p>
+        </p:txBody>
+      </p:sp>
+      <p:pic>
+        <p:nvPicPr>
+          <p:cNvPr id="2050" name="Picture 2"/>
+          <p:cNvPicPr>
+            <a:picLocks noChangeAspect="1" noChangeArrowheads="1"/>
+          </p:cNvPicPr>
+          <p:nvPr/>
+        </p:nvPicPr>
+        <p:blipFill>
+          <a:blip r:embed="rId4"/>
+          <a:srcRect/>
+          <a:stretch>
+            <a:fillRect/>
+          </a:stretch>
+        </p:blipFill>
+        <p:spPr bwMode="auto">
+          <a:xfrm>
+            <a:off x="4724400" y="1447800"/>
+            <a:ext cx="3734169" cy="2438400"/>
+          </a:xfrm>
+          <a:prstGeom prst="rect">
+            <a:avLst/>
+          </a:prstGeom>
+          <a:noFill/>
+          <a:ln w="9525">
+            <a:noFill/>
+            <a:miter lim="800000"/>
+            <a:headEnd/>
+            <a:tailEnd/>
+          </a:ln>
+          <a:effectLst/>
+        </p:spPr>
+      </p:pic>
+      <p:sp>
+        <p:nvSpPr>
+          <p:cNvPr id="9" name="Equal 8"/>
+          <p:cNvSpPr/>
+          <p:nvPr/>
+        </p:nvSpPr>
+        <p:spPr>
+          <a:xfrm>
+            <a:off x="2133600" y="5105400"/>
+            <a:ext cx="990600" cy="609600"/>
+          </a:xfrm>
+          <a:prstGeom prst="mathEqual">
+            <a:avLst/>
+          </a:prstGeom>
+          <a:solidFill>
+            <a:schemeClr val="tx1"/>
+          </a:solidFill>
+        </p:spPr>
+        <p:style>
+          <a:lnRef idx="2">
+            <a:schemeClr val="accent1">
+              <a:shade val="50000"/>
+            </a:schemeClr>
+          </a:lnRef>
+          <a:fillRef idx="1">
+            <a:schemeClr val="accent1"/>
+          </a:fillRef>
+          <a:effectRef idx="0">
+            <a:schemeClr val="accent1"/>
+          </a:effectRef>
+          <a:fontRef idx="minor">
+            <a:schemeClr val="lt1"/>
+          </a:fontRef>
+        </p:style>
+        <p:txBody>
+          <a:bodyPr rtlCol="0" anchor="ctr"/>
+          <a:lstStyle/>
+          <a:p>
+            <a:pPr algn="ctr"/>
+            <a:endParaRPr lang="en-US">
+              <a:solidFill>
+                <a:schemeClr val="tx1"/>
+              </a:solidFill>
+            </a:endParaRPr>
           </a:p>
         </p:txBody>
       </p:sp>
@@ -2365,6 +3612,13 @@
   <p:transition>
     <p:fade thruBlk="1"/>
   </p:transition>
+  <p:timing>
+    <p:tnLst>
+      <p:par>
+        <p:cTn id="1" dur="indefinite" restart="never" nodeType="tmRoot"/>
+      </p:par>
+    </p:tnLst>
+  </p:timing>
 </p:sld>
 </file>
 
@@ -2400,7 +3654,96 @@
           <a:bodyPr/>
           <a:lstStyle/>
           <a:p>
-            <a:endParaRPr lang="ro-RO"/>
+            <a:r>
+              <a:rPr lang="en-US" sz="2400" b="1" noProof="1" smtClean="0">
+                <a:latin typeface="Times New Roman" pitchFamily="18" charset="0"/>
+                <a:cs typeface="Times New Roman" pitchFamily="18" charset="0"/>
+              </a:rPr>
+              <a:t>Exemplu de vedere arborescenta a clasei </a:t>
+            </a:r>
+          </a:p>
+          <a:p>
+            <a:pPr>
+              <a:buNone/>
+            </a:pPr>
+            <a:r>
+              <a:rPr lang="en-US" sz="2400" b="1" noProof="1" smtClean="0">
+                <a:latin typeface="Times New Roman" pitchFamily="18" charset="0"/>
+                <a:cs typeface="Times New Roman" pitchFamily="18" charset="0"/>
+              </a:rPr>
+              <a:t>	“appWindow” :</a:t>
+            </a:r>
+          </a:p>
+          <a:p>
+            <a:endParaRPr lang="en-US" b="1" noProof="1" smtClean="0">
+              <a:latin typeface="Times New Roman" pitchFamily="18" charset="0"/>
+              <a:cs typeface="Times New Roman" pitchFamily="18" charset="0"/>
+            </a:endParaRPr>
+          </a:p>
+          <a:p>
+            <a:endParaRPr lang="en-US" b="1" noProof="1" smtClean="0">
+              <a:latin typeface="Times New Roman" pitchFamily="18" charset="0"/>
+              <a:cs typeface="Times New Roman" pitchFamily="18" charset="0"/>
+            </a:endParaRPr>
+          </a:p>
+          <a:p>
+            <a:r>
+              <a:rPr lang="en-US" sz="2400" b="1" noProof="1" smtClean="0">
+                <a:latin typeface="Times New Roman" pitchFamily="18" charset="0"/>
+                <a:cs typeface="Times New Roman" pitchFamily="18" charset="0"/>
+              </a:rPr>
+              <a:t>Interactiunea cu celelalte </a:t>
+            </a:r>
+          </a:p>
+          <a:p>
+            <a:pPr>
+              <a:buNone/>
+            </a:pPr>
+            <a:r>
+              <a:rPr lang="en-US" sz="2400" b="1" noProof="1" smtClean="0">
+                <a:latin typeface="Times New Roman" pitchFamily="18" charset="0"/>
+                <a:cs typeface="Times New Roman" pitchFamily="18" charset="0"/>
+              </a:rPr>
+              <a:t>	</a:t>
+            </a:r>
+            <a:r>
+              <a:rPr lang="en-US" sz="2400" b="1" noProof="1" smtClean="0">
+                <a:latin typeface="Times New Roman" pitchFamily="18" charset="0"/>
+                <a:cs typeface="Times New Roman" pitchFamily="18" charset="0"/>
+              </a:rPr>
+              <a:t>componente</a:t>
+            </a:r>
+          </a:p>
+          <a:p>
+            <a:endParaRPr lang="en-US" b="1" noProof="1" smtClean="0">
+              <a:latin typeface="Times New Roman" pitchFamily="18" charset="0"/>
+              <a:cs typeface="Times New Roman" pitchFamily="18" charset="0"/>
+            </a:endParaRPr>
+          </a:p>
+          <a:p>
+            <a:endParaRPr lang="en-US" b="1" noProof="1" smtClean="0">
+              <a:latin typeface="Times New Roman" pitchFamily="18" charset="0"/>
+              <a:cs typeface="Times New Roman" pitchFamily="18" charset="0"/>
+            </a:endParaRPr>
+          </a:p>
+          <a:p>
+            <a:endParaRPr lang="en-US" b="1" noProof="1" smtClean="0">
+              <a:latin typeface="Times New Roman" pitchFamily="18" charset="0"/>
+              <a:cs typeface="Times New Roman" pitchFamily="18" charset="0"/>
+            </a:endParaRPr>
+          </a:p>
+          <a:p>
+            <a:r>
+              <a:rPr lang="en-US" sz="2400" b="1" noProof="1" smtClean="0">
+                <a:latin typeface="Times New Roman" pitchFamily="18" charset="0"/>
+                <a:cs typeface="Times New Roman" pitchFamily="18" charset="0"/>
+              </a:rPr>
+              <a:t>Folosirea tehnicii Double Buffering</a:t>
+            </a:r>
+            <a:endParaRPr lang="ro-RO" sz="2400" b="1" noProof="1">
+              <a:latin typeface="Times New Roman" pitchFamily="18" charset="0"/>
+              <a:cs typeface="Times New Roman" pitchFamily="18" charset="0"/>
+            </a:endParaRPr>
           </a:p>
         </p:txBody>
       </p:sp>
@@ -2420,33 +3763,63 @@
           <a:lstStyle/>
           <a:p>
             <a:r>
-              <a:rPr lang="en-US" dirty="0" err="1" smtClean="0"/>
+              <a:rPr lang="ro-RO" b="1" noProof="1" smtClean="0">
+                <a:latin typeface="Times New Roman" pitchFamily="18" charset="0"/>
+                <a:cs typeface="Times New Roman" pitchFamily="18" charset="0"/>
+              </a:rPr>
               <a:t>Interfata</a:t>
             </a:r>
             <a:r>
-              <a:rPr lang="en-US" dirty="0" smtClean="0"/>
-              <a:t> </a:t>
-            </a:r>
-            <a:r>
-              <a:rPr lang="en-US" dirty="0" err="1" smtClean="0"/>
-              <a:t>grafica</a:t>
-            </a:r>
-            <a:r>
-              <a:rPr lang="en-US" dirty="0" smtClean="0"/>
-              <a:t> cu </a:t>
-            </a:r>
-            <a:r>
-              <a:rPr lang="en-US" dirty="0" err="1" smtClean="0"/>
-              <a:t>utilizatorul</a:t>
-            </a:r>
-            <a:r>
-              <a:rPr lang="en-US" dirty="0" smtClean="0"/>
-              <a:t> (2)</a:t>
-            </a:r>
-            <a:endParaRPr lang="ro-RO" dirty="0"/>
-          </a:p>
-        </p:txBody>
-      </p:sp>
+              <a:rPr lang="ro-RO" b="1" noProof="1" smtClean="0">
+                <a:latin typeface="Times New Roman" pitchFamily="18" charset="0"/>
+                <a:cs typeface="Times New Roman" pitchFamily="18" charset="0"/>
+              </a:rPr>
+              <a:t> grafica cu utilizatorul </a:t>
+            </a:r>
+            <a:r>
+              <a:rPr lang="ro-RO" b="1" noProof="1" smtClean="0">
+                <a:latin typeface="Times New Roman" pitchFamily="18" charset="0"/>
+                <a:cs typeface="Times New Roman" pitchFamily="18" charset="0"/>
+              </a:rPr>
+              <a:t>(2)</a:t>
+            </a:r>
+            <a:endParaRPr lang="ro-RO" b="1" noProof="1">
+              <a:latin typeface="Times New Roman" pitchFamily="18" charset="0"/>
+              <a:cs typeface="Times New Roman" pitchFamily="18" charset="0"/>
+            </a:endParaRPr>
+          </a:p>
+        </p:txBody>
+      </p:sp>
+      <p:pic>
+        <p:nvPicPr>
+          <p:cNvPr id="4" name="Picture 3"/>
+          <p:cNvPicPr/>
+          <p:nvPr/>
+        </p:nvPicPr>
+        <p:blipFill>
+          <a:blip r:embed="rId2"/>
+          <a:srcRect/>
+          <a:stretch>
+            <a:fillRect/>
+          </a:stretch>
+        </p:blipFill>
+        <p:spPr bwMode="auto">
+          <a:xfrm>
+            <a:off x="6477000" y="1676400"/>
+            <a:ext cx="2305050" cy="4148138"/>
+          </a:xfrm>
+          <a:prstGeom prst="rect">
+            <a:avLst/>
+          </a:prstGeom>
+          <a:noFill/>
+          <a:ln w="9525">
+            <a:noFill/>
+            <a:miter lim="800000"/>
+            <a:headEnd/>
+            <a:tailEnd/>
+          </a:ln>
+        </p:spPr>
+      </p:pic>
     </p:spTree>
   </p:cSld>
   <p:clrMapOvr>
@@ -2455,6 +3828,13 @@
   <p:transition>
     <p:fade thruBlk="1"/>
   </p:transition>
+  <p:timing>
+    <p:tnLst>
+      <p:par>
+        <p:cTn id="1" dur="indefinite" restart="never" nodeType="tmRoot"/>
+      </p:par>
+    </p:tnLst>
+  </p:timing>
 </p:sld>
 </file>
 
@@ -2485,12 +3865,88 @@
             <p:ph type="body" idx="1"/>
           </p:nvPr>
         </p:nvSpPr>
-        <p:spPr/>
+        <p:spPr>
+          <a:xfrm>
+            <a:off x="457200" y="1219200"/>
+            <a:ext cx="8229600" cy="4906963"/>
+          </a:xfrm>
+        </p:spPr>
         <p:txBody>
           <a:bodyPr/>
           <a:lstStyle/>
           <a:p>
-            <a:endParaRPr lang="ro-RO"/>
+            <a:r>
+              <a:rPr lang="en-US" sz="2400" b="1" noProof="1" smtClean="0">
+                <a:latin typeface="Times New Roman" pitchFamily="18" charset="0"/>
+                <a:cs typeface="Times New Roman" pitchFamily="18" charset="0"/>
+              </a:rPr>
+              <a:t>Componenta a aplicatiei parte a functionarii automate</a:t>
+            </a:r>
+          </a:p>
+          <a:p>
+            <a:endParaRPr lang="en-US" sz="2400" b="1" noProof="1" smtClean="0">
+              <a:latin typeface="Times New Roman" pitchFamily="18" charset="0"/>
+              <a:cs typeface="Times New Roman" pitchFamily="18" charset="0"/>
+            </a:endParaRPr>
+          </a:p>
+          <a:p>
+            <a:r>
+              <a:rPr lang="en-US" sz="2400" b="1" noProof="1" smtClean="0">
+                <a:latin typeface="Times New Roman" pitchFamily="18" charset="0"/>
+                <a:cs typeface="Times New Roman" pitchFamily="18" charset="0"/>
+              </a:rPr>
+              <a:t>Categorii de scenarii:</a:t>
+            </a:r>
+          </a:p>
+          <a:p>
+            <a:pPr lvl="1"/>
+            <a:r>
+              <a:rPr lang="ro-RO" sz="2200" dirty="0" smtClean="0"/>
+              <a:t>Scenarii pentru testarea cvasicompleta a functionalitatii (scenarii complexe)</a:t>
+            </a:r>
+            <a:endParaRPr lang="en-US" sz="2200" dirty="0" smtClean="0"/>
+          </a:p>
+          <a:p>
+            <a:pPr lvl="1"/>
+            <a:r>
+              <a:rPr lang="ro-RO" sz="2200" dirty="0" smtClean="0"/>
+              <a:t>Scenarii pentru testarea semnalelor de avertizare</a:t>
+            </a:r>
+            <a:endParaRPr lang="en-US" sz="2200" dirty="0" smtClean="0"/>
+          </a:p>
+          <a:p>
+            <a:pPr lvl="1"/>
+            <a:r>
+              <a:rPr lang="ro-RO" sz="2200" dirty="0" smtClean="0"/>
+              <a:t>Scenarii pentru testarea unor functionalitati specifice ale </a:t>
+            </a:r>
+            <a:r>
+              <a:rPr lang="ro-RO" sz="2200" dirty="0" smtClean="0"/>
+              <a:t>indicatoarelor</a:t>
+            </a:r>
+            <a:endParaRPr lang="en-US" sz="2200" b="1" noProof="1" smtClean="0">
+              <a:latin typeface="Times New Roman" pitchFamily="18" charset="0"/>
+              <a:cs typeface="Times New Roman" pitchFamily="18" charset="0"/>
+            </a:endParaRPr>
+          </a:p>
+          <a:p>
+            <a:r>
+              <a:rPr lang="en-US" sz="2400" b="1" noProof="1" smtClean="0">
+                <a:latin typeface="Times New Roman" pitchFamily="18" charset="0"/>
+                <a:cs typeface="Times New Roman" pitchFamily="18" charset="0"/>
+              </a:rPr>
+              <a:t>Interactiunea cu baza de date</a:t>
+            </a:r>
+          </a:p>
+          <a:p>
+            <a:r>
+              <a:rPr lang="en-US" sz="2400" b="1" noProof="1" smtClean="0">
+                <a:latin typeface="Times New Roman" pitchFamily="18" charset="0"/>
+                <a:cs typeface="Times New Roman" pitchFamily="18" charset="0"/>
+              </a:rPr>
+              <a:t>Urmarirea dinamica a pasilor</a:t>
+            </a:r>
+            <a:endParaRPr lang="en-US" sz="2400" dirty="0" smtClean="0"/>
           </a:p>
         </p:txBody>
       </p:sp>
@@ -2504,27 +3960,74 @@
             <p:ph type="title"/>
           </p:nvPr>
         </p:nvSpPr>
-        <p:spPr/>
+        <p:spPr>
+          <a:xfrm>
+            <a:off x="457200" y="359465"/>
+            <a:ext cx="8229600" cy="783535"/>
+          </a:xfrm>
+        </p:spPr>
         <p:txBody>
           <a:bodyPr/>
           <a:lstStyle/>
           <a:p>
             <a:r>
-              <a:rPr lang="en-US" dirty="0" err="1" smtClean="0"/>
+              <a:rPr lang="ro-RO" b="1" noProof="1" smtClean="0">
+                <a:latin typeface="Times New Roman" pitchFamily="18" charset="0"/>
+                <a:cs typeface="Times New Roman" pitchFamily="18" charset="0"/>
+              </a:rPr>
               <a:t>Modulul</a:t>
             </a:r>
             <a:r>
-              <a:rPr lang="en-US" dirty="0" smtClean="0"/>
+              <a:rPr lang="ro-RO" b="1" noProof="1" smtClean="0">
+                <a:latin typeface="Times New Roman" pitchFamily="18" charset="0"/>
+                <a:cs typeface="Times New Roman" pitchFamily="18" charset="0"/>
+              </a:rPr>
               <a:t> de </a:t>
             </a:r>
             <a:r>
-              <a:rPr lang="en-US" dirty="0" err="1" smtClean="0"/>
+              <a:rPr lang="ro-RO" b="1" noProof="1" smtClean="0">
+                <a:latin typeface="Times New Roman" pitchFamily="18" charset="0"/>
+                <a:cs typeface="Times New Roman" pitchFamily="18" charset="0"/>
+              </a:rPr>
               <a:t>testare</a:t>
             </a:r>
-            <a:endParaRPr lang="ro-RO" dirty="0"/>
-          </a:p>
-        </p:txBody>
-      </p:sp>
+            <a:endParaRPr lang="ro-RO" b="1" noProof="1">
+              <a:latin typeface="Times New Roman" pitchFamily="18" charset="0"/>
+              <a:cs typeface="Times New Roman" pitchFamily="18" charset="0"/>
+            </a:endParaRPr>
+          </a:p>
+        </p:txBody>
+      </p:sp>
+      <p:pic>
+        <p:nvPicPr>
+          <p:cNvPr id="4" name="Picture 3"/>
+          <p:cNvPicPr/>
+          <p:nvPr/>
+        </p:nvPicPr>
+        <p:blipFill>
+          <a:blip r:embed="rId2"/>
+          <a:srcRect/>
+          <a:stretch>
+            <a:fillRect/>
+          </a:stretch>
+        </p:blipFill>
+        <p:spPr bwMode="auto">
+          <a:xfrm>
+            <a:off x="1524000" y="4876800"/>
+            <a:ext cx="5934075" cy="1285875"/>
+          </a:xfrm>
+          <a:prstGeom prst="rect">
+            <a:avLst/>
+          </a:prstGeom>
+          <a:noFill/>
+          <a:ln w="9525">
+            <a:noFill/>
+            <a:miter lim="800000"/>
+            <a:headEnd/>
+            <a:tailEnd/>
+          </a:ln>
+        </p:spPr>
+      </p:pic>
     </p:spTree>
   </p:cSld>
   <p:clrMapOvr>
@@ -2533,6 +4036,13 @@
   <p:transition>
     <p:fade thruBlk="1"/>
   </p:transition>
+  <p:timing>
+    <p:tnLst>
+      <p:par>
+        <p:cTn id="1" dur="indefinite" restart="never" nodeType="tmRoot"/>
+      </p:par>
+    </p:tnLst>
+  </p:timing>
 </p:sld>
 </file>
 
@@ -2568,7 +4078,89 @@
           <a:bodyPr/>
           <a:lstStyle/>
           <a:p>
-            <a:endParaRPr lang="ro-RO"/>
+            <a:endParaRPr lang="en-US" b="1" noProof="1" smtClean="0">
+              <a:latin typeface="Times New Roman" pitchFamily="18" charset="0"/>
+              <a:cs typeface="Times New Roman" pitchFamily="18" charset="0"/>
+            </a:endParaRPr>
+          </a:p>
+          <a:p>
+            <a:r>
+              <a:rPr lang="en-US" b="1" noProof="1" smtClean="0">
+                <a:latin typeface="Times New Roman" pitchFamily="18" charset="0"/>
+                <a:cs typeface="Times New Roman" pitchFamily="18" charset="0"/>
+              </a:rPr>
+              <a:t>Ce a urmarit proiectul</a:t>
+            </a:r>
+          </a:p>
+          <a:p>
+            <a:endParaRPr lang="en-US" b="1" noProof="1" smtClean="0">
+              <a:latin typeface="Times New Roman" pitchFamily="18" charset="0"/>
+              <a:cs typeface="Times New Roman" pitchFamily="18" charset="0"/>
+            </a:endParaRPr>
+          </a:p>
+          <a:p>
+            <a:pPr lvl="1"/>
+            <a:r>
+              <a:rPr lang="en-US" sz="2800" b="1" noProof="1" smtClean="0">
+                <a:latin typeface="Times New Roman" pitchFamily="18" charset="0"/>
+                <a:cs typeface="Times New Roman" pitchFamily="18" charset="0"/>
+              </a:rPr>
+              <a:t>Simulare</a:t>
+            </a:r>
+          </a:p>
+          <a:p>
+            <a:pPr lvl="1"/>
+            <a:r>
+              <a:rPr lang="en-US" sz="2800" b="1" noProof="1" smtClean="0">
+                <a:latin typeface="Times New Roman" pitchFamily="18" charset="0"/>
+                <a:cs typeface="Times New Roman" pitchFamily="18" charset="0"/>
+              </a:rPr>
+              <a:t>Testare automata</a:t>
+            </a:r>
+          </a:p>
+          <a:p>
+            <a:pPr lvl="1"/>
+            <a:endParaRPr lang="en-US" b="1" noProof="1">
+              <a:latin typeface="Times New Roman" pitchFamily="18" charset="0"/>
+              <a:cs typeface="Times New Roman" pitchFamily="18" charset="0"/>
+            </a:endParaRPr>
+          </a:p>
+          <a:p>
+            <a:pPr>
+              <a:buNone/>
+            </a:pPr>
+            <a:r>
+              <a:rPr lang="en-US" b="1" noProof="1" smtClean="0">
+                <a:latin typeface="Times New Roman" pitchFamily="18" charset="0"/>
+                <a:cs typeface="Times New Roman" pitchFamily="18" charset="0"/>
+              </a:rPr>
+              <a:t>	</a:t>
+            </a:r>
+            <a:r>
+              <a:rPr lang="en-US" sz="2400" noProof="1" smtClean="0">
+                <a:latin typeface="Times New Roman" pitchFamily="18" charset="0"/>
+                <a:cs typeface="Times New Roman" pitchFamily="18" charset="0"/>
+              </a:rPr>
+              <a:t>a functionalitatilor unui computer de bord</a:t>
+            </a:r>
+          </a:p>
+          <a:p>
+            <a:pPr>
+              <a:buNone/>
+            </a:pPr>
+            <a:endParaRPr lang="en-US" sz="2400" noProof="1" smtClean="0">
+              <a:latin typeface="Times New Roman" pitchFamily="18" charset="0"/>
+              <a:cs typeface="Times New Roman" pitchFamily="18" charset="0"/>
+            </a:endParaRPr>
+          </a:p>
+          <a:p>
+            <a:r>
+              <a:rPr lang="en-US" b="1" noProof="1" smtClean="0">
+                <a:latin typeface="Times New Roman" pitchFamily="18" charset="0"/>
+                <a:cs typeface="Times New Roman" pitchFamily="18" charset="0"/>
+              </a:rPr>
+              <a:t>Dezvoltari viitoare</a:t>
+            </a:r>
           </a:p>
         </p:txBody>
       </p:sp>
@@ -2588,22 +4180,16 @@
           <a:lstStyle/>
           <a:p>
             <a:r>
-              <a:rPr lang="en-US" dirty="0" err="1" smtClean="0"/>
-              <a:t>Modulul</a:t>
-            </a:r>
-            <a:r>
-              <a:rPr lang="en-US" dirty="0" smtClean="0"/>
-              <a:t> de </a:t>
-            </a:r>
-            <a:r>
-              <a:rPr lang="en-US" dirty="0" err="1" smtClean="0"/>
-              <a:t>testare</a:t>
-            </a:r>
-            <a:r>
-              <a:rPr lang="en-US" dirty="0" smtClean="0"/>
-              <a:t> (2)</a:t>
-            </a:r>
-            <a:endParaRPr lang="ro-RO" dirty="0"/>
+              <a:rPr lang="ro-RO" b="1" noProof="1" smtClean="0">
+                <a:latin typeface="Times New Roman" pitchFamily="18" charset="0"/>
+                <a:cs typeface="Times New Roman" pitchFamily="18" charset="0"/>
+              </a:rPr>
+              <a:t>Concluzii</a:t>
+            </a:r>
+            <a:endParaRPr lang="ro-RO" b="1" noProof="1">
+              <a:latin typeface="Times New Roman" pitchFamily="18" charset="0"/>
+              <a:cs typeface="Times New Roman" pitchFamily="18" charset="0"/>
+            </a:endParaRPr>
           </a:p>
         </p:txBody>
       </p:sp>
@@ -2615,76 +4201,13 @@
   <p:transition>
     <p:fade thruBlk="1"/>
   </p:transition>
-</p:sld>
-</file>
-
-<file path=ppt/slides/slide18.xml><?xml version="1.0" encoding="utf-8"?>
-<p:sld xmlns:a="http://schemas.openxmlformats.org/drawingml/2006/main" xmlns:r="http://schemas.openxmlformats.org/officeDocument/2006/relationships" xmlns:p="http://schemas.openxmlformats.org/presentationml/2006/main">
-  <p:cSld>
-    <p:spTree>
-      <p:nvGrpSpPr>
-        <p:cNvPr id="1" name=""/>
-        <p:cNvGrpSpPr/>
-        <p:nvPr/>
-      </p:nvGrpSpPr>
-      <p:grpSpPr>
-        <a:xfrm>
-          <a:off x="0" y="0"/>
-          <a:ext cx="0" cy="0"/>
-          <a:chOff x="0" y="0"/>
-          <a:chExt cx="0" cy="0"/>
-        </a:xfrm>
-      </p:grpSpPr>
-      <p:sp>
-        <p:nvSpPr>
-          <p:cNvPr id="2" name="Text Placeholder 1"/>
-          <p:cNvSpPr>
-            <a:spLocks noGrp="1"/>
-          </p:cNvSpPr>
-          <p:nvPr>
-            <p:ph type="body" idx="1"/>
-          </p:nvPr>
-        </p:nvSpPr>
-        <p:spPr/>
-        <p:txBody>
-          <a:bodyPr/>
-          <a:lstStyle/>
-          <a:p>
-            <a:endParaRPr lang="ro-RO"/>
-          </a:p>
-        </p:txBody>
-      </p:sp>
-      <p:sp>
-        <p:nvSpPr>
-          <p:cNvPr id="3" name="Title 2"/>
-          <p:cNvSpPr>
-            <a:spLocks noGrp="1"/>
-          </p:cNvSpPr>
-          <p:nvPr>
-            <p:ph type="title"/>
-          </p:nvPr>
-        </p:nvSpPr>
-        <p:spPr/>
-        <p:txBody>
-          <a:bodyPr/>
-          <a:lstStyle/>
-          <a:p>
-            <a:r>
-              <a:rPr lang="en-US" dirty="0" err="1" smtClean="0"/>
-              <a:t>Concluzii</a:t>
-            </a:r>
-            <a:endParaRPr lang="ro-RO" dirty="0"/>
-          </a:p>
-        </p:txBody>
-      </p:sp>
-    </p:spTree>
-  </p:cSld>
-  <p:clrMapOvr>
-    <a:masterClrMapping/>
-  </p:clrMapOvr>
-  <p:transition>
-    <p:fade thruBlk="1"/>
-  </p:transition>
+  <p:timing>
+    <p:tnLst>
+      <p:par>
+        <p:cTn id="1" dur="indefinite" restart="never" nodeType="tmRoot"/>
+      </p:par>
+    </p:tnLst>
+  </p:timing>
 </p:sld>
 </file>
 
@@ -2728,11 +4251,11 @@
               </a:buClr>
             </a:pPr>
             <a:r>
-              <a:rPr lang="en-US" noProof="1" smtClean="0"/>
+              <a:rPr lang="en-US" b="1" noProof="1" smtClean="0"/>
               <a:t>Context : </a:t>
             </a:r>
             <a:r>
-              <a:rPr lang="ro-RO" noProof="1" smtClean="0"/>
+              <a:rPr lang="ro-RO" b="1" noProof="1" smtClean="0"/>
               <a:t>Software pentru sisteme embedded</a:t>
             </a:r>
           </a:p>
@@ -2743,7 +4266,7 @@
               </a:buClr>
             </a:pPr>
             <a:r>
-              <a:rPr lang="ro-RO" noProof="1" smtClean="0"/>
+              <a:rPr lang="ro-RO" b="1" noProof="1" smtClean="0"/>
               <a:t>Tehnologii folosite</a:t>
             </a:r>
           </a:p>
@@ -2809,7 +4332,7 @@
               </a:buClr>
             </a:pPr>
             <a:r>
-              <a:rPr lang="en-US" noProof="1" smtClean="0"/>
+              <a:rPr lang="en-US" b="1" noProof="1" smtClean="0"/>
               <a:t>Descrierea proiectului</a:t>
             </a:r>
           </a:p>
@@ -2853,10 +4376,10 @@
               </a:buClr>
             </a:pPr>
             <a:r>
-              <a:rPr lang="en-US" noProof="1" smtClean="0"/>
+              <a:rPr lang="en-US" b="1" noProof="1" smtClean="0"/>
               <a:t>Concluzii</a:t>
             </a:r>
-            <a:endParaRPr lang="ro-RO" noProof="1"/>
+            <a:endParaRPr lang="ro-RO" b="1" noProof="1"/>
           </a:p>
         </p:txBody>
       </p:sp>
@@ -2878,13 +4401,13 @@
           <a:lstStyle/>
           <a:p>
             <a:r>
-              <a:rPr lang="ro-RO" sz="4000" noProof="1" smtClean="0">
+              <a:rPr lang="ro-RO" sz="4000" b="1" noProof="1" smtClean="0">
                 <a:latin typeface="Times New Roman" pitchFamily="18" charset="0"/>
                 <a:cs typeface="Times New Roman" pitchFamily="18" charset="0"/>
               </a:rPr>
               <a:t>Cuprins</a:t>
             </a:r>
-            <a:endParaRPr lang="ro-RO" sz="4000" noProof="1">
+            <a:endParaRPr lang="ro-RO" sz="4000" b="1" noProof="1">
               <a:latin typeface="Times New Roman" pitchFamily="18" charset="0"/>
               <a:cs typeface="Times New Roman" pitchFamily="18" charset="0"/>
             </a:endParaRPr>
@@ -2958,91 +4481,63 @@
                 <a:latin typeface="Times New Roman" pitchFamily="18" charset="0"/>
                 <a:cs typeface="Times New Roman" pitchFamily="18" charset="0"/>
               </a:rPr>
-              <a:t>Termenul </a:t>
-            </a:r>
+              <a:t>Termenul de firmware</a:t>
+            </a:r>
+            <a:endParaRPr lang="en-US" b="1" noProof="1" smtClean="0">
+              <a:latin typeface="Times New Roman" pitchFamily="18" charset="0"/>
+              <a:cs typeface="Times New Roman" pitchFamily="18" charset="0"/>
+            </a:endParaRPr>
+          </a:p>
+          <a:p>
+            <a:endParaRPr lang="en-US" b="1" noProof="1" smtClean="0">
+              <a:latin typeface="Times New Roman" pitchFamily="18" charset="0"/>
+              <a:cs typeface="Times New Roman" pitchFamily="18" charset="0"/>
+            </a:endParaRPr>
+          </a:p>
+          <a:p>
+            <a:endParaRPr lang="ro-RO" b="1" noProof="1" smtClean="0">
+              <a:latin typeface="Times New Roman" pitchFamily="18" charset="0"/>
+              <a:cs typeface="Times New Roman" pitchFamily="18" charset="0"/>
+            </a:endParaRPr>
+          </a:p>
+          <a:p>
             <a:r>
               <a:rPr lang="ro-RO" b="1" noProof="1" smtClean="0">
                 <a:latin typeface="Times New Roman" pitchFamily="18" charset="0"/>
                 <a:cs typeface="Times New Roman" pitchFamily="18" charset="0"/>
               </a:rPr>
-              <a:t>de </a:t>
-            </a:r>
+              <a:t>Firmware in 2010</a:t>
+            </a:r>
+            <a:endParaRPr lang="ro-RO" b="1" noProof="1">
+              <a:latin typeface="Times New Roman" pitchFamily="18" charset="0"/>
+              <a:cs typeface="Times New Roman" pitchFamily="18" charset="0"/>
+            </a:endParaRPr>
+          </a:p>
+        </p:txBody>
+      </p:sp>
+      <p:sp>
+        <p:nvSpPr>
+          <p:cNvPr id="3" name="Title 2"/>
+          <p:cNvSpPr>
+            <a:spLocks noGrp="1"/>
+          </p:cNvSpPr>
+          <p:nvPr>
+            <p:ph type="title"/>
+          </p:nvPr>
+        </p:nvSpPr>
+        <p:spPr/>
+        <p:txBody>
+          <a:bodyPr/>
+          <a:lstStyle/>
+          <a:p>
             <a:r>
               <a:rPr lang="ro-RO" b="1" noProof="1" smtClean="0">
                 <a:latin typeface="Times New Roman" pitchFamily="18" charset="0"/>
                 <a:cs typeface="Times New Roman" pitchFamily="18" charset="0"/>
               </a:rPr>
-              <a:t>firmware</a:t>
-            </a:r>
-            <a:endParaRPr lang="en-US" b="1" noProof="1" smtClean="0">
-              <a:latin typeface="Times New Roman" pitchFamily="18" charset="0"/>
-              <a:cs typeface="Times New Roman" pitchFamily="18" charset="0"/>
-            </a:endParaRPr>
-          </a:p>
-          <a:p>
-            <a:endParaRPr lang="en-US" b="1" noProof="1" smtClean="0">
-              <a:latin typeface="Times New Roman" pitchFamily="18" charset="0"/>
-              <a:cs typeface="Times New Roman" pitchFamily="18" charset="0"/>
-            </a:endParaRPr>
-          </a:p>
-          <a:p>
-            <a:endParaRPr lang="ro-RO" b="1" noProof="1" smtClean="0">
-              <a:latin typeface="Times New Roman" pitchFamily="18" charset="0"/>
-              <a:cs typeface="Times New Roman" pitchFamily="18" charset="0"/>
-            </a:endParaRPr>
-          </a:p>
-          <a:p>
-            <a:r>
-              <a:rPr lang="ro-RO" b="1" noProof="1" smtClean="0">
-                <a:latin typeface="Times New Roman" pitchFamily="18" charset="0"/>
-                <a:cs typeface="Times New Roman" pitchFamily="18" charset="0"/>
-              </a:rPr>
-              <a:t>Firmware in </a:t>
-            </a:r>
-            <a:r>
-              <a:rPr lang="ro-RO" b="1" noProof="1" smtClean="0">
-                <a:latin typeface="Times New Roman" pitchFamily="18" charset="0"/>
-                <a:cs typeface="Times New Roman" pitchFamily="18" charset="0"/>
-              </a:rPr>
-              <a:t>2010</a:t>
+              <a:t>Software pentru sisteme embedded</a:t>
             </a:r>
             <a:endParaRPr lang="ro-RO" b="1" noProof="1">
-              <a:latin typeface="Times New Roman" pitchFamily="18" charset="0"/>
-              <a:cs typeface="Times New Roman" pitchFamily="18" charset="0"/>
-            </a:endParaRPr>
-          </a:p>
-        </p:txBody>
-      </p:sp>
-      <p:sp>
-        <p:nvSpPr>
-          <p:cNvPr id="3" name="Title 2"/>
-          <p:cNvSpPr>
-            <a:spLocks noGrp="1"/>
-          </p:cNvSpPr>
-          <p:nvPr>
-            <p:ph type="title"/>
-          </p:nvPr>
-        </p:nvSpPr>
-        <p:spPr/>
-        <p:txBody>
-          <a:bodyPr/>
-          <a:lstStyle/>
-          <a:p>
-            <a:r>
-              <a:rPr lang="ro-RO" noProof="1" smtClean="0">
-                <a:latin typeface="Times New Roman" pitchFamily="18" charset="0"/>
-                <a:cs typeface="Times New Roman" pitchFamily="18" charset="0"/>
-              </a:rPr>
-              <a:t>Software pentru sisteme </a:t>
-            </a:r>
-            <a:r>
-              <a:rPr lang="ro-RO" noProof="1" smtClean="0">
-                <a:latin typeface="Times New Roman" pitchFamily="18" charset="0"/>
-                <a:cs typeface="Times New Roman" pitchFamily="18" charset="0"/>
-              </a:rPr>
-              <a:t>embedded</a:t>
-            </a:r>
-            <a:endParaRPr lang="ro-RO" noProof="1">
               <a:latin typeface="Times New Roman" pitchFamily="18" charset="0"/>
               <a:cs typeface="Times New Roman" pitchFamily="18" charset="0"/>
             </a:endParaRPr>
@@ -3110,46 +4605,17 @@
                 <a:latin typeface="Times New Roman" pitchFamily="18" charset="0"/>
                 <a:cs typeface="Times New Roman" pitchFamily="18" charset="0"/>
               </a:rPr>
-              <a:t>Dezvoltarea softwareului pentru </a:t>
-            </a:r>
+              <a:t>Dezvoltarea softwareului pentru sisteme integrate</a:t>
+            </a:r>
+          </a:p>
+          <a:p>
             <a:r>
               <a:rPr lang="ro-RO" b="1" noProof="1" smtClean="0">
                 <a:latin typeface="Times New Roman" pitchFamily="18" charset="0"/>
                 <a:cs typeface="Times New Roman" pitchFamily="18" charset="0"/>
               </a:rPr>
-              <a:t>sisteme </a:t>
-            </a:r>
-            <a:r>
-              <a:rPr lang="ro-RO" b="1" noProof="1" smtClean="0">
-                <a:latin typeface="Times New Roman" pitchFamily="18" charset="0"/>
-                <a:cs typeface="Times New Roman" pitchFamily="18" charset="0"/>
-              </a:rPr>
-              <a:t>integrate</a:t>
-            </a:r>
-            <a:endParaRPr lang="ro-RO" b="1" noProof="1" smtClean="0">
-              <a:latin typeface="Times New Roman" pitchFamily="18" charset="0"/>
-              <a:cs typeface="Times New Roman" pitchFamily="18" charset="0"/>
-            </a:endParaRPr>
-          </a:p>
-          <a:p>
-            <a:r>
-              <a:rPr lang="ro-RO" b="1" noProof="1" smtClean="0">
-                <a:latin typeface="Times New Roman" pitchFamily="18" charset="0"/>
-                <a:cs typeface="Times New Roman" pitchFamily="18" charset="0"/>
-              </a:rPr>
-              <a:t>Arhitecturi software pentru sisteme </a:t>
-            </a:r>
-            <a:r>
-              <a:rPr lang="ro-RO" b="1" noProof="1" smtClean="0">
-                <a:latin typeface="Times New Roman" pitchFamily="18" charset="0"/>
-                <a:cs typeface="Times New Roman" pitchFamily="18" charset="0"/>
-              </a:rPr>
-              <a:t>embedded</a:t>
-            </a:r>
-            <a:endParaRPr lang="ro-RO" b="1" noProof="1" smtClean="0">
-              <a:latin typeface="Times New Roman" pitchFamily="18" charset="0"/>
-              <a:cs typeface="Times New Roman" pitchFamily="18" charset="0"/>
-            </a:endParaRPr>
+              <a:t>Arhitecturi software pentru sisteme embedded</a:t>
+            </a:r>
           </a:p>
           <a:p>
             <a:pPr lvl="1"/>
@@ -3158,14 +4624,17 @@
                 <a:latin typeface="Times New Roman" pitchFamily="18" charset="0"/>
                 <a:cs typeface="Times New Roman" pitchFamily="18" charset="0"/>
               </a:rPr>
-              <a:t>Round-Robin</a:t>
-            </a:r>
+              <a:t>Round-Robin	</a:t>
+            </a:r>
+          </a:p>
+          <a:p>
+            <a:pPr lvl="1"/>
             <a:r>
               <a:rPr lang="ro-RO" noProof="1" smtClean="0">
                 <a:latin typeface="Times New Roman" pitchFamily="18" charset="0"/>
                 <a:cs typeface="Times New Roman" pitchFamily="18" charset="0"/>
               </a:rPr>
-              <a:t>	</a:t>
+              <a:t>Round-Robin cu intreruperi	</a:t>
             </a:r>
           </a:p>
           <a:p>
@@ -3175,7 +4644,7 @@
                 <a:latin typeface="Times New Roman" pitchFamily="18" charset="0"/>
                 <a:cs typeface="Times New Roman" pitchFamily="18" charset="0"/>
               </a:rPr>
-              <a:t>Round-Robin cu intreruperi	</a:t>
+              <a:t>Function Queue Scheduling</a:t>
             </a:r>
           </a:p>
           <a:p>
@@ -3185,31 +4654,7 @@
                 <a:latin typeface="Times New Roman" pitchFamily="18" charset="0"/>
                 <a:cs typeface="Times New Roman" pitchFamily="18" charset="0"/>
               </a:rPr>
-              <a:t>Function Queue Scheduling</a:t>
-            </a:r>
-          </a:p>
-          <a:p>
-            <a:pPr lvl="1"/>
-            <a:r>
-              <a:rPr lang="ro-RO" noProof="1" smtClean="0">
-                <a:latin typeface="Times New Roman" pitchFamily="18" charset="0"/>
-                <a:cs typeface="Times New Roman" pitchFamily="18" charset="0"/>
-              </a:rPr>
-              <a:t>Sisteme de operare in timp real (</a:t>
-            </a:r>
-            <a:r>
-              <a:rPr lang="ro-RO" noProof="1" smtClean="0">
-                <a:latin typeface="Times New Roman" pitchFamily="18" charset="0"/>
-                <a:cs typeface="Times New Roman" pitchFamily="18" charset="0"/>
-              </a:rPr>
-              <a:t>RTOS</a:t>
-            </a:r>
-            <a:r>
-              <a:rPr lang="ro-RO" noProof="1" smtClean="0">
-                <a:latin typeface="Times New Roman" pitchFamily="18" charset="0"/>
-                <a:cs typeface="Times New Roman" pitchFamily="18" charset="0"/>
-              </a:rPr>
-              <a:t>)</a:t>
+              <a:t>Sisteme de operare in timp real (RTOS)</a:t>
             </a:r>
             <a:endParaRPr lang="en-US" noProof="1" smtClean="0">
               <a:latin typeface="Times New Roman" pitchFamily="18" charset="0"/>
@@ -3222,21 +4667,7 @@
                 <a:latin typeface="Times New Roman" pitchFamily="18" charset="0"/>
                 <a:cs typeface="Times New Roman" pitchFamily="18" charset="0"/>
               </a:rPr>
-              <a:t>Problema </a:t>
-            </a:r>
-            <a:r>
-              <a:rPr lang="en-US" b="1" noProof="1" smtClean="0">
-                <a:latin typeface="Times New Roman" pitchFamily="18" charset="0"/>
-                <a:cs typeface="Times New Roman" pitchFamily="18" charset="0"/>
-              </a:rPr>
-              <a:t>partajarii </a:t>
-            </a:r>
-            <a:r>
-              <a:rPr lang="en-US" b="1" noProof="1" smtClean="0">
-                <a:latin typeface="Times New Roman" pitchFamily="18" charset="0"/>
-                <a:cs typeface="Times New Roman" pitchFamily="18" charset="0"/>
-              </a:rPr>
-              <a:t>datelor</a:t>
+              <a:t>Problema partajarii datelor</a:t>
             </a:r>
           </a:p>
           <a:p>
@@ -3283,13 +4714,13 @@
           <a:lstStyle/>
           <a:p>
             <a:r>
-              <a:rPr lang="ro-RO" noProof="1" smtClean="0">
+              <a:rPr lang="ro-RO" b="1" noProof="1" smtClean="0">
                 <a:latin typeface="Times New Roman" pitchFamily="18" charset="0"/>
                 <a:cs typeface="Times New Roman" pitchFamily="18" charset="0"/>
               </a:rPr>
               <a:t>Software pentru sisteme embedded (2)</a:t>
             </a:r>
-            <a:endParaRPr lang="ro-RO" noProof="1">
+            <a:endParaRPr lang="ro-RO" b="1" noProof="1">
               <a:latin typeface="Times New Roman" pitchFamily="18" charset="0"/>
               <a:cs typeface="Times New Roman" pitchFamily="18" charset="0"/>
             </a:endParaRPr>
@@ -3351,28 +4782,55 @@
                 <a:latin typeface="Times New Roman" pitchFamily="18" charset="0"/>
                 <a:cs typeface="Times New Roman" pitchFamily="18" charset="0"/>
               </a:rPr>
-              <a:t>Programarea</a:t>
-            </a:r>
+              <a:t>Programarea orientata pe obiecte</a:t>
+            </a:r>
+          </a:p>
+          <a:p>
+            <a:endParaRPr lang="ro-RO" b="1" noProof="1" smtClean="0">
+              <a:latin typeface="Times New Roman" pitchFamily="18" charset="0"/>
+              <a:cs typeface="Times New Roman" pitchFamily="18" charset="0"/>
+            </a:endParaRPr>
+          </a:p>
+          <a:p>
             <a:r>
               <a:rPr lang="ro-RO" b="1" noProof="1" smtClean="0">
                 <a:latin typeface="Times New Roman" pitchFamily="18" charset="0"/>
                 <a:cs typeface="Times New Roman" pitchFamily="18" charset="0"/>
               </a:rPr>
-              <a:t> orientata pe </a:t>
-            </a:r>
+              <a:t>Baze de date</a:t>
+            </a:r>
+          </a:p>
+          <a:p>
+            <a:endParaRPr lang="ro-RO" b="1" noProof="1" smtClean="0">
+              <a:latin typeface="Times New Roman" pitchFamily="18" charset="0"/>
+              <a:cs typeface="Times New Roman" pitchFamily="18" charset="0"/>
+            </a:endParaRPr>
+          </a:p>
+          <a:p>
             <a:r>
               <a:rPr lang="ro-RO" b="1" noProof="1" smtClean="0">
                 <a:latin typeface="Times New Roman" pitchFamily="18" charset="0"/>
                 <a:cs typeface="Times New Roman" pitchFamily="18" charset="0"/>
               </a:rPr>
-              <a:t>obiecte</a:t>
-            </a:r>
+              <a:t>Modelare UML</a:t>
+            </a:r>
+          </a:p>
+          <a:p>
             <a:endParaRPr lang="ro-RO" b="1" noProof="1" smtClean="0">
               <a:latin typeface="Times New Roman" pitchFamily="18" charset="0"/>
               <a:cs typeface="Times New Roman" pitchFamily="18" charset="0"/>
             </a:endParaRPr>
           </a:p>
           <a:p>
+            <a:r>
+              <a:rPr lang="ro-RO" b="1" noProof="1" smtClean="0">
+                <a:latin typeface="Times New Roman" pitchFamily="18" charset="0"/>
+                <a:cs typeface="Times New Roman" pitchFamily="18" charset="0"/>
+              </a:rPr>
+              <a:t>Platforma Netbeans</a:t>
+            </a:r>
+          </a:p>
+          <a:p>
             <a:endParaRPr lang="ro-RO" b="1" noProof="1" smtClean="0">
               <a:latin typeface="Times New Roman" pitchFamily="18" charset="0"/>
               <a:cs typeface="Times New Roman" pitchFamily="18" charset="0"/>
@@ -3384,92 +4842,7 @@
                 <a:latin typeface="Times New Roman" pitchFamily="18" charset="0"/>
                 <a:cs typeface="Times New Roman" pitchFamily="18" charset="0"/>
               </a:rPr>
-              <a:t>Baze de </a:t>
-            </a:r>
-            <a:r>
-              <a:rPr lang="ro-RO" b="1" noProof="1" smtClean="0">
-                <a:latin typeface="Times New Roman" pitchFamily="18" charset="0"/>
-                <a:cs typeface="Times New Roman" pitchFamily="18" charset="0"/>
-              </a:rPr>
-              <a:t>date</a:t>
-            </a:r>
-            <a:endParaRPr lang="ro-RO" b="1" noProof="1" smtClean="0">
-              <a:latin typeface="Times New Roman" pitchFamily="18" charset="0"/>
-              <a:cs typeface="Times New Roman" pitchFamily="18" charset="0"/>
-            </a:endParaRPr>
-          </a:p>
-          <a:p>
-            <a:endParaRPr lang="ro-RO" b="1" noProof="1" smtClean="0">
-              <a:latin typeface="Times New Roman" pitchFamily="18" charset="0"/>
-              <a:cs typeface="Times New Roman" pitchFamily="18" charset="0"/>
-            </a:endParaRPr>
-          </a:p>
-          <a:p>
-            <a:r>
-              <a:rPr lang="ro-RO" b="1" noProof="1" smtClean="0">
-                <a:latin typeface="Times New Roman" pitchFamily="18" charset="0"/>
-                <a:cs typeface="Times New Roman" pitchFamily="18" charset="0"/>
-              </a:rPr>
-              <a:t>Modelare </a:t>
-            </a:r>
-            <a:r>
-              <a:rPr lang="ro-RO" b="1" noProof="1" smtClean="0">
-                <a:latin typeface="Times New Roman" pitchFamily="18" charset="0"/>
-                <a:cs typeface="Times New Roman" pitchFamily="18" charset="0"/>
-              </a:rPr>
-              <a:t>UML</a:t>
-            </a:r>
-            <a:endParaRPr lang="ro-RO" b="1" noProof="1" smtClean="0">
-              <a:latin typeface="Times New Roman" pitchFamily="18" charset="0"/>
-              <a:cs typeface="Times New Roman" pitchFamily="18" charset="0"/>
-            </a:endParaRPr>
-          </a:p>
-          <a:p>
-            <a:endParaRPr lang="ro-RO" b="1" noProof="1" smtClean="0">
-              <a:latin typeface="Times New Roman" pitchFamily="18" charset="0"/>
-              <a:cs typeface="Times New Roman" pitchFamily="18" charset="0"/>
-            </a:endParaRPr>
-          </a:p>
-          <a:p>
-            <a:r>
-              <a:rPr lang="ro-RO" b="1" noProof="1" smtClean="0">
-                <a:latin typeface="Times New Roman" pitchFamily="18" charset="0"/>
-                <a:cs typeface="Times New Roman" pitchFamily="18" charset="0"/>
-              </a:rPr>
-              <a:t>Platforma </a:t>
-            </a:r>
-            <a:r>
-              <a:rPr lang="ro-RO" b="1" noProof="1" smtClean="0">
-                <a:latin typeface="Times New Roman" pitchFamily="18" charset="0"/>
-                <a:cs typeface="Times New Roman" pitchFamily="18" charset="0"/>
-              </a:rPr>
-              <a:t>Netbeans</a:t>
-            </a:r>
-            <a:endParaRPr lang="ro-RO" b="1" noProof="1" smtClean="0">
-              <a:latin typeface="Times New Roman" pitchFamily="18" charset="0"/>
-              <a:cs typeface="Times New Roman" pitchFamily="18" charset="0"/>
-            </a:endParaRPr>
-          </a:p>
-          <a:p>
-            <a:endParaRPr lang="ro-RO" b="1" noProof="1" smtClean="0">
-              <a:latin typeface="Times New Roman" pitchFamily="18" charset="0"/>
-              <a:cs typeface="Times New Roman" pitchFamily="18" charset="0"/>
-            </a:endParaRPr>
-          </a:p>
-          <a:p>
-            <a:r>
-              <a:rPr lang="ro-RO" b="1" noProof="1" smtClean="0">
-                <a:latin typeface="Times New Roman" pitchFamily="18" charset="0"/>
-                <a:cs typeface="Times New Roman" pitchFamily="18" charset="0"/>
-              </a:rPr>
-              <a:t>Java </a:t>
-            </a:r>
-            <a:r>
-              <a:rPr lang="ro-RO" b="1" noProof="1" smtClean="0">
-                <a:latin typeface="Times New Roman" pitchFamily="18" charset="0"/>
-                <a:cs typeface="Times New Roman" pitchFamily="18" charset="0"/>
-              </a:rPr>
-              <a:t>Swing</a:t>
+              <a:t>Java Swing</a:t>
             </a:r>
             <a:endParaRPr lang="ro-RO" b="1" noProof="1">
               <a:latin typeface="Times New Roman" pitchFamily="18" charset="0"/>
@@ -3505,21 +4878,7 @@
                 <a:latin typeface="Times New Roman" pitchFamily="18" charset="0"/>
                 <a:cs typeface="Times New Roman" pitchFamily="18" charset="0"/>
               </a:rPr>
-              <a:t>Tehnologii</a:t>
-            </a:r>
-            <a:r>
-              <a:rPr lang="ro-RO" b="1" noProof="1" smtClean="0">
-                <a:latin typeface="Times New Roman" pitchFamily="18" charset="0"/>
-                <a:cs typeface="Times New Roman" pitchFamily="18" charset="0"/>
-              </a:rPr>
-              <a:t> </a:t>
-            </a:r>
-            <a:r>
-              <a:rPr lang="ro-RO" b="1" noProof="1" smtClean="0">
-                <a:latin typeface="Times New Roman" pitchFamily="18" charset="0"/>
-                <a:cs typeface="Times New Roman" pitchFamily="18" charset="0"/>
-              </a:rPr>
-              <a:t>folosite</a:t>
+              <a:t>Tehnologii folosite</a:t>
             </a:r>
             <a:endParaRPr lang="ro-RO" b="1" noProof="1">
               <a:latin typeface="Times New Roman" pitchFamily="18" charset="0"/>
@@ -3672,21 +5031,7 @@
                 <a:latin typeface="Times New Roman" pitchFamily="18" charset="0"/>
                 <a:cs typeface="Times New Roman" pitchFamily="18" charset="0"/>
               </a:rPr>
-              <a:t>Programarea</a:t>
-            </a:r>
-            <a:r>
-              <a:rPr lang="ro-RO" b="1" noProof="1" smtClean="0">
-                <a:latin typeface="Times New Roman" pitchFamily="18" charset="0"/>
-                <a:cs typeface="Times New Roman" pitchFamily="18" charset="0"/>
-              </a:rPr>
-              <a:t> orientata pe </a:t>
-            </a:r>
-            <a:r>
-              <a:rPr lang="ro-RO" b="1" noProof="1" smtClean="0">
-                <a:latin typeface="Times New Roman" pitchFamily="18" charset="0"/>
-                <a:cs typeface="Times New Roman" pitchFamily="18" charset="0"/>
-              </a:rPr>
-              <a:t>obiecte</a:t>
+              <a:t>Programarea orientata pe obiecte</a:t>
             </a:r>
             <a:endParaRPr lang="ro-RO" b="1" noProof="1">
               <a:latin typeface="Times New Roman" pitchFamily="18" charset="0"/>
@@ -3755,160 +5100,104 @@
                 <a:latin typeface="Times New Roman" pitchFamily="18" charset="0"/>
                 <a:cs typeface="Times New Roman" pitchFamily="18" charset="0"/>
               </a:rPr>
-              <a:t>Modelul</a:t>
-            </a:r>
+              <a:t>Modelul relational</a:t>
+            </a:r>
+            <a:endParaRPr lang="en-US" b="1" noProof="1" smtClean="0">
+              <a:latin typeface="Times New Roman" pitchFamily="18" charset="0"/>
+              <a:cs typeface="Times New Roman" pitchFamily="18" charset="0"/>
+            </a:endParaRPr>
+          </a:p>
+          <a:p>
+            <a:endParaRPr lang="en-US" b="1" noProof="1" smtClean="0">
+              <a:latin typeface="Times New Roman" pitchFamily="18" charset="0"/>
+              <a:cs typeface="Times New Roman" pitchFamily="18" charset="0"/>
+            </a:endParaRPr>
+          </a:p>
+          <a:p>
+            <a:r>
+              <a:rPr lang="en-US" b="1" noProof="1" smtClean="0">
+                <a:latin typeface="Times New Roman" pitchFamily="18" charset="0"/>
+                <a:cs typeface="Times New Roman" pitchFamily="18" charset="0"/>
+              </a:rPr>
+              <a:t>Algebra relationala</a:t>
+            </a:r>
+          </a:p>
+          <a:p>
+            <a:endParaRPr lang="en-US" b="1" noProof="1" smtClean="0">
+              <a:latin typeface="Times New Roman" pitchFamily="18" charset="0"/>
+              <a:cs typeface="Times New Roman" pitchFamily="18" charset="0"/>
+            </a:endParaRPr>
+          </a:p>
+          <a:p>
+            <a:r>
+              <a:rPr lang="en-US" b="1" noProof="1" smtClean="0">
+                <a:latin typeface="Times New Roman" pitchFamily="18" charset="0"/>
+                <a:cs typeface="Times New Roman" pitchFamily="18" charset="0"/>
+              </a:rPr>
+              <a:t>Calculul relational</a:t>
+            </a:r>
+          </a:p>
+          <a:p>
+            <a:endParaRPr lang="en-US" b="1" noProof="1" smtClean="0">
+              <a:latin typeface="Times New Roman" pitchFamily="18" charset="0"/>
+              <a:cs typeface="Times New Roman" pitchFamily="18" charset="0"/>
+            </a:endParaRPr>
+          </a:p>
+          <a:p>
+            <a:r>
+              <a:rPr lang="en-US" b="1" noProof="1" smtClean="0">
+                <a:latin typeface="Times New Roman" pitchFamily="18" charset="0"/>
+                <a:cs typeface="Times New Roman" pitchFamily="18" charset="0"/>
+              </a:rPr>
+              <a:t>Avantajele BDR</a:t>
+            </a:r>
+            <a:endParaRPr lang="ro-RO" b="1" noProof="1" smtClean="0">
+              <a:latin typeface="Times New Roman" pitchFamily="18" charset="0"/>
+              <a:cs typeface="Times New Roman" pitchFamily="18" charset="0"/>
+            </a:endParaRPr>
+          </a:p>
+          <a:p>
+            <a:endParaRPr lang="ro-RO" b="1" noProof="1" smtClean="0">
+              <a:latin typeface="Times New Roman" pitchFamily="18" charset="0"/>
+              <a:cs typeface="Times New Roman" pitchFamily="18" charset="0"/>
+            </a:endParaRPr>
+          </a:p>
+          <a:p>
             <a:r>
               <a:rPr lang="ro-RO" b="1" noProof="1" smtClean="0">
                 <a:latin typeface="Times New Roman" pitchFamily="18" charset="0"/>
                 <a:cs typeface="Times New Roman" pitchFamily="18" charset="0"/>
               </a:rPr>
-              <a:t> </a:t>
-            </a:r>
+              <a:t>Apache Derby Network server</a:t>
+            </a:r>
+            <a:endParaRPr lang="ro-RO" b="1" noProof="1">
+              <a:latin typeface="Times New Roman" pitchFamily="18" charset="0"/>
+              <a:cs typeface="Times New Roman" pitchFamily="18" charset="0"/>
+            </a:endParaRPr>
+          </a:p>
+        </p:txBody>
+      </p:sp>
+      <p:sp>
+        <p:nvSpPr>
+          <p:cNvPr id="3" name="Title 2"/>
+          <p:cNvSpPr>
+            <a:spLocks noGrp="1"/>
+          </p:cNvSpPr>
+          <p:nvPr>
+            <p:ph type="title"/>
+          </p:nvPr>
+        </p:nvSpPr>
+        <p:spPr/>
+        <p:txBody>
+          <a:bodyPr/>
+          <a:lstStyle/>
+          <a:p>
             <a:r>
               <a:rPr lang="ro-RO" b="1" noProof="1" smtClean="0">
                 <a:latin typeface="Times New Roman" pitchFamily="18" charset="0"/>
                 <a:cs typeface="Times New Roman" pitchFamily="18" charset="0"/>
               </a:rPr>
-              <a:t>relational</a:t>
-            </a:r>
-            <a:endParaRPr lang="en-US" b="1" noProof="1" smtClean="0">
-              <a:latin typeface="Times New Roman" pitchFamily="18" charset="0"/>
-              <a:cs typeface="Times New Roman" pitchFamily="18" charset="0"/>
-            </a:endParaRPr>
-          </a:p>
-          <a:p>
-            <a:endParaRPr lang="en-US" b="1" noProof="1" smtClean="0">
-              <a:latin typeface="Times New Roman" pitchFamily="18" charset="0"/>
-              <a:cs typeface="Times New Roman" pitchFamily="18" charset="0"/>
-            </a:endParaRPr>
-          </a:p>
-          <a:p>
-            <a:r>
-              <a:rPr lang="en-US" b="1" noProof="1" smtClean="0">
-                <a:latin typeface="Times New Roman" pitchFamily="18" charset="0"/>
-                <a:cs typeface="Times New Roman" pitchFamily="18" charset="0"/>
-              </a:rPr>
-              <a:t>Algebra </a:t>
-            </a:r>
-            <a:r>
-              <a:rPr lang="en-US" b="1" noProof="1" smtClean="0">
-                <a:latin typeface="Times New Roman" pitchFamily="18" charset="0"/>
-                <a:cs typeface="Times New Roman" pitchFamily="18" charset="0"/>
-              </a:rPr>
-              <a:t>relationala</a:t>
-            </a:r>
-          </a:p>
-          <a:p>
-            <a:endParaRPr lang="en-US" b="1" noProof="1" smtClean="0">
-              <a:latin typeface="Times New Roman" pitchFamily="18" charset="0"/>
-              <a:cs typeface="Times New Roman" pitchFamily="18" charset="0"/>
-            </a:endParaRPr>
-          </a:p>
-          <a:p>
-            <a:r>
-              <a:rPr lang="en-US" b="1" noProof="1" smtClean="0">
-                <a:latin typeface="Times New Roman" pitchFamily="18" charset="0"/>
-                <a:cs typeface="Times New Roman" pitchFamily="18" charset="0"/>
-              </a:rPr>
-              <a:t>Calculul </a:t>
-            </a:r>
-            <a:r>
-              <a:rPr lang="en-US" b="1" noProof="1" smtClean="0">
-                <a:latin typeface="Times New Roman" pitchFamily="18" charset="0"/>
-                <a:cs typeface="Times New Roman" pitchFamily="18" charset="0"/>
-              </a:rPr>
-              <a:t>relational</a:t>
-            </a:r>
-          </a:p>
-          <a:p>
-            <a:endParaRPr lang="en-US" b="1" noProof="1" smtClean="0">
-              <a:latin typeface="Times New Roman" pitchFamily="18" charset="0"/>
-              <a:cs typeface="Times New Roman" pitchFamily="18" charset="0"/>
-            </a:endParaRPr>
-          </a:p>
-          <a:p>
-            <a:r>
-              <a:rPr lang="en-US" b="1" noProof="1" smtClean="0">
-                <a:latin typeface="Times New Roman" pitchFamily="18" charset="0"/>
-                <a:cs typeface="Times New Roman" pitchFamily="18" charset="0"/>
-              </a:rPr>
-              <a:t>Avantajele </a:t>
-            </a:r>
-            <a:r>
-              <a:rPr lang="en-US" b="1" noProof="1" smtClean="0">
-                <a:latin typeface="Times New Roman" pitchFamily="18" charset="0"/>
-                <a:cs typeface="Times New Roman" pitchFamily="18" charset="0"/>
-              </a:rPr>
-              <a:t>BDR</a:t>
-            </a:r>
-            <a:endParaRPr lang="ro-RO" b="1" noProof="1" smtClean="0">
-              <a:latin typeface="Times New Roman" pitchFamily="18" charset="0"/>
-              <a:cs typeface="Times New Roman" pitchFamily="18" charset="0"/>
-            </a:endParaRPr>
-          </a:p>
-          <a:p>
-            <a:endParaRPr lang="ro-RO" b="1" noProof="1" smtClean="0">
-              <a:latin typeface="Times New Roman" pitchFamily="18" charset="0"/>
-              <a:cs typeface="Times New Roman" pitchFamily="18" charset="0"/>
-            </a:endParaRPr>
-          </a:p>
-          <a:p>
-            <a:r>
-              <a:rPr lang="ro-RO" b="1" noProof="1" smtClean="0">
-                <a:latin typeface="Times New Roman" pitchFamily="18" charset="0"/>
-                <a:cs typeface="Times New Roman" pitchFamily="18" charset="0"/>
-              </a:rPr>
-              <a:t>Apache Derby Network </a:t>
-            </a:r>
-            <a:r>
-              <a:rPr lang="ro-RO" b="1" noProof="1" smtClean="0">
-                <a:latin typeface="Times New Roman" pitchFamily="18" charset="0"/>
-                <a:cs typeface="Times New Roman" pitchFamily="18" charset="0"/>
-              </a:rPr>
-              <a:t>server</a:t>
-            </a:r>
-            <a:endParaRPr lang="ro-RO" b="1" noProof="1">
-              <a:latin typeface="Times New Roman" pitchFamily="18" charset="0"/>
-              <a:cs typeface="Times New Roman" pitchFamily="18" charset="0"/>
-            </a:endParaRPr>
-          </a:p>
-        </p:txBody>
-      </p:sp>
-      <p:sp>
-        <p:nvSpPr>
-          <p:cNvPr id="3" name="Title 2"/>
-          <p:cNvSpPr>
-            <a:spLocks noGrp="1"/>
-          </p:cNvSpPr>
-          <p:nvPr>
-            <p:ph type="title"/>
-          </p:nvPr>
-        </p:nvSpPr>
-        <p:spPr/>
-        <p:txBody>
-          <a:bodyPr/>
-          <a:lstStyle/>
-          <a:p>
-            <a:r>
-              <a:rPr lang="ro-RO" b="1" noProof="1" smtClean="0">
-                <a:latin typeface="Times New Roman" pitchFamily="18" charset="0"/>
-                <a:cs typeface="Times New Roman" pitchFamily="18" charset="0"/>
-              </a:rPr>
-              <a:t>Baze</a:t>
-            </a:r>
-            <a:r>
-              <a:rPr lang="ro-RO" b="1" noProof="1" smtClean="0">
-                <a:latin typeface="Times New Roman" pitchFamily="18" charset="0"/>
-                <a:cs typeface="Times New Roman" pitchFamily="18" charset="0"/>
-              </a:rPr>
-              <a:t> de </a:t>
-            </a:r>
-            <a:r>
-              <a:rPr lang="ro-RO" b="1" noProof="1" smtClean="0">
-                <a:latin typeface="Times New Roman" pitchFamily="18" charset="0"/>
-                <a:cs typeface="Times New Roman" pitchFamily="18" charset="0"/>
-              </a:rPr>
-              <a:t>date</a:t>
+              <a:t>Baze de date</a:t>
             </a:r>
             <a:endParaRPr lang="ro-RO" b="1" noProof="1">
               <a:latin typeface="Times New Roman" pitchFamily="18" charset="0"/>
@@ -4155,144 +5444,102 @@
                 <a:latin typeface="Times New Roman" pitchFamily="18" charset="0"/>
                 <a:cs typeface="Times New Roman" pitchFamily="18" charset="0"/>
               </a:rPr>
-              <a:t>Ce</a:t>
-            </a:r>
+              <a:t>Ce este o platforma “Rich client”</a:t>
+            </a:r>
+            <a:endParaRPr lang="en-US" b="1" noProof="1" smtClean="0">
+              <a:latin typeface="Times New Roman" pitchFamily="18" charset="0"/>
+              <a:cs typeface="Times New Roman" pitchFamily="18" charset="0"/>
+            </a:endParaRPr>
+          </a:p>
+          <a:p>
+            <a:endParaRPr lang="en-US" b="1" noProof="1" smtClean="0">
+              <a:latin typeface="Times New Roman" pitchFamily="18" charset="0"/>
+              <a:cs typeface="Times New Roman" pitchFamily="18" charset="0"/>
+            </a:endParaRPr>
+          </a:p>
+          <a:p>
+            <a:r>
+              <a:rPr lang="en-US" b="1" noProof="1" smtClean="0">
+                <a:latin typeface="Times New Roman" pitchFamily="18" charset="0"/>
+                <a:cs typeface="Times New Roman" pitchFamily="18" charset="0"/>
+              </a:rPr>
+              <a:t>Avantajele unei platforme “Rich client”</a:t>
+            </a:r>
+          </a:p>
+          <a:p>
+            <a:endParaRPr lang="en-US" b="1" noProof="1" smtClean="0">
+              <a:latin typeface="Times New Roman" pitchFamily="18" charset="0"/>
+              <a:cs typeface="Times New Roman" pitchFamily="18" charset="0"/>
+            </a:endParaRPr>
+          </a:p>
+          <a:p>
+            <a:r>
+              <a:rPr lang="en-US" b="1" noProof="1" smtClean="0">
+                <a:latin typeface="Times New Roman" pitchFamily="18" charset="0"/>
+                <a:cs typeface="Times New Roman" pitchFamily="18" charset="0"/>
+              </a:rPr>
+              <a:t>Caracteristici ale platformei Netbeans</a:t>
+            </a:r>
+          </a:p>
+          <a:p>
+            <a:endParaRPr lang="en-US" b="1" noProof="1" smtClean="0">
+              <a:latin typeface="Times New Roman" pitchFamily="18" charset="0"/>
+              <a:cs typeface="Times New Roman" pitchFamily="18" charset="0"/>
+            </a:endParaRPr>
+          </a:p>
+          <a:p>
+            <a:r>
+              <a:rPr lang="en-US" b="1" noProof="1" smtClean="0">
+                <a:latin typeface="Times New Roman" pitchFamily="18" charset="0"/>
+                <a:cs typeface="Times New Roman" pitchFamily="18" charset="0"/>
+              </a:rPr>
+              <a:t>Infrastructura interfetei cu utilizatorul</a:t>
+            </a:r>
+          </a:p>
+          <a:p>
+            <a:endParaRPr lang="en-US" b="1" noProof="1" smtClean="0">
+              <a:latin typeface="Times New Roman" pitchFamily="18" charset="0"/>
+              <a:cs typeface="Times New Roman" pitchFamily="18" charset="0"/>
+            </a:endParaRPr>
+          </a:p>
+          <a:p>
+            <a:r>
+              <a:rPr lang="en-US" b="1" noProof="1" smtClean="0">
+                <a:latin typeface="Times New Roman" pitchFamily="18" charset="0"/>
+                <a:cs typeface="Times New Roman" pitchFamily="18" charset="0"/>
+              </a:rPr>
+              <a:t>Structura/Arhitectura platformei</a:t>
+            </a:r>
+            <a:endParaRPr lang="ro-RO" b="1" noProof="1">
+              <a:latin typeface="Times New Roman" pitchFamily="18" charset="0"/>
+              <a:cs typeface="Times New Roman" pitchFamily="18" charset="0"/>
+            </a:endParaRPr>
+          </a:p>
+        </p:txBody>
+      </p:sp>
+      <p:sp>
+        <p:nvSpPr>
+          <p:cNvPr id="3" name="Title 2"/>
+          <p:cNvSpPr>
+            <a:spLocks noGrp="1"/>
+          </p:cNvSpPr>
+          <p:nvPr>
+            <p:ph type="title"/>
+          </p:nvPr>
+        </p:nvSpPr>
+        <p:spPr/>
+        <p:txBody>
+          <a:bodyPr/>
+          <a:lstStyle/>
+          <a:p>
             <a:r>
               <a:rPr lang="ro-RO" b="1" noProof="1" smtClean="0">
                 <a:latin typeface="Times New Roman" pitchFamily="18" charset="0"/>
                 <a:cs typeface="Times New Roman" pitchFamily="18" charset="0"/>
               </a:rPr>
-              <a:t> este o platforma </a:t>
-            </a:r>
-            <a:r>
-              <a:rPr lang="ro-RO" b="1" noProof="1" smtClean="0">
-                <a:latin typeface="Times New Roman" pitchFamily="18" charset="0"/>
-                <a:cs typeface="Times New Roman" pitchFamily="18" charset="0"/>
-              </a:rPr>
-              <a:t>“</a:t>
-            </a:r>
-            <a:r>
-              <a:rPr lang="ro-RO" b="1" noProof="1" smtClean="0">
-                <a:latin typeface="Times New Roman" pitchFamily="18" charset="0"/>
-                <a:cs typeface="Times New Roman" pitchFamily="18" charset="0"/>
-              </a:rPr>
-              <a:t>Rich </a:t>
-            </a:r>
-            <a:r>
-              <a:rPr lang="ro-RO" b="1" noProof="1" smtClean="0">
-                <a:latin typeface="Times New Roman" pitchFamily="18" charset="0"/>
-                <a:cs typeface="Times New Roman" pitchFamily="18" charset="0"/>
-              </a:rPr>
-              <a:t>client”</a:t>
-            </a:r>
-            <a:endParaRPr lang="en-US" b="1" noProof="1" smtClean="0">
-              <a:latin typeface="Times New Roman" pitchFamily="18" charset="0"/>
-              <a:cs typeface="Times New Roman" pitchFamily="18" charset="0"/>
-            </a:endParaRPr>
-          </a:p>
-          <a:p>
-            <a:endParaRPr lang="en-US" b="1" noProof="1" smtClean="0">
-              <a:latin typeface="Times New Roman" pitchFamily="18" charset="0"/>
-              <a:cs typeface="Times New Roman" pitchFamily="18" charset="0"/>
-            </a:endParaRPr>
-          </a:p>
-          <a:p>
-            <a:r>
-              <a:rPr lang="en-US" b="1" noProof="1" smtClean="0">
-                <a:latin typeface="Times New Roman" pitchFamily="18" charset="0"/>
-                <a:cs typeface="Times New Roman" pitchFamily="18" charset="0"/>
-              </a:rPr>
-              <a:t>Avantajele unei platforme “Rich client”</a:t>
-            </a:r>
-          </a:p>
-          <a:p>
-            <a:endParaRPr lang="en-US" b="1" noProof="1" smtClean="0">
-              <a:latin typeface="Times New Roman" pitchFamily="18" charset="0"/>
-              <a:cs typeface="Times New Roman" pitchFamily="18" charset="0"/>
-            </a:endParaRPr>
-          </a:p>
-          <a:p>
-            <a:r>
-              <a:rPr lang="en-US" b="1" noProof="1" smtClean="0">
-                <a:latin typeface="Times New Roman" pitchFamily="18" charset="0"/>
-                <a:cs typeface="Times New Roman" pitchFamily="18" charset="0"/>
-              </a:rPr>
-              <a:t>Caracteristici ale platformei Netbeans</a:t>
-            </a:r>
-          </a:p>
-          <a:p>
-            <a:endParaRPr lang="en-US" b="1" noProof="1" smtClean="0">
-              <a:latin typeface="Times New Roman" pitchFamily="18" charset="0"/>
-              <a:cs typeface="Times New Roman" pitchFamily="18" charset="0"/>
-            </a:endParaRPr>
-          </a:p>
-          <a:p>
-            <a:r>
-              <a:rPr lang="en-US" b="1" noProof="1" smtClean="0">
-                <a:latin typeface="Times New Roman" pitchFamily="18" charset="0"/>
-                <a:cs typeface="Times New Roman" pitchFamily="18" charset="0"/>
-              </a:rPr>
-              <a:t>Infrastructura interfetei cu utilizatorul</a:t>
-            </a:r>
-          </a:p>
-          <a:p>
-            <a:endParaRPr lang="en-US" b="1" noProof="1" smtClean="0">
-              <a:latin typeface="Times New Roman" pitchFamily="18" charset="0"/>
-              <a:cs typeface="Times New Roman" pitchFamily="18" charset="0"/>
-            </a:endParaRPr>
-          </a:p>
-          <a:p>
-            <a:r>
-              <a:rPr lang="en-US" b="1" noProof="1" smtClean="0">
-                <a:latin typeface="Times New Roman" pitchFamily="18" charset="0"/>
-                <a:cs typeface="Times New Roman" pitchFamily="18" charset="0"/>
-              </a:rPr>
-              <a:t>Structura/Arhitectura platformei</a:t>
+              <a:t>Platforma Netbeans</a:t>
             </a:r>
             <a:endParaRPr lang="ro-RO" b="1" noProof="1">
-              <a:latin typeface="Times New Roman" pitchFamily="18" charset="0"/>
-              <a:cs typeface="Times New Roman" pitchFamily="18" charset="0"/>
-            </a:endParaRPr>
-          </a:p>
-        </p:txBody>
-      </p:sp>
-      <p:sp>
-        <p:nvSpPr>
-          <p:cNvPr id="3" name="Title 2"/>
-          <p:cNvSpPr>
-            <a:spLocks noGrp="1"/>
-          </p:cNvSpPr>
-          <p:nvPr>
-            <p:ph type="title"/>
-          </p:nvPr>
-        </p:nvSpPr>
-        <p:spPr/>
-        <p:txBody>
-          <a:bodyPr/>
-          <a:lstStyle/>
-          <a:p>
-            <a:r>
-              <a:rPr lang="ro-RO" noProof="1" smtClean="0">
-                <a:latin typeface="Times New Roman" pitchFamily="18" charset="0"/>
-                <a:cs typeface="Times New Roman" pitchFamily="18" charset="0"/>
-              </a:rPr>
-              <a:t>Platforma</a:t>
-            </a:r>
-            <a:r>
-              <a:rPr lang="ro-RO" noProof="1" smtClean="0">
-                <a:latin typeface="Times New Roman" pitchFamily="18" charset="0"/>
-                <a:cs typeface="Times New Roman" pitchFamily="18" charset="0"/>
-              </a:rPr>
-              <a:t> </a:t>
-            </a:r>
-            <a:r>
-              <a:rPr lang="ro-RO" noProof="1" smtClean="0">
-                <a:latin typeface="Times New Roman" pitchFamily="18" charset="0"/>
-                <a:cs typeface="Times New Roman" pitchFamily="18" charset="0"/>
-              </a:rPr>
-              <a:t>Netbeans</a:t>
-            </a:r>
-            <a:endParaRPr lang="ro-RO" noProof="1">
               <a:latin typeface="Times New Roman" pitchFamily="18" charset="0"/>
               <a:cs typeface="Times New Roman" pitchFamily="18" charset="0"/>
             </a:endParaRPr>

--- a/Office documents/Prezentare Scurta.pptx
+++ b/Office documents/Prezentare Scurta.pptx
@@ -374,7 +374,7 @@
             <a:fld id="{DC32BC8C-447D-48B7-85E7-C44104B6F7C5}" type="datetimeFigureOut">
               <a:rPr lang="en-US" smtClean="0"/>
               <a:pPr/>
-              <a:t>6/27/2010</a:t>
+              <a:t>7/5/2010</a:t>
             </a:fld>
             <a:endParaRPr lang="en-US"/>
           </a:p>
@@ -551,7 +551,7 @@
             <a:fld id="{DC32BC8C-447D-48B7-85E7-C44104B6F7C5}" type="datetimeFigureOut">
               <a:rPr lang="en-US" smtClean="0"/>
               <a:pPr/>
-              <a:t>6/27/2010</a:t>
+              <a:t>7/5/2010</a:t>
             </a:fld>
             <a:endParaRPr lang="en-US"/>
           </a:p>
@@ -677,7 +677,7 @@
             <a:fld id="{DC32BC8C-447D-48B7-85E7-C44104B6F7C5}" type="datetimeFigureOut">
               <a:rPr lang="en-US" smtClean="0"/>
               <a:pPr/>
-              <a:t>6/27/2010</a:t>
+              <a:t>7/5/2010</a:t>
             </a:fld>
             <a:endParaRPr lang="en-US"/>
           </a:p>
@@ -769,7 +769,7 @@
             <a:fld id="{DC32BC8C-447D-48B7-85E7-C44104B6F7C5}" type="datetimeFigureOut">
               <a:rPr lang="en-US" smtClean="0"/>
               <a:pPr/>
-              <a:t>6/27/2010</a:t>
+              <a:t>7/5/2010</a:t>
             </a:fld>
             <a:endParaRPr lang="en-US"/>
           </a:p>
@@ -1007,7 +1007,7 @@
             <a:fld id="{DC32BC8C-447D-48B7-85E7-C44104B6F7C5}" type="datetimeFigureOut">
               <a:rPr lang="en-US" smtClean="0"/>
               <a:pPr/>
-              <a:t>6/27/2010</a:t>
+              <a:t>7/5/2010</a:t>
             </a:fld>
             <a:endParaRPr lang="en-US"/>
           </a:p>
@@ -1184,7 +1184,7 @@
             <a:fld id="{DC32BC8C-447D-48B7-85E7-C44104B6F7C5}" type="datetimeFigureOut">
               <a:rPr lang="en-US" smtClean="0"/>
               <a:pPr/>
-              <a:t>6/27/2010</a:t>
+              <a:t>7/5/2010</a:t>
             </a:fld>
             <a:endParaRPr lang="en-US"/>
           </a:p>
@@ -1422,7 +1422,7 @@
             <a:fld id="{DC32BC8C-447D-48B7-85E7-C44104B6F7C5}" type="datetimeFigureOut">
               <a:rPr lang="en-US" smtClean="0"/>
               <a:pPr/>
-              <a:t>6/27/2010</a:t>
+              <a:t>7/5/2010</a:t>
             </a:fld>
             <a:endParaRPr lang="en-US"/>
           </a:p>
@@ -1695,7 +1695,7 @@
             <a:fld id="{DC32BC8C-447D-48B7-85E7-C44104B6F7C5}" type="datetimeFigureOut">
               <a:rPr lang="en-US" smtClean="0"/>
               <a:pPr/>
-              <a:t>6/27/2010</a:t>
+              <a:t>7/5/2010</a:t>
             </a:fld>
             <a:endParaRPr lang="en-US"/>
           </a:p>
@@ -1892,8 +1892,22 @@
 </file>
 
 <file path=ppt/slides/slide1.xml><?xml version="1.0" encoding="utf-8"?>
-<p:sld xmlns:a="http://schemas.openxmlformats.org/drawingml/2006/main" xmlns:r="http://schemas.openxmlformats.org/officeDocument/2006/relationships" xmlns:p="http://schemas.openxmlformats.org/presentationml/2006/main">
+<p:sld xmlns:a="http://schemas.openxmlformats.org/drawingml/2006/main" xmlns:r="http://schemas.openxmlformats.org/officeDocument/2006/relationships" xmlns:p="http://schemas.openxmlformats.org/presentationml/2006/main" showMasterSp="0">
   <p:cSld>
+    <p:bg>
+      <p:bgPr>
+        <a:blipFill dpi="0" rotWithShape="1">
+          <a:blip r:embed="rId2">
+            <a:lum/>
+          </a:blip>
+          <a:srcRect/>
+          <a:stretch>
+            <a:fillRect/>
+          </a:stretch>
+        </a:blipFill>
+        <a:effectLst/>
+      </p:bgPr>
+    </p:bg>
     <p:spTree>
       <p:nvGrpSpPr>
         <p:cNvPr id="1" name=""/>
@@ -1918,24 +1932,34 @@
             <p:ph type="subTitle" idx="1"/>
           </p:nvPr>
         </p:nvSpPr>
-        <p:spPr/>
+        <p:spPr>
+          <a:xfrm>
+            <a:off x="0" y="4495800"/>
+            <a:ext cx="2209800" cy="1219200"/>
+          </a:xfrm>
+        </p:spPr>
         <p:txBody>
           <a:bodyPr/>
           <a:lstStyle/>
           <a:p>
-            <a:r>
-              <a:rPr lang="ro-RO" b="1" noProof="1" smtClean="0"/>
-              <a:t>Popescu</a:t>
-            </a:r>
-            <a:r>
-              <a:rPr lang="ro-RO" b="1" noProof="1" smtClean="0"/>
-              <a:t> </a:t>
-            </a:r>
-            <a:r>
-              <a:rPr lang="ro-RO" b="1" noProof="1" smtClean="0"/>
-              <a:t>Alexandru</a:t>
-            </a:r>
-            <a:endParaRPr lang="ro-RO" b="1" noProof="1"/>
+            <a:pPr algn="ctr"/>
+            <a:r>
+              <a:rPr lang="ro-RO" b="1" noProof="1" smtClean="0">
+                <a:solidFill>
+                  <a:schemeClr val="bg1"/>
+                </a:solidFill>
+                <a:latin typeface="Times New Roman" pitchFamily="18" charset="0"/>
+                <a:cs typeface="Times New Roman" pitchFamily="18" charset="0"/>
+              </a:rPr>
+              <a:t>Popescu Alexandru</a:t>
+            </a:r>
+            <a:endParaRPr lang="ro-RO" b="1" noProof="1">
+              <a:solidFill>
+                <a:schemeClr val="bg1"/>
+              </a:solidFill>
+              <a:latin typeface="Times New Roman" pitchFamily="18" charset="0"/>
+              <a:cs typeface="Times New Roman" pitchFamily="18" charset="0"/>
+            </a:endParaRPr>
           </a:p>
         </p:txBody>
       </p:sp>
@@ -1951,8 +1975,8 @@
         </p:nvSpPr>
         <p:spPr>
           <a:xfrm>
-            <a:off x="1066800" y="2438400"/>
-            <a:ext cx="7577814" cy="1470025"/>
+            <a:off x="533400" y="1676400"/>
+            <a:ext cx="8077200" cy="1447800"/>
           </a:xfrm>
         </p:spPr>
         <p:txBody>
@@ -1964,26 +1988,18 @@
             <a:pPr algn="ctr"/>
             <a:r>
               <a:rPr lang="ro-RO" b="1" noProof="1" smtClean="0">
-                <a:latin typeface="Times New Roman" pitchFamily="18" charset="0"/>
-                <a:cs typeface="Times New Roman" pitchFamily="18" charset="0"/>
-              </a:rPr>
-              <a:t>Sistem de simulare si testare automata a functionalitatilor unui computer </a:t>
-            </a:r>
-            <a:r>
-              <a:rPr lang="ro-RO" b="1" noProof="1" smtClean="0">
-                <a:latin typeface="Times New Roman" pitchFamily="18" charset="0"/>
-                <a:cs typeface="Times New Roman" pitchFamily="18" charset="0"/>
-              </a:rPr>
-              <a:t>de </a:t>
-            </a:r>
-            <a:r>
-              <a:rPr lang="ro-RO" b="1" noProof="1" smtClean="0">
-                <a:latin typeface="Times New Roman" pitchFamily="18" charset="0"/>
-                <a:cs typeface="Times New Roman" pitchFamily="18" charset="0"/>
-              </a:rPr>
-              <a:t>bord</a:t>
+                <a:solidFill>
+                  <a:schemeClr val="bg1"/>
+                </a:solidFill>
+                <a:latin typeface="Times New Roman" pitchFamily="18" charset="0"/>
+                <a:cs typeface="Times New Roman" pitchFamily="18" charset="0"/>
+              </a:rPr>
+              <a:t>Sistem de simulare si testare automata a functionalitatilor unui computer de bord</a:t>
             </a:r>
             <a:endParaRPr lang="ro-RO" b="1" noProof="1">
+              <a:solidFill>
+                <a:schemeClr val="bg1"/>
+              </a:solidFill>
               <a:latin typeface="Times New Roman" pitchFamily="18" charset="0"/>
               <a:cs typeface="Times New Roman" pitchFamily="18" charset="0"/>
             </a:endParaRPr>
@@ -2009,8 +2025,22 @@
 </file>
 
 <file path=ppt/slides/slide10.xml><?xml version="1.0" encoding="utf-8"?>
-<p:sld xmlns:a="http://schemas.openxmlformats.org/drawingml/2006/main" xmlns:r="http://schemas.openxmlformats.org/officeDocument/2006/relationships" xmlns:p="http://schemas.openxmlformats.org/presentationml/2006/main">
+<p:sld xmlns:a="http://schemas.openxmlformats.org/drawingml/2006/main" xmlns:r="http://schemas.openxmlformats.org/officeDocument/2006/relationships" xmlns:p="http://schemas.openxmlformats.org/presentationml/2006/main" showMasterSp="0">
   <p:cSld>
+    <p:bg>
+      <p:bgPr>
+        <a:blipFill dpi="0" rotWithShape="1">
+          <a:blip r:embed="rId2">
+            <a:lum/>
+          </a:blip>
+          <a:srcRect/>
+          <a:stretch>
+            <a:fillRect/>
+          </a:stretch>
+        </a:blipFill>
+        <a:effectLst/>
+      </p:bgPr>
+    </p:bg>
     <p:spTree>
       <p:nvGrpSpPr>
         <p:cNvPr id="1" name=""/>
@@ -2035,7 +2065,12 @@
             <p:ph type="body" idx="1"/>
           </p:nvPr>
         </p:nvSpPr>
-        <p:spPr/>
+        <p:spPr>
+          <a:xfrm>
+            <a:off x="457200" y="2057400"/>
+            <a:ext cx="8229600" cy="4419600"/>
+          </a:xfrm>
+        </p:spPr>
         <p:txBody>
           <a:bodyPr/>
           <a:lstStyle/>
@@ -2045,21 +2080,7 @@
                 <a:latin typeface="Times New Roman" pitchFamily="18" charset="0"/>
                 <a:cs typeface="Times New Roman" pitchFamily="18" charset="0"/>
               </a:rPr>
-              <a:t>Inlocuirea</a:t>
-            </a:r>
-            <a:r>
-              <a:rPr lang="ro-RO" b="1" noProof="1" smtClean="0">
-                <a:latin typeface="Times New Roman" pitchFamily="18" charset="0"/>
-                <a:cs typeface="Times New Roman" pitchFamily="18" charset="0"/>
-              </a:rPr>
-              <a:t> AWT cu </a:t>
-            </a:r>
-            <a:r>
-              <a:rPr lang="ro-RO" b="1" noProof="1" smtClean="0">
-                <a:latin typeface="Times New Roman" pitchFamily="18" charset="0"/>
-                <a:cs typeface="Times New Roman" pitchFamily="18" charset="0"/>
-              </a:rPr>
-              <a:t>Swing</a:t>
+              <a:t>Inlocuirea AWT cu Swing</a:t>
             </a:r>
             <a:endParaRPr lang="en-US" b="1" noProof="1" smtClean="0">
               <a:latin typeface="Times New Roman" pitchFamily="18" charset="0"/>
@@ -2127,26 +2148,33 @@
             <p:ph type="title"/>
           </p:nvPr>
         </p:nvSpPr>
-        <p:spPr/>
-        <p:txBody>
-          <a:bodyPr/>
-          <a:lstStyle/>
-          <a:p>
-            <a:r>
-              <a:rPr lang="ro-RO" b="1" noProof="1" smtClean="0">
-                <a:latin typeface="Times New Roman" pitchFamily="18" charset="0"/>
-                <a:cs typeface="Times New Roman" pitchFamily="18" charset="0"/>
-              </a:rPr>
-              <a:t>Java </a:t>
-            </a:r>
-            <a:r>
-              <a:rPr lang="ro-RO" b="1" noProof="1" smtClean="0">
-                <a:latin typeface="Times New Roman" pitchFamily="18" charset="0"/>
-                <a:cs typeface="Times New Roman" pitchFamily="18" charset="0"/>
-              </a:rPr>
-              <a:t>Swing</a:t>
-            </a:r>
-            <a:endParaRPr lang="ro-RO" b="1" noProof="1">
+        <p:spPr>
+          <a:xfrm>
+            <a:off x="3733800" y="990600"/>
+            <a:ext cx="4953000" cy="664265"/>
+          </a:xfrm>
+        </p:spPr>
+        <p:txBody>
+          <a:bodyPr>
+            <a:normAutofit/>
+          </a:bodyPr>
+          <a:lstStyle/>
+          <a:p>
+            <a:pPr algn="ctr"/>
+            <a:r>
+              <a:rPr lang="ro-RO" sz="3200" b="1" noProof="1" smtClean="0">
+                <a:solidFill>
+                  <a:schemeClr val="bg1"/>
+                </a:solidFill>
+                <a:latin typeface="Times New Roman" pitchFamily="18" charset="0"/>
+                <a:cs typeface="Times New Roman" pitchFamily="18" charset="0"/>
+              </a:rPr>
+              <a:t>Java Swing</a:t>
+            </a:r>
+            <a:endParaRPr lang="ro-RO" sz="3200" b="1" noProof="1">
+              <a:solidFill>
+                <a:schemeClr val="bg1"/>
+              </a:solidFill>
               <a:latin typeface="Times New Roman" pitchFamily="18" charset="0"/>
               <a:cs typeface="Times New Roman" pitchFamily="18" charset="0"/>
             </a:endParaRPr>
@@ -2172,8 +2200,22 @@
 </file>
 
 <file path=ppt/slides/slide11.xml><?xml version="1.0" encoding="utf-8"?>
-<p:sld xmlns:a="http://schemas.openxmlformats.org/drawingml/2006/main" xmlns:r="http://schemas.openxmlformats.org/officeDocument/2006/relationships" xmlns:p="http://schemas.openxmlformats.org/presentationml/2006/main">
+<p:sld xmlns:a="http://schemas.openxmlformats.org/drawingml/2006/main" xmlns:r="http://schemas.openxmlformats.org/officeDocument/2006/relationships" xmlns:p="http://schemas.openxmlformats.org/presentationml/2006/main" showMasterSp="0">
   <p:cSld>
+    <p:bg>
+      <p:bgPr>
+        <a:blipFill dpi="0" rotWithShape="1">
+          <a:blip r:embed="rId2">
+            <a:lum/>
+          </a:blip>
+          <a:srcRect/>
+          <a:stretch>
+            <a:fillRect/>
+          </a:stretch>
+        </a:blipFill>
+        <a:effectLst/>
+      </p:bgPr>
+    </p:bg>
     <p:spTree>
       <p:nvGrpSpPr>
         <p:cNvPr id="1" name=""/>
@@ -2200,36 +2242,52 @@
         </p:nvSpPr>
         <p:spPr>
           <a:xfrm>
-            <a:off x="457200" y="1066800"/>
-            <a:ext cx="8229600" cy="5257800"/>
+            <a:off x="457200" y="1676400"/>
+            <a:ext cx="8229600" cy="5181600"/>
           </a:xfrm>
         </p:spPr>
         <p:txBody>
           <a:bodyPr>
-            <a:normAutofit/>
+            <a:normAutofit lnSpcReduction="10000"/>
           </a:bodyPr>
           <a:lstStyle/>
           <a:p>
+            <a:pPr>
+              <a:buNone/>
+            </a:pPr>
+            <a:endParaRPr lang="en-US" sz="2400" noProof="1" smtClean="0">
+              <a:latin typeface="Times New Roman" pitchFamily="18" charset="0"/>
+              <a:cs typeface="Times New Roman" pitchFamily="18" charset="0"/>
+            </a:endParaRPr>
+          </a:p>
+          <a:p>
             <a:r>
               <a:rPr lang="ro-RO" sz="2400" noProof="1" smtClean="0">
                 <a:latin typeface="Times New Roman" pitchFamily="18" charset="0"/>
                 <a:cs typeface="Times New Roman" pitchFamily="18" charset="0"/>
               </a:rPr>
-              <a:t>O vedere generala asupra proiectului poate fi descrisa de figura de mai jos, in care sunt prezentate 4 componente principale denumite </a:t>
+              <a:t>O vedere generala asupra proiectului poate fi descrisa de figura de mai jos, in care sunt prezentate 4 componente principale denumite generic </a:t>
+            </a:r>
+            <a:r>
+              <a:rPr lang="ro-RO" sz="2400" b="1" noProof="1" smtClean="0">
+                <a:latin typeface="Times New Roman" pitchFamily="18" charset="0"/>
+                <a:cs typeface="Times New Roman" pitchFamily="18" charset="0"/>
+              </a:rPr>
+              <a:t>Simulator</a:t>
             </a:r>
             <a:r>
               <a:rPr lang="ro-RO" sz="2400" noProof="1" smtClean="0">
                 <a:latin typeface="Times New Roman" pitchFamily="18" charset="0"/>
                 <a:cs typeface="Times New Roman" pitchFamily="18" charset="0"/>
               </a:rPr>
-              <a:t>generic </a:t>
+              <a:t>, </a:t>
             </a:r>
             <a:r>
               <a:rPr lang="ro-RO" sz="2400" b="1" noProof="1" smtClean="0">
                 <a:latin typeface="Times New Roman" pitchFamily="18" charset="0"/>
                 <a:cs typeface="Times New Roman" pitchFamily="18" charset="0"/>
               </a:rPr>
-              <a:t>Simulator</a:t>
+              <a:t>Interfata cu utilizatorul</a:t>
             </a:r>
             <a:r>
               <a:rPr lang="ro-RO" sz="2400" noProof="1" smtClean="0">
@@ -2243,99 +2301,36 @@
                 <a:latin typeface="Times New Roman" pitchFamily="18" charset="0"/>
                 <a:cs typeface="Times New Roman" pitchFamily="18" charset="0"/>
               </a:rPr>
-              <a:t>Interfata </a:t>
+              <a:t>Modulul de testare </a:t>
+            </a:r>
+            <a:r>
+              <a:rPr lang="ro-RO" sz="2400" noProof="1" smtClean="0">
+                <a:latin typeface="Times New Roman" pitchFamily="18" charset="0"/>
+                <a:cs typeface="Times New Roman" pitchFamily="18" charset="0"/>
+              </a:rPr>
+              <a:t>si </a:t>
             </a:r>
             <a:r>
               <a:rPr lang="ro-RO" sz="2400" b="1" noProof="1" smtClean="0">
                 <a:latin typeface="Times New Roman" pitchFamily="18" charset="0"/>
                 <a:cs typeface="Times New Roman" pitchFamily="18" charset="0"/>
               </a:rPr>
-              <a:t>cu </a:t>
+              <a:t>Baza de date</a:t>
+            </a:r>
+            <a:r>
+              <a:rPr lang="ro-RO" sz="2400" noProof="1" smtClean="0">
+                <a:latin typeface="Times New Roman" pitchFamily="18" charset="0"/>
+                <a:cs typeface="Times New Roman" pitchFamily="18" charset="0"/>
+              </a:rPr>
+              <a:t>.</a:t>
             </a:r>
             <a:r>
               <a:rPr lang="ro-RO" sz="2400" b="1" noProof="1" smtClean="0">
                 <a:latin typeface="Times New Roman" pitchFamily="18" charset="0"/>
                 <a:cs typeface="Times New Roman" pitchFamily="18" charset="0"/>
               </a:rPr>
-              <a:t>utilizatorul</a:t>
-            </a:r>
-            <a:r>
-              <a:rPr lang="ro-RO" sz="2400" noProof="1" smtClean="0">
-                <a:latin typeface="Times New Roman" pitchFamily="18" charset="0"/>
-                <a:cs typeface="Times New Roman" pitchFamily="18" charset="0"/>
-              </a:rPr>
-              <a:t>, </a:t>
-            </a:r>
-            <a:r>
-              <a:rPr lang="ro-RO" sz="2400" b="1" noProof="1" smtClean="0">
-                <a:latin typeface="Times New Roman" pitchFamily="18" charset="0"/>
-                <a:cs typeface="Times New Roman" pitchFamily="18" charset="0"/>
-              </a:rPr>
-              <a:t>Modulul de </a:t>
-            </a:r>
-            <a:r>
-              <a:rPr lang="ro-RO" sz="2400" b="1" noProof="1" smtClean="0">
-                <a:latin typeface="Times New Roman" pitchFamily="18" charset="0"/>
-                <a:cs typeface="Times New Roman" pitchFamily="18" charset="0"/>
-              </a:rPr>
-              <a:t>testare</a:t>
-            </a:r>
-            <a:r>
-              <a:rPr lang="ro-RO" sz="2400" b="1" noProof="1" smtClean="0">
-                <a:latin typeface="Times New Roman" pitchFamily="18" charset="0"/>
-                <a:cs typeface="Times New Roman" pitchFamily="18" charset="0"/>
-              </a:rPr>
               <a:t> </a:t>
             </a:r>
-            <a:r>
-              <a:rPr lang="ro-RO" sz="2400" noProof="1" smtClean="0">
-                <a:latin typeface="Times New Roman" pitchFamily="18" charset="0"/>
-                <a:cs typeface="Times New Roman" pitchFamily="18" charset="0"/>
-              </a:rPr>
-              <a:t>si</a:t>
-            </a:r>
-            <a:r>
-              <a:rPr lang="ro-RO" sz="2400" noProof="1" smtClean="0">
-                <a:latin typeface="Times New Roman" pitchFamily="18" charset="0"/>
-                <a:cs typeface="Times New Roman" pitchFamily="18" charset="0"/>
-              </a:rPr>
-              <a:t> </a:t>
-            </a:r>
-            <a:r>
-              <a:rPr lang="ro-RO" sz="2400" b="1" noProof="1" smtClean="0">
-                <a:latin typeface="Times New Roman" pitchFamily="18" charset="0"/>
-                <a:cs typeface="Times New Roman" pitchFamily="18" charset="0"/>
-              </a:rPr>
-              <a:t>Baza </a:t>
-            </a:r>
-            <a:r>
-              <a:rPr lang="ro-RO" sz="2400" b="1" noProof="1" smtClean="0">
-                <a:latin typeface="Times New Roman" pitchFamily="18" charset="0"/>
-                <a:cs typeface="Times New Roman" pitchFamily="18" charset="0"/>
-              </a:rPr>
-              <a:t>de </a:t>
-            </a:r>
-            <a:r>
-              <a:rPr lang="ro-RO" sz="2400" b="1" noProof="1" smtClean="0">
-                <a:latin typeface="Times New Roman" pitchFamily="18" charset="0"/>
-                <a:cs typeface="Times New Roman" pitchFamily="18" charset="0"/>
-              </a:rPr>
-              <a:t>date</a:t>
-            </a:r>
-            <a:r>
-              <a:rPr lang="ro-RO" sz="2400" noProof="1" smtClean="0">
-                <a:latin typeface="Times New Roman" pitchFamily="18" charset="0"/>
-                <a:cs typeface="Times New Roman" pitchFamily="18" charset="0"/>
-              </a:rPr>
-              <a:t>.</a:t>
-            </a:r>
-            <a:r>
-              <a:rPr lang="ro-RO" sz="2400" b="1" noProof="1" smtClean="0">
-                <a:latin typeface="Times New Roman" pitchFamily="18" charset="0"/>
-                <a:cs typeface="Times New Roman" pitchFamily="18" charset="0"/>
-              </a:rPr>
-              <a:t> </a:t>
-            </a:r>
             <a:endParaRPr lang="en-US" sz="2400" b="1" noProof="1" smtClean="0">
               <a:latin typeface="Times New Roman" pitchFamily="18" charset="0"/>
               <a:cs typeface="Times New Roman" pitchFamily="18" charset="0"/>
@@ -2422,29 +2417,31 @@
         </p:nvSpPr>
         <p:spPr>
           <a:xfrm>
-            <a:off x="457200" y="304800"/>
-            <a:ext cx="8229600" cy="783535"/>
-          </a:xfrm>
-        </p:spPr>
-        <p:txBody>
-          <a:bodyPr/>
-          <a:lstStyle/>
-          <a:p>
-            <a:r>
-              <a:rPr lang="ro-RO" b="1" noProof="1" smtClean="0">
-                <a:latin typeface="Times New Roman" pitchFamily="18" charset="0"/>
-                <a:cs typeface="Times New Roman" pitchFamily="18" charset="0"/>
-              </a:rPr>
-              <a:t>Descrierea </a:t>
-            </a:r>
-            <a:r>
-              <a:rPr lang="ro-RO" b="1" noProof="1" smtClean="0">
-                <a:latin typeface="Times New Roman" pitchFamily="18" charset="0"/>
-                <a:cs typeface="Times New Roman" pitchFamily="18" charset="0"/>
-              </a:rPr>
-              <a:t>aplicatiei proiectului</a:t>
-            </a:r>
-            <a:endParaRPr lang="ro-RO" b="1" noProof="1">
+            <a:off x="3048000" y="838200"/>
+            <a:ext cx="6096000" cy="783535"/>
+          </a:xfrm>
+        </p:spPr>
+        <p:txBody>
+          <a:bodyPr>
+            <a:noAutofit/>
+          </a:bodyPr>
+          <a:lstStyle/>
+          <a:p>
+            <a:pPr algn="ctr"/>
+            <a:r>
+              <a:rPr lang="ro-RO" sz="3200" b="1" noProof="1" smtClean="0">
+                <a:solidFill>
+                  <a:schemeClr val="bg1"/>
+                </a:solidFill>
+                <a:latin typeface="Times New Roman" pitchFamily="18" charset="0"/>
+                <a:cs typeface="Times New Roman" pitchFamily="18" charset="0"/>
+              </a:rPr>
+              <a:t>Descrierea aplicatiei proiectului</a:t>
+            </a:r>
+            <a:endParaRPr lang="ro-RO" sz="3200" b="1" noProof="1">
+              <a:solidFill>
+                <a:schemeClr val="bg1"/>
+              </a:solidFill>
               <a:latin typeface="Times New Roman" pitchFamily="18" charset="0"/>
               <a:cs typeface="Times New Roman" pitchFamily="18" charset="0"/>
             </a:endParaRPr>
@@ -2459,8 +2456,8 @@
         </p:nvSpPr>
         <p:spPr>
           <a:xfrm>
-            <a:off x="3352800" y="2667000"/>
-            <a:ext cx="2133600" cy="1143000"/>
+            <a:off x="3276600" y="3581400"/>
+            <a:ext cx="1981200" cy="914400"/>
           </a:xfrm>
           <a:prstGeom prst="roundRect">
             <a:avLst/>
@@ -2488,14 +2485,14 @@
           <a:p>
             <a:pPr algn="ctr"/>
             <a:r>
-              <a:rPr lang="ro-RO" sz="2800" noProof="1" smtClean="0">
+              <a:rPr lang="ro-RO" sz="2400" noProof="1" smtClean="0">
                 <a:solidFill>
                   <a:schemeClr val="bg1"/>
                 </a:solidFill>
               </a:rPr>
               <a:t>Simulatorul</a:t>
             </a:r>
-            <a:endParaRPr lang="ro-RO" sz="2800" noProof="1">
+            <a:endParaRPr lang="ro-RO" sz="2400" noProof="1">
               <a:solidFill>
                 <a:schemeClr val="bg1"/>
               </a:solidFill>
@@ -2511,8 +2508,8 @@
         </p:nvSpPr>
         <p:spPr>
           <a:xfrm>
-            <a:off x="5943600" y="2667000"/>
-            <a:ext cx="2133600" cy="1143000"/>
+            <a:off x="5715000" y="3581400"/>
+            <a:ext cx="1905000" cy="914400"/>
           </a:xfrm>
           <a:prstGeom prst="roundRect">
             <a:avLst/>
@@ -2540,33 +2537,21 @@
           <a:p>
             <a:pPr algn="ctr"/>
             <a:r>
-              <a:rPr lang="ro-RO" sz="2800" noProof="1" smtClean="0">
+              <a:rPr lang="ro-RO" sz="2400" noProof="1" smtClean="0">
                 <a:solidFill>
                   <a:schemeClr val="bg1"/>
                 </a:solidFill>
-              </a:rPr>
-              <a:t>Interfata</a:t>
-            </a:r>
-            <a:r>
-              <a:rPr lang="ro-RO" sz="2800" noProof="1" smtClean="0">
-                <a:solidFill>
-                  <a:schemeClr val="bg1"/>
-                </a:solidFill>
-              </a:rPr>
-              <a:t> cu </a:t>
-            </a:r>
-            <a:r>
-              <a:rPr lang="ro-RO" sz="2800" noProof="1" smtClean="0">
-                <a:solidFill>
-                  <a:schemeClr val="bg1"/>
-                </a:solidFill>
-              </a:rPr>
-              <a:t>utilizatorul</a:t>
-            </a:r>
-            <a:endParaRPr lang="ro-RO" sz="2800" noProof="1">
+                <a:latin typeface="Times New Roman" pitchFamily="18" charset="0"/>
+                <a:cs typeface="Times New Roman" pitchFamily="18" charset="0"/>
+              </a:rPr>
+              <a:t>Interfata cu utilizatorul</a:t>
+            </a:r>
+            <a:endParaRPr lang="ro-RO" sz="2400" noProof="1">
               <a:solidFill>
                 <a:schemeClr val="bg1"/>
               </a:solidFill>
+              <a:latin typeface="Times New Roman" pitchFamily="18" charset="0"/>
+              <a:cs typeface="Times New Roman" pitchFamily="18" charset="0"/>
             </a:endParaRPr>
           </a:p>
         </p:txBody>
@@ -2579,8 +2564,8 @@
         </p:nvSpPr>
         <p:spPr>
           <a:xfrm>
-            <a:off x="3429000" y="4343400"/>
-            <a:ext cx="2133600" cy="1143000"/>
+            <a:off x="3352800" y="5105400"/>
+            <a:ext cx="1905000" cy="990600"/>
           </a:xfrm>
           <a:prstGeom prst="roundRect">
             <a:avLst/>
@@ -2608,33 +2593,21 @@
           <a:p>
             <a:pPr algn="ctr"/>
             <a:r>
-              <a:rPr lang="ro-RO" sz="2800" noProof="1" smtClean="0">
+              <a:rPr lang="ro-RO" sz="2400" noProof="1" smtClean="0">
                 <a:solidFill>
                   <a:schemeClr val="bg1"/>
                 </a:solidFill>
-              </a:rPr>
-              <a:t>Modul</a:t>
-            </a:r>
-            <a:r>
-              <a:rPr lang="ro-RO" sz="2800" noProof="1" smtClean="0">
-                <a:solidFill>
-                  <a:schemeClr val="bg1"/>
-                </a:solidFill>
-              </a:rPr>
-              <a:t> de </a:t>
-            </a:r>
-            <a:r>
-              <a:rPr lang="ro-RO" sz="2800" noProof="1" smtClean="0">
-                <a:solidFill>
-                  <a:schemeClr val="bg1"/>
-                </a:solidFill>
-              </a:rPr>
-              <a:t>testare</a:t>
-            </a:r>
-            <a:endParaRPr lang="ro-RO" sz="2800" noProof="1">
+                <a:latin typeface="Times New Roman" pitchFamily="18" charset="0"/>
+                <a:cs typeface="Times New Roman" pitchFamily="18" charset="0"/>
+              </a:rPr>
+              <a:t>Modul de testare</a:t>
+            </a:r>
+            <a:endParaRPr lang="ro-RO" sz="2400" noProof="1">
               <a:solidFill>
                 <a:schemeClr val="bg1"/>
               </a:solidFill>
+              <a:latin typeface="Times New Roman" pitchFamily="18" charset="0"/>
+              <a:cs typeface="Times New Roman" pitchFamily="18" charset="0"/>
             </a:endParaRPr>
           </a:p>
         </p:txBody>
@@ -2647,8 +2620,8 @@
         </p:nvSpPr>
         <p:spPr>
           <a:xfrm>
-            <a:off x="762000" y="4343400"/>
-            <a:ext cx="2133600" cy="1143000"/>
+            <a:off x="838200" y="5105400"/>
+            <a:ext cx="1981200" cy="990600"/>
           </a:xfrm>
           <a:prstGeom prst="roundRect">
             <a:avLst/>
@@ -2676,17 +2649,21 @@
           <a:p>
             <a:pPr algn="ctr"/>
             <a:r>
-              <a:rPr lang="ro-RO" sz="2800" noProof="1" smtClean="0">
+              <a:rPr lang="ro-RO" sz="2400" noProof="1" smtClean="0">
                 <a:solidFill>
                   <a:schemeClr val="bg1"/>
                 </a:solidFill>
+                <a:latin typeface="Times New Roman" pitchFamily="18" charset="0"/>
+                <a:cs typeface="Times New Roman" pitchFamily="18" charset="0"/>
               </a:rPr>
               <a:t>Simulatorul</a:t>
             </a:r>
-            <a:endParaRPr lang="ro-RO" sz="2800" noProof="1">
+            <a:endParaRPr lang="ro-RO" sz="2400" noProof="1">
               <a:solidFill>
                 <a:schemeClr val="bg1"/>
               </a:solidFill>
+              <a:latin typeface="Times New Roman" pitchFamily="18" charset="0"/>
+              <a:cs typeface="Times New Roman" pitchFamily="18" charset="0"/>
             </a:endParaRPr>
           </a:p>
         </p:txBody>
@@ -2699,7 +2676,7 @@
         </p:nvSpPr>
         <p:spPr>
           <a:xfrm>
-            <a:off x="5486400" y="3048000"/>
+            <a:off x="5257800" y="3886200"/>
             <a:ext cx="609600" cy="381000"/>
           </a:xfrm>
           <a:prstGeom prst="rightArrow">
@@ -2742,7 +2719,7 @@
         </p:nvSpPr>
         <p:spPr>
           <a:xfrm>
-            <a:off x="2895600" y="4800600"/>
+            <a:off x="2819400" y="5410200"/>
             <a:ext cx="609600" cy="381000"/>
           </a:xfrm>
           <a:prstGeom prst="rightArrow">
@@ -2785,7 +2762,7 @@
         </p:nvSpPr>
         <p:spPr>
           <a:xfrm>
-            <a:off x="4191000" y="3733800"/>
+            <a:off x="3962400" y="4419600"/>
             <a:ext cx="609600" cy="762000"/>
           </a:xfrm>
           <a:prstGeom prst="upDownArrow">
@@ -2839,8 +2816,22 @@
 </file>
 
 <file path=ppt/slides/slide12.xml><?xml version="1.0" encoding="utf-8"?>
-<p:sld xmlns:a="http://schemas.openxmlformats.org/drawingml/2006/main" xmlns:r="http://schemas.openxmlformats.org/officeDocument/2006/relationships" xmlns:p="http://schemas.openxmlformats.org/presentationml/2006/main">
+<p:sld xmlns:a="http://schemas.openxmlformats.org/drawingml/2006/main" xmlns:r="http://schemas.openxmlformats.org/officeDocument/2006/relationships" xmlns:p="http://schemas.openxmlformats.org/presentationml/2006/main" showMasterSp="0">
   <p:cSld>
+    <p:bg>
+      <p:bgPr>
+        <a:blipFill dpi="0" rotWithShape="1">
+          <a:blip r:embed="rId2">
+            <a:lum/>
+          </a:blip>
+          <a:srcRect/>
+          <a:stretch>
+            <a:fillRect/>
+          </a:stretch>
+        </a:blipFill>
+        <a:effectLst/>
+      </p:bgPr>
+    </p:bg>
     <p:spTree>
       <p:nvGrpSpPr>
         <p:cNvPr id="1" name=""/>
@@ -2865,7 +2856,12 @@
             <p:ph type="body" idx="1"/>
           </p:nvPr>
         </p:nvSpPr>
-        <p:spPr/>
+        <p:spPr>
+          <a:xfrm>
+            <a:off x="457200" y="2133600"/>
+            <a:ext cx="8229600" cy="4343400"/>
+          </a:xfrm>
+        </p:spPr>
         <p:txBody>
           <a:bodyPr/>
           <a:lstStyle/>
@@ -2877,10 +2873,6 @@
               </a:rPr>
               <a:t>Atributii principale:</a:t>
             </a:r>
-            <a:endParaRPr lang="en-US" b="1" noProof="1" smtClean="0">
-              <a:latin typeface="Times New Roman" pitchFamily="18" charset="0"/>
-              <a:cs typeface="Times New Roman" pitchFamily="18" charset="0"/>
-            </a:endParaRPr>
           </a:p>
           <a:p>
             <a:pPr lvl="1"/>
@@ -2977,19 +2969,33 @@
             <p:ph type="title"/>
           </p:nvPr>
         </p:nvSpPr>
-        <p:spPr/>
-        <p:txBody>
-          <a:bodyPr/>
-          <a:lstStyle/>
-          <a:p>
-            <a:r>
-              <a:rPr lang="ro-RO" b="1" noProof="1" smtClean="0">
+        <p:spPr>
+          <a:xfrm>
+            <a:off x="3200400" y="914400"/>
+            <a:ext cx="5486400" cy="740465"/>
+          </a:xfrm>
+        </p:spPr>
+        <p:txBody>
+          <a:bodyPr>
+            <a:normAutofit/>
+          </a:bodyPr>
+          <a:lstStyle/>
+          <a:p>
+            <a:pPr algn="ctr"/>
+            <a:r>
+              <a:rPr lang="ro-RO" sz="3200" b="1" noProof="1" smtClean="0">
+                <a:solidFill>
+                  <a:schemeClr val="bg1"/>
+                </a:solidFill>
                 <a:latin typeface="Times New Roman" pitchFamily="18" charset="0"/>
                 <a:cs typeface="Times New Roman" pitchFamily="18" charset="0"/>
               </a:rPr>
               <a:t>Simulatorul</a:t>
             </a:r>
-            <a:endParaRPr lang="ro-RO" b="1" noProof="1">
+            <a:endParaRPr lang="ro-RO" sz="3200" b="1" noProof="1">
+              <a:solidFill>
+                <a:schemeClr val="bg1"/>
+              </a:solidFill>
               <a:latin typeface="Times New Roman" pitchFamily="18" charset="0"/>
               <a:cs typeface="Times New Roman" pitchFamily="18" charset="0"/>
             </a:endParaRPr>
@@ -3015,8 +3021,22 @@
 </file>
 
 <file path=ppt/slides/slide13.xml><?xml version="1.0" encoding="utf-8"?>
-<p:sld xmlns:a="http://schemas.openxmlformats.org/drawingml/2006/main" xmlns:r="http://schemas.openxmlformats.org/officeDocument/2006/relationships" xmlns:p="http://schemas.openxmlformats.org/presentationml/2006/main">
+<p:sld xmlns:a="http://schemas.openxmlformats.org/drawingml/2006/main" xmlns:r="http://schemas.openxmlformats.org/officeDocument/2006/relationships" xmlns:p="http://schemas.openxmlformats.org/presentationml/2006/main" showMasterSp="0">
   <p:cSld>
+    <p:bg>
+      <p:bgPr>
+        <a:blipFill dpi="0" rotWithShape="1">
+          <a:blip r:embed="rId2">
+            <a:lum/>
+          </a:blip>
+          <a:srcRect/>
+          <a:stretch>
+            <a:fillRect/>
+          </a:stretch>
+        </a:blipFill>
+        <a:effectLst/>
+      </p:bgPr>
+    </p:bg>
     <p:spTree>
       <p:nvGrpSpPr>
         <p:cNvPr id="1" name=""/>
@@ -3043,54 +3063,70 @@
         </p:nvSpPr>
         <p:spPr>
           <a:xfrm>
-            <a:off x="457200" y="685800"/>
-            <a:ext cx="8229600" cy="5867400"/>
+            <a:off x="5029200" y="2133600"/>
+            <a:ext cx="3962400" cy="4419600"/>
           </a:xfrm>
         </p:spPr>
         <p:txBody>
           <a:bodyPr>
-            <a:normAutofit lnSpcReduction="10000"/>
+            <a:normAutofit/>
           </a:bodyPr>
           <a:lstStyle/>
           <a:p>
+            <a:pPr lvl="8" algn="l">
+              <a:buNone/>
+            </a:pPr>
+            <a:r>
+              <a:rPr lang="en-US" noProof="1" smtClean="0">
+                <a:latin typeface="Times New Roman" pitchFamily="18" charset="0"/>
+                <a:cs typeface="Times New Roman" pitchFamily="18" charset="0"/>
+              </a:rPr>
+              <a:t>	</a:t>
+            </a:r>
+          </a:p>
+          <a:p>
             <a:r>
               <a:rPr lang="en-US" b="1" noProof="1" smtClean="0">
                 <a:latin typeface="Times New Roman" pitchFamily="18" charset="0"/>
                 <a:cs typeface="Times New Roman" pitchFamily="18" charset="0"/>
               </a:rPr>
-              <a:t>I</a:t>
-            </a:r>
-            <a:r>
-              <a:rPr lang="en-US" sz="2400" b="1" noProof="1" smtClean="0">
-                <a:latin typeface="Times New Roman" pitchFamily="18" charset="0"/>
-                <a:cs typeface="Times New Roman" pitchFamily="18" charset="0"/>
-              </a:rPr>
-              <a:t>mpartirea in zone a simulatorului</a:t>
-            </a:r>
-          </a:p>
-          <a:p>
-            <a:endParaRPr lang="en-US" noProof="1" smtClean="0">
-              <a:latin typeface="Times New Roman" pitchFamily="18" charset="0"/>
-              <a:cs typeface="Times New Roman" pitchFamily="18" charset="0"/>
-            </a:endParaRPr>
-          </a:p>
-          <a:p>
-            <a:endParaRPr lang="en-US" noProof="1" smtClean="0">
-              <a:latin typeface="Times New Roman" pitchFamily="18" charset="0"/>
-              <a:cs typeface="Times New Roman" pitchFamily="18" charset="0"/>
-            </a:endParaRPr>
-          </a:p>
-          <a:p>
-            <a:endParaRPr lang="en-US" noProof="1" smtClean="0">
-              <a:latin typeface="Times New Roman" pitchFamily="18" charset="0"/>
-              <a:cs typeface="Times New Roman" pitchFamily="18" charset="0"/>
-            </a:endParaRPr>
-          </a:p>
-          <a:p>
-            <a:endParaRPr lang="en-US" noProof="1" smtClean="0">
-              <a:latin typeface="Times New Roman" pitchFamily="18" charset="0"/>
-              <a:cs typeface="Times New Roman" pitchFamily="18" charset="0"/>
-            </a:endParaRPr>
+              <a:t>Impartirea in zone a simulatorului</a:t>
+            </a:r>
+          </a:p>
+          <a:p>
+            <a:endParaRPr lang="en-US" b="1" noProof="1" smtClean="0">
+              <a:latin typeface="Times New Roman" pitchFamily="18" charset="0"/>
+              <a:cs typeface="Times New Roman" pitchFamily="18" charset="0"/>
+            </a:endParaRPr>
+          </a:p>
+          <a:p>
+            <a:pPr algn="l"/>
+            <a:r>
+              <a:rPr lang="en-US" b="1" noProof="1" smtClean="0">
+                <a:latin typeface="Times New Roman" pitchFamily="18" charset="0"/>
+                <a:cs typeface="Times New Roman" pitchFamily="18" charset="0"/>
+              </a:rPr>
+              <a:t>Integrarea mesajelor vocale</a:t>
+            </a:r>
+          </a:p>
+          <a:p>
+            <a:pPr algn="l">
+              <a:buNone/>
+            </a:pPr>
+            <a:endParaRPr lang="en-US" b="1" noProof="1" smtClean="0">
+              <a:latin typeface="Times New Roman" pitchFamily="18" charset="0"/>
+              <a:cs typeface="Times New Roman" pitchFamily="18" charset="0"/>
+            </a:endParaRPr>
+          </a:p>
+          <a:p>
+            <a:pPr algn="l"/>
+            <a:r>
+              <a:rPr lang="en-US" b="1" noProof="1" smtClean="0">
+                <a:latin typeface="Times New Roman" pitchFamily="18" charset="0"/>
+                <a:cs typeface="Times New Roman" pitchFamily="18" charset="0"/>
+              </a:rPr>
+              <a:t>Regresia polinomiala</a:t>
+            </a:r>
           </a:p>
           <a:p>
             <a:endParaRPr lang="en-US" noProof="1" smtClean="0">
@@ -3117,19 +3153,6 @@
             </a:endParaRPr>
           </a:p>
           <a:p>
-            <a:r>
-              <a:rPr lang="en-US" sz="2400" b="1" noProof="1" smtClean="0">
-                <a:latin typeface="Times New Roman" pitchFamily="18" charset="0"/>
-                <a:cs typeface="Times New Roman" pitchFamily="18" charset="0"/>
-              </a:rPr>
-              <a:t>Regresia polinomiala</a:t>
-            </a:r>
-            <a:endParaRPr lang="en-US" sz="2400" b="1" noProof="1" smtClean="0">
-              <a:latin typeface="Times New Roman" pitchFamily="18" charset="0"/>
-              <a:cs typeface="Times New Roman" pitchFamily="18" charset="0"/>
-            </a:endParaRPr>
-          </a:p>
-          <a:p>
             <a:endParaRPr lang="en-US" noProof="1" smtClean="0">
               <a:latin typeface="Times New Roman" pitchFamily="18" charset="0"/>
               <a:cs typeface="Times New Roman" pitchFamily="18" charset="0"/>
@@ -3160,15 +3183,6 @@
             </a:endParaRPr>
           </a:p>
           <a:p>
-            <a:r>
-              <a:rPr lang="en-US" sz="2400" b="1" noProof="1" smtClean="0">
-                <a:latin typeface="Times New Roman" pitchFamily="18" charset="0"/>
-                <a:cs typeface="Times New Roman" pitchFamily="18" charset="0"/>
-              </a:rPr>
-              <a:t>Integrarea mesajelor vocale</a:t>
-            </a:r>
-          </a:p>
-          <a:p>
             <a:endParaRPr lang="en-US" noProof="1" smtClean="0">
               <a:latin typeface="Times New Roman" pitchFamily="18" charset="0"/>
               <a:cs typeface="Times New Roman" pitchFamily="18" charset="0"/>
@@ -3200,36 +3214,31 @@
         </p:nvSpPr>
         <p:spPr>
           <a:xfrm>
-            <a:off x="457200" y="0"/>
-            <a:ext cx="8229600" cy="707335"/>
-          </a:xfrm>
-        </p:spPr>
-        <p:txBody>
-          <a:bodyPr/>
-          <a:lstStyle/>
-          <a:p>
-            <a:r>
-              <a:rPr lang="ro-RO" b="1" noProof="1" smtClean="0">
-                <a:latin typeface="Times New Roman" pitchFamily="18" charset="0"/>
-                <a:cs typeface="Times New Roman" pitchFamily="18" charset="0"/>
-              </a:rPr>
-              <a:t>Simulatorul</a:t>
-            </a:r>
-            <a:r>
-              <a:rPr lang="ro-RO" b="1" noProof="1" smtClean="0">
-                <a:latin typeface="Times New Roman" pitchFamily="18" charset="0"/>
-                <a:cs typeface="Times New Roman" pitchFamily="18" charset="0"/>
-              </a:rPr>
-              <a:t> </a:t>
-            </a:r>
-            <a:r>
-              <a:rPr lang="ro-RO" b="1" noProof="1" smtClean="0">
-                <a:latin typeface="Times New Roman" pitchFamily="18" charset="0"/>
-                <a:cs typeface="Times New Roman" pitchFamily="18" charset="0"/>
-              </a:rPr>
-              <a:t>(2)</a:t>
-            </a:r>
-            <a:endParaRPr lang="ro-RO" b="1" noProof="1">
+            <a:off x="4114800" y="914400"/>
+            <a:ext cx="4495800" cy="707335"/>
+          </a:xfrm>
+        </p:spPr>
+        <p:txBody>
+          <a:bodyPr>
+            <a:normAutofit/>
+          </a:bodyPr>
+          <a:lstStyle/>
+          <a:p>
+            <a:pPr algn="ctr"/>
+            <a:r>
+              <a:rPr lang="ro-RO" sz="3200" b="1" noProof="1" smtClean="0">
+                <a:solidFill>
+                  <a:schemeClr val="bg1"/>
+                </a:solidFill>
+                <a:latin typeface="Times New Roman" pitchFamily="18" charset="0"/>
+                <a:cs typeface="Times New Roman" pitchFamily="18" charset="0"/>
+              </a:rPr>
+              <a:t>Simulatorul (2)</a:t>
+            </a:r>
+            <a:endParaRPr lang="ro-RO" sz="3200" b="1" noProof="1">
+              <a:solidFill>
+                <a:schemeClr val="bg1"/>
+              </a:solidFill>
               <a:latin typeface="Times New Roman" pitchFamily="18" charset="0"/>
               <a:cs typeface="Times New Roman" pitchFamily="18" charset="0"/>
             </a:endParaRPr>
@@ -3239,39 +3248,6 @@
       <p:pic>
         <p:nvPicPr>
           <p:cNvPr id="1026" name="Picture 2"/>
-          <p:cNvPicPr>
-            <a:picLocks noChangeAspect="1" noChangeArrowheads="1"/>
-          </p:cNvPicPr>
-          <p:nvPr/>
-        </p:nvPicPr>
-        <p:blipFill>
-          <a:blip r:embed="rId2"/>
-          <a:srcRect/>
-          <a:stretch>
-            <a:fillRect/>
-          </a:stretch>
-        </p:blipFill>
-        <p:spPr bwMode="auto">
-          <a:xfrm>
-            <a:off x="1981201" y="1219200"/>
-            <a:ext cx="4495800" cy="2441019"/>
-          </a:xfrm>
-          <a:prstGeom prst="rect">
-            <a:avLst/>
-          </a:prstGeom>
-          <a:noFill/>
-          <a:ln w="9525">
-            <a:noFill/>
-            <a:miter lim="800000"/>
-            <a:headEnd/>
-            <a:tailEnd/>
-          </a:ln>
-          <a:effectLst/>
-        </p:spPr>
-      </p:pic>
-      <p:pic>
-        <p:nvPicPr>
-          <p:cNvPr id="1027" name="Picture 3"/>
           <p:cNvPicPr>
             <a:picLocks noChangeAspect="1" noChangeArrowheads="1"/>
           </p:cNvPicPr>
@@ -3286,8 +3262,41 @@
         </p:blipFill>
         <p:spPr bwMode="auto">
           <a:xfrm>
-            <a:off x="2438400" y="4191000"/>
-            <a:ext cx="4038600" cy="1812482"/>
+            <a:off x="380999" y="2057400"/>
+            <a:ext cx="4631319" cy="2438400"/>
+          </a:xfrm>
+          <a:prstGeom prst="rect">
+            <a:avLst/>
+          </a:prstGeom>
+          <a:noFill/>
+          <a:ln w="9525">
+            <a:noFill/>
+            <a:miter lim="800000"/>
+            <a:headEnd/>
+            <a:tailEnd/>
+          </a:ln>
+          <a:effectLst/>
+        </p:spPr>
+      </p:pic>
+      <p:pic>
+        <p:nvPicPr>
+          <p:cNvPr id="1027" name="Picture 3"/>
+          <p:cNvPicPr>
+            <a:picLocks noChangeAspect="1" noChangeArrowheads="1"/>
+          </p:cNvPicPr>
+          <p:nvPr/>
+        </p:nvPicPr>
+        <p:blipFill>
+          <a:blip r:embed="rId4"/>
+          <a:srcRect/>
+          <a:stretch>
+            <a:fillRect/>
+          </a:stretch>
+        </p:blipFill>
+        <p:spPr bwMode="auto">
+          <a:xfrm>
+            <a:off x="381000" y="4648199"/>
+            <a:ext cx="4648200" cy="2010207"/>
           </a:xfrm>
           <a:prstGeom prst="rect">
             <a:avLst/>
@@ -3321,8 +3330,22 @@
 </file>
 
 <file path=ppt/slides/slide14.xml><?xml version="1.0" encoding="utf-8"?>
-<p:sld xmlns:a="http://schemas.openxmlformats.org/drawingml/2006/main" xmlns:r="http://schemas.openxmlformats.org/officeDocument/2006/relationships" xmlns:p="http://schemas.openxmlformats.org/presentationml/2006/main">
+<p:sld xmlns:a="http://schemas.openxmlformats.org/drawingml/2006/main" xmlns:r="http://schemas.openxmlformats.org/officeDocument/2006/relationships" xmlns:p="http://schemas.openxmlformats.org/presentationml/2006/main" showMasterSp="0">
   <p:cSld>
+    <p:bg>
+      <p:bgPr>
+        <a:blipFill dpi="0" rotWithShape="1">
+          <a:blip r:embed="rId2">
+            <a:lum/>
+          </a:blip>
+          <a:srcRect/>
+          <a:stretch>
+            <a:fillRect/>
+          </a:stretch>
+        </a:blipFill>
+        <a:effectLst/>
+      </p:bgPr>
+    </p:bg>
     <p:spTree>
       <p:nvGrpSpPr>
         <p:cNvPr id="1" name=""/>
@@ -3349,8 +3372,8 @@
         </p:nvSpPr>
         <p:spPr>
           <a:xfrm>
-            <a:off x="457200" y="990600"/>
-            <a:ext cx="8229600" cy="5135563"/>
+            <a:off x="5105400" y="4572000"/>
+            <a:ext cx="4038600" cy="2286000"/>
           </a:xfrm>
         </p:spPr>
         <p:txBody>
@@ -3360,13 +3383,13 @@
           <a:lstStyle/>
           <a:p>
             <a:r>
-              <a:rPr lang="en-US" sz="2400" b="1" noProof="1" smtClean="0">
+              <a:rPr lang="en-US" b="1" noProof="1" smtClean="0">
                 <a:latin typeface="Times New Roman" pitchFamily="18" charset="0"/>
                 <a:cs typeface="Times New Roman" pitchFamily="18" charset="0"/>
               </a:rPr>
               <a:t>Componentele Swing folosite</a:t>
             </a:r>
-            <a:endParaRPr lang="ro-RO" sz="2400" b="1" noProof="1">
+            <a:endParaRPr lang="ro-RO" b="1" noProof="1">
               <a:latin typeface="Times New Roman" pitchFamily="18" charset="0"/>
               <a:cs typeface="Times New Roman" pitchFamily="18" charset="0"/>
             </a:endParaRPr>
@@ -3385,36 +3408,31 @@
         </p:nvSpPr>
         <p:spPr>
           <a:xfrm>
-            <a:off x="381000" y="228600"/>
-            <a:ext cx="8229600" cy="707335"/>
-          </a:xfrm>
-        </p:spPr>
-        <p:txBody>
-          <a:bodyPr/>
-          <a:lstStyle/>
-          <a:p>
-            <a:r>
-              <a:rPr lang="ro-RO" b="1" noProof="1" smtClean="0">
-                <a:latin typeface="Times New Roman" pitchFamily="18" charset="0"/>
-                <a:cs typeface="Times New Roman" pitchFamily="18" charset="0"/>
-              </a:rPr>
-              <a:t>Interfata</a:t>
-            </a:r>
-            <a:r>
-              <a:rPr lang="ro-RO" b="1" noProof="1" smtClean="0">
-                <a:latin typeface="Times New Roman" pitchFamily="18" charset="0"/>
-                <a:cs typeface="Times New Roman" pitchFamily="18" charset="0"/>
-              </a:rPr>
-              <a:t> grafica cu </a:t>
-            </a:r>
-            <a:r>
-              <a:rPr lang="ro-RO" b="1" noProof="1" smtClean="0">
-                <a:latin typeface="Times New Roman" pitchFamily="18" charset="0"/>
-                <a:cs typeface="Times New Roman" pitchFamily="18" charset="0"/>
-              </a:rPr>
-              <a:t>utilizatorul</a:t>
-            </a:r>
-            <a:endParaRPr lang="ro-RO" b="1" noProof="1">
+            <a:off x="2743200" y="914400"/>
+            <a:ext cx="6400800" cy="707335"/>
+          </a:xfrm>
+        </p:spPr>
+        <p:txBody>
+          <a:bodyPr>
+            <a:normAutofit/>
+          </a:bodyPr>
+          <a:lstStyle/>
+          <a:p>
+            <a:pPr algn="ctr"/>
+            <a:r>
+              <a:rPr lang="ro-RO" sz="3200" b="1" noProof="1" smtClean="0">
+                <a:solidFill>
+                  <a:schemeClr val="bg1"/>
+                </a:solidFill>
+                <a:latin typeface="Times New Roman" pitchFamily="18" charset="0"/>
+                <a:cs typeface="Times New Roman" pitchFamily="18" charset="0"/>
+              </a:rPr>
+              <a:t>Interfata grafica cu utilizatorul</a:t>
+            </a:r>
+            <a:endParaRPr lang="ro-RO" sz="3200" b="1" noProof="1">
+              <a:solidFill>
+                <a:schemeClr val="bg1"/>
+              </a:solidFill>
               <a:latin typeface="Times New Roman" pitchFamily="18" charset="0"/>
               <a:cs typeface="Times New Roman" pitchFamily="18" charset="0"/>
             </a:endParaRPr>
@@ -3424,36 +3442,6 @@
       <p:pic>
         <p:nvPicPr>
           <p:cNvPr id="4" name="Picture 3"/>
-          <p:cNvPicPr/>
-          <p:nvPr/>
-        </p:nvPicPr>
-        <p:blipFill>
-          <a:blip r:embed="rId2"/>
-          <a:srcRect/>
-          <a:stretch>
-            <a:fillRect/>
-          </a:stretch>
-        </p:blipFill>
-        <p:spPr bwMode="auto">
-          <a:xfrm>
-            <a:off x="685800" y="1447800"/>
-            <a:ext cx="3429000" cy="2514600"/>
-          </a:xfrm>
-          <a:prstGeom prst="rect">
-            <a:avLst/>
-          </a:prstGeom>
-          <a:noFill/>
-          <a:ln w="9525">
-            <a:noFill/>
-            <a:miter lim="800000"/>
-            <a:headEnd/>
-            <a:tailEnd/>
-          </a:ln>
-        </p:spPr>
-      </p:pic>
-      <p:pic>
-        <p:nvPicPr>
-          <p:cNvPr id="5" name="Picture 4"/>
           <p:cNvPicPr/>
           <p:nvPr/>
         </p:nvPicPr>
@@ -3466,8 +3454,8 @@
         </p:blipFill>
         <p:spPr bwMode="auto">
           <a:xfrm>
-            <a:off x="3352800" y="4038600"/>
-            <a:ext cx="3690442" cy="2562447"/>
+            <a:off x="533400" y="2057400"/>
+            <a:ext cx="3429000" cy="2362200"/>
           </a:xfrm>
           <a:prstGeom prst="rect">
             <a:avLst/>
@@ -3481,6 +3469,36 @@
           </a:ln>
         </p:spPr>
       </p:pic>
+      <p:pic>
+        <p:nvPicPr>
+          <p:cNvPr id="5" name="Picture 4"/>
+          <p:cNvPicPr/>
+          <p:nvPr/>
+        </p:nvPicPr>
+        <p:blipFill>
+          <a:blip r:embed="rId4"/>
+          <a:srcRect/>
+          <a:stretch>
+            <a:fillRect/>
+          </a:stretch>
+        </p:blipFill>
+        <p:spPr bwMode="auto">
+          <a:xfrm>
+            <a:off x="1524000" y="4572000"/>
+            <a:ext cx="3276600" cy="2133600"/>
+          </a:xfrm>
+          <a:prstGeom prst="rect">
+            <a:avLst/>
+          </a:prstGeom>
+          <a:noFill/>
+          <a:ln w="9525">
+            <a:noFill/>
+            <a:miter lim="800000"/>
+            <a:headEnd/>
+            <a:tailEnd/>
+          </a:ln>
+        </p:spPr>
+      </p:pic>
       <p:sp>
         <p:nvSpPr>
           <p:cNvPr id="7" name="Plus 6"/>
@@ -3489,7 +3507,7 @@
         </p:nvSpPr>
         <p:spPr>
           <a:xfrm>
-            <a:off x="4038600" y="2286000"/>
+            <a:off x="4114800" y="2819400"/>
             <a:ext cx="685800" cy="685800"/>
           </a:xfrm>
           <a:prstGeom prst="mathPlus">
@@ -3533,7 +3551,7 @@
           <p:nvPr/>
         </p:nvPicPr>
         <p:blipFill>
-          <a:blip r:embed="rId4"/>
+          <a:blip r:embed="rId5"/>
           <a:srcRect/>
           <a:stretch>
             <a:fillRect/>
@@ -3541,8 +3559,8 @@
         </p:blipFill>
         <p:spPr bwMode="auto">
           <a:xfrm>
-            <a:off x="4724400" y="1447800"/>
-            <a:ext cx="3734169" cy="2438400"/>
+            <a:off x="4876800" y="2057400"/>
+            <a:ext cx="3617477" cy="2362200"/>
           </a:xfrm>
           <a:prstGeom prst="rect">
             <a:avLst/>
@@ -3565,7 +3583,7 @@
         </p:nvSpPr>
         <p:spPr>
           <a:xfrm>
-            <a:off x="2133600" y="5105400"/>
+            <a:off x="533400" y="5257800"/>
             <a:ext cx="990600" cy="609600"/>
           </a:xfrm>
           <a:prstGeom prst="mathEqual">
@@ -3623,8 +3641,22 @@
 </file>
 
 <file path=ppt/slides/slide15.xml><?xml version="1.0" encoding="utf-8"?>
-<p:sld xmlns:a="http://schemas.openxmlformats.org/drawingml/2006/main" xmlns:r="http://schemas.openxmlformats.org/officeDocument/2006/relationships" xmlns:p="http://schemas.openxmlformats.org/presentationml/2006/main">
+<p:sld xmlns:a="http://schemas.openxmlformats.org/drawingml/2006/main" xmlns:r="http://schemas.openxmlformats.org/officeDocument/2006/relationships" xmlns:p="http://schemas.openxmlformats.org/presentationml/2006/main" showMasterSp="0">
   <p:cSld>
+    <p:bg>
+      <p:bgPr>
+        <a:blipFill dpi="0" rotWithShape="1">
+          <a:blip r:embed="rId2">
+            <a:lum/>
+          </a:blip>
+          <a:srcRect/>
+          <a:stretch>
+            <a:fillRect/>
+          </a:stretch>
+        </a:blipFill>
+        <a:effectLst/>
+      </p:bgPr>
+    </p:bg>
     <p:spTree>
       <p:nvGrpSpPr>
         <p:cNvPr id="1" name=""/>
@@ -3649,9 +3681,16 @@
             <p:ph type="body" idx="1"/>
           </p:nvPr>
         </p:nvSpPr>
-        <p:spPr/>
-        <p:txBody>
-          <a:bodyPr/>
+        <p:spPr>
+          <a:xfrm>
+            <a:off x="457200" y="2209800"/>
+            <a:ext cx="8229600" cy="4343400"/>
+          </a:xfrm>
+        </p:spPr>
+        <p:txBody>
+          <a:bodyPr>
+            <a:normAutofit/>
+          </a:bodyPr>
           <a:lstStyle/>
           <a:p>
             <a:r>
@@ -3704,40 +3743,33 @@
                 <a:latin typeface="Times New Roman" pitchFamily="18" charset="0"/>
                 <a:cs typeface="Times New Roman" pitchFamily="18" charset="0"/>
               </a:rPr>
-              <a:t>	</a:t>
-            </a:r>
+              <a:t>	componente</a:t>
+            </a:r>
+          </a:p>
+          <a:p>
+            <a:endParaRPr lang="en-US" b="1" noProof="1" smtClean="0">
+              <a:latin typeface="Times New Roman" pitchFamily="18" charset="0"/>
+              <a:cs typeface="Times New Roman" pitchFamily="18" charset="0"/>
+            </a:endParaRPr>
+          </a:p>
+          <a:p>
+            <a:endParaRPr lang="en-US" b="1" noProof="1" smtClean="0">
+              <a:latin typeface="Times New Roman" pitchFamily="18" charset="0"/>
+              <a:cs typeface="Times New Roman" pitchFamily="18" charset="0"/>
+            </a:endParaRPr>
+          </a:p>
+          <a:p>
+            <a:endParaRPr lang="en-US" b="1" noProof="1" smtClean="0">
+              <a:latin typeface="Times New Roman" pitchFamily="18" charset="0"/>
+              <a:cs typeface="Times New Roman" pitchFamily="18" charset="0"/>
+            </a:endParaRPr>
+          </a:p>
+          <a:p>
             <a:r>
               <a:rPr lang="en-US" sz="2400" b="1" noProof="1" smtClean="0">
                 <a:latin typeface="Times New Roman" pitchFamily="18" charset="0"/>
                 <a:cs typeface="Times New Roman" pitchFamily="18" charset="0"/>
               </a:rPr>
-              <a:t>componente</a:t>
-            </a:r>
-          </a:p>
-          <a:p>
-            <a:endParaRPr lang="en-US" b="1" noProof="1" smtClean="0">
-              <a:latin typeface="Times New Roman" pitchFamily="18" charset="0"/>
-              <a:cs typeface="Times New Roman" pitchFamily="18" charset="0"/>
-            </a:endParaRPr>
-          </a:p>
-          <a:p>
-            <a:endParaRPr lang="en-US" b="1" noProof="1" smtClean="0">
-              <a:latin typeface="Times New Roman" pitchFamily="18" charset="0"/>
-              <a:cs typeface="Times New Roman" pitchFamily="18" charset="0"/>
-            </a:endParaRPr>
-          </a:p>
-          <a:p>
-            <a:endParaRPr lang="en-US" b="1" noProof="1" smtClean="0">
-              <a:latin typeface="Times New Roman" pitchFamily="18" charset="0"/>
-              <a:cs typeface="Times New Roman" pitchFamily="18" charset="0"/>
-            </a:endParaRPr>
-          </a:p>
-          <a:p>
-            <a:r>
-              <a:rPr lang="en-US" sz="2400" b="1" noProof="1" smtClean="0">
-                <a:latin typeface="Times New Roman" pitchFamily="18" charset="0"/>
-                <a:cs typeface="Times New Roman" pitchFamily="18" charset="0"/>
-              </a:rPr>
               <a:t>Folosirea tehnicii Double Buffering</a:t>
             </a:r>
             <a:endParaRPr lang="ro-RO" sz="2400" b="1" noProof="1">
@@ -3757,33 +3789,33 @@
             <p:ph type="title"/>
           </p:nvPr>
         </p:nvSpPr>
-        <p:spPr/>
-        <p:txBody>
-          <a:bodyPr/>
-          <a:lstStyle/>
-          <a:p>
-            <a:r>
-              <a:rPr lang="ro-RO" b="1" noProof="1" smtClean="0">
-                <a:latin typeface="Times New Roman" pitchFamily="18" charset="0"/>
-                <a:cs typeface="Times New Roman" pitchFamily="18" charset="0"/>
-              </a:rPr>
-              <a:t>Interfata</a:t>
-            </a:r>
-            <a:r>
-              <a:rPr lang="ro-RO" b="1" noProof="1" smtClean="0">
-                <a:latin typeface="Times New Roman" pitchFamily="18" charset="0"/>
-                <a:cs typeface="Times New Roman" pitchFamily="18" charset="0"/>
-              </a:rPr>
-              <a:t> grafica cu utilizatorul </a:t>
-            </a:r>
-            <a:r>
-              <a:rPr lang="ro-RO" b="1" noProof="1" smtClean="0">
-                <a:latin typeface="Times New Roman" pitchFamily="18" charset="0"/>
-                <a:cs typeface="Times New Roman" pitchFamily="18" charset="0"/>
-              </a:rPr>
-              <a:t>(2)</a:t>
-            </a:r>
-            <a:endParaRPr lang="ro-RO" b="1" noProof="1">
+        <p:spPr>
+          <a:xfrm>
+            <a:off x="2286000" y="914400"/>
+            <a:ext cx="7315200" cy="685800"/>
+          </a:xfrm>
+        </p:spPr>
+        <p:txBody>
+          <a:bodyPr>
+            <a:normAutofit/>
+          </a:bodyPr>
+          <a:lstStyle/>
+          <a:p>
+            <a:pPr algn="ctr"/>
+            <a:r>
+              <a:rPr lang="ro-RO" sz="3200" b="1" noProof="1" smtClean="0">
+                <a:solidFill>
+                  <a:schemeClr val="bg1"/>
+                </a:solidFill>
+                <a:latin typeface="Times New Roman" pitchFamily="18" charset="0"/>
+                <a:cs typeface="Times New Roman" pitchFamily="18" charset="0"/>
+              </a:rPr>
+              <a:t>Interfata grafica cu utilizatorul (2)</a:t>
+            </a:r>
+            <a:endParaRPr lang="ro-RO" sz="3200" b="1" noProof="1">
+              <a:solidFill>
+                <a:schemeClr val="bg1"/>
+              </a:solidFill>
               <a:latin typeface="Times New Roman" pitchFamily="18" charset="0"/>
               <a:cs typeface="Times New Roman" pitchFamily="18" charset="0"/>
             </a:endParaRPr>
@@ -3797,7 +3829,7 @@
           <p:nvPr/>
         </p:nvPicPr>
         <p:blipFill>
-          <a:blip r:embed="rId2"/>
+          <a:blip r:embed="rId3"/>
           <a:srcRect/>
           <a:stretch>
             <a:fillRect/>
@@ -3805,7 +3837,7 @@
         </p:blipFill>
         <p:spPr bwMode="auto">
           <a:xfrm>
-            <a:off x="6477000" y="1676400"/>
+            <a:off x="6400800" y="2133600"/>
             <a:ext cx="2305050" cy="4148138"/>
           </a:xfrm>
           <a:prstGeom prst="rect">
@@ -3839,8 +3871,22 @@
 </file>
 
 <file path=ppt/slides/slide16.xml><?xml version="1.0" encoding="utf-8"?>
-<p:sld xmlns:a="http://schemas.openxmlformats.org/drawingml/2006/main" xmlns:r="http://schemas.openxmlformats.org/officeDocument/2006/relationships" xmlns:p="http://schemas.openxmlformats.org/presentationml/2006/main">
+<p:sld xmlns:a="http://schemas.openxmlformats.org/drawingml/2006/main" xmlns:r="http://schemas.openxmlformats.org/officeDocument/2006/relationships" xmlns:p="http://schemas.openxmlformats.org/presentationml/2006/main" showMasterSp="0">
   <p:cSld>
+    <p:bg>
+      <p:bgPr>
+        <a:blipFill dpi="0" rotWithShape="1">
+          <a:blip r:embed="rId2">
+            <a:lum/>
+          </a:blip>
+          <a:srcRect/>
+          <a:stretch>
+            <a:fillRect/>
+          </a:stretch>
+        </a:blipFill>
+        <a:effectLst/>
+      </p:bgPr>
+    </p:bg>
     <p:spTree>
       <p:nvGrpSpPr>
         <p:cNvPr id="1" name=""/>
@@ -3867,8 +3913,8 @@
         </p:nvSpPr>
         <p:spPr>
           <a:xfrm>
-            <a:off x="457200" y="1219200"/>
-            <a:ext cx="8229600" cy="4906963"/>
+            <a:off x="457200" y="1981200"/>
+            <a:ext cx="8229600" cy="4876800"/>
           </a:xfrm>
         </p:spPr>
         <p:txBody>
@@ -3882,12 +3928,6 @@
               </a:rPr>
               <a:t>Componenta a aplicatiei parte a functionarii automate</a:t>
             </a:r>
-          </a:p>
-          <a:p>
-            <a:endParaRPr lang="en-US" sz="2400" b="1" noProof="1" smtClean="0">
-              <a:latin typeface="Times New Roman" pitchFamily="18" charset="0"/>
-              <a:cs typeface="Times New Roman" pitchFamily="18" charset="0"/>
-            </a:endParaRPr>
           </a:p>
           <a:p>
             <a:r>
@@ -3918,11 +3958,7 @@
             <a:pPr lvl="1"/>
             <a:r>
               <a:rPr lang="ro-RO" sz="2200" dirty="0" smtClean="0"/>
-              <a:t>Scenarii pentru testarea unor functionalitati specifice ale </a:t>
-            </a:r>
-            <a:r>
-              <a:rPr lang="ro-RO" sz="2200" dirty="0" smtClean="0"/>
-              <a:t>indicatoarelor</a:t>
+              <a:t>Scenarii pentru testarea unor functionalitati specifice ale indicatoarelor</a:t>
             </a:r>
             <a:endParaRPr lang="en-US" sz="2200" b="1" noProof="1" smtClean="0">
               <a:latin typeface="Times New Roman" pitchFamily="18" charset="0"/>
@@ -3962,36 +3998,31 @@
         </p:nvSpPr>
         <p:spPr>
           <a:xfrm>
-            <a:off x="457200" y="359465"/>
-            <a:ext cx="8229600" cy="783535"/>
-          </a:xfrm>
-        </p:spPr>
-        <p:txBody>
-          <a:bodyPr/>
-          <a:lstStyle/>
-          <a:p>
-            <a:r>
-              <a:rPr lang="ro-RO" b="1" noProof="1" smtClean="0">
-                <a:latin typeface="Times New Roman" pitchFamily="18" charset="0"/>
-                <a:cs typeface="Times New Roman" pitchFamily="18" charset="0"/>
-              </a:rPr>
-              <a:t>Modulul</a:t>
-            </a:r>
-            <a:r>
-              <a:rPr lang="ro-RO" b="1" noProof="1" smtClean="0">
-                <a:latin typeface="Times New Roman" pitchFamily="18" charset="0"/>
-                <a:cs typeface="Times New Roman" pitchFamily="18" charset="0"/>
-              </a:rPr>
-              <a:t> de </a:t>
-            </a:r>
-            <a:r>
-              <a:rPr lang="ro-RO" b="1" noProof="1" smtClean="0">
-                <a:latin typeface="Times New Roman" pitchFamily="18" charset="0"/>
-                <a:cs typeface="Times New Roman" pitchFamily="18" charset="0"/>
-              </a:rPr>
-              <a:t>testare</a:t>
-            </a:r>
-            <a:endParaRPr lang="ro-RO" b="1" noProof="1">
+            <a:off x="3733800" y="990600"/>
+            <a:ext cx="4724400" cy="685800"/>
+          </a:xfrm>
+        </p:spPr>
+        <p:txBody>
+          <a:bodyPr>
+            <a:normAutofit/>
+          </a:bodyPr>
+          <a:lstStyle/>
+          <a:p>
+            <a:pPr algn="ctr"/>
+            <a:r>
+              <a:rPr lang="ro-RO" sz="3200" b="1" noProof="1" smtClean="0">
+                <a:solidFill>
+                  <a:schemeClr val="bg1"/>
+                </a:solidFill>
+                <a:latin typeface="Times New Roman" pitchFamily="18" charset="0"/>
+                <a:cs typeface="Times New Roman" pitchFamily="18" charset="0"/>
+              </a:rPr>
+              <a:t>Modulul de testare</a:t>
+            </a:r>
+            <a:endParaRPr lang="ro-RO" sz="3200" b="1" noProof="1">
+              <a:solidFill>
+                <a:schemeClr val="bg1"/>
+              </a:solidFill>
               <a:latin typeface="Times New Roman" pitchFamily="18" charset="0"/>
               <a:cs typeface="Times New Roman" pitchFamily="18" charset="0"/>
             </a:endParaRPr>
@@ -4005,7 +4036,7 @@
           <p:nvPr/>
         </p:nvPicPr>
         <p:blipFill>
-          <a:blip r:embed="rId2"/>
+          <a:blip r:embed="rId3"/>
           <a:srcRect/>
           <a:stretch>
             <a:fillRect/>
@@ -4013,7 +4044,7 @@
         </p:blipFill>
         <p:spPr bwMode="auto">
           <a:xfrm>
-            <a:off x="1524000" y="4876800"/>
+            <a:off x="1524000" y="5257800"/>
             <a:ext cx="5934075" cy="1285875"/>
           </a:xfrm>
           <a:prstGeom prst="rect">
@@ -4047,8 +4078,22 @@
 </file>
 
 <file path=ppt/slides/slide17.xml><?xml version="1.0" encoding="utf-8"?>
-<p:sld xmlns:a="http://schemas.openxmlformats.org/drawingml/2006/main" xmlns:r="http://schemas.openxmlformats.org/officeDocument/2006/relationships" xmlns:p="http://schemas.openxmlformats.org/presentationml/2006/main">
+<p:sld xmlns:a="http://schemas.openxmlformats.org/drawingml/2006/main" xmlns:r="http://schemas.openxmlformats.org/officeDocument/2006/relationships" xmlns:p="http://schemas.openxmlformats.org/presentationml/2006/main" showMasterSp="0">
   <p:cSld>
+    <p:bg>
+      <p:bgPr>
+        <a:blipFill dpi="0" rotWithShape="1">
+          <a:blip r:embed="rId2">
+            <a:lum/>
+          </a:blip>
+          <a:srcRect/>
+          <a:stretch>
+            <a:fillRect/>
+          </a:stretch>
+        </a:blipFill>
+        <a:effectLst/>
+      </p:bgPr>
+    </p:bg>
     <p:spTree>
       <p:nvGrpSpPr>
         <p:cNvPr id="1" name=""/>
@@ -4174,19 +4219,33 @@
             <p:ph type="title"/>
           </p:nvPr>
         </p:nvSpPr>
-        <p:spPr/>
-        <p:txBody>
-          <a:bodyPr/>
-          <a:lstStyle/>
-          <a:p>
-            <a:r>
-              <a:rPr lang="ro-RO" b="1" noProof="1" smtClean="0">
+        <p:spPr>
+          <a:xfrm>
+            <a:off x="3581400" y="990600"/>
+            <a:ext cx="4800600" cy="664265"/>
+          </a:xfrm>
+        </p:spPr>
+        <p:txBody>
+          <a:bodyPr>
+            <a:normAutofit/>
+          </a:bodyPr>
+          <a:lstStyle/>
+          <a:p>
+            <a:pPr algn="ctr"/>
+            <a:r>
+              <a:rPr lang="ro-RO" sz="3200" b="1" noProof="1" smtClean="0">
+                <a:solidFill>
+                  <a:schemeClr val="bg1"/>
+                </a:solidFill>
                 <a:latin typeface="Times New Roman" pitchFamily="18" charset="0"/>
                 <a:cs typeface="Times New Roman" pitchFamily="18" charset="0"/>
               </a:rPr>
               <a:t>Concluzii</a:t>
             </a:r>
-            <a:endParaRPr lang="ro-RO" b="1" noProof="1">
+            <a:endParaRPr lang="ro-RO" sz="3200" b="1" noProof="1">
+              <a:solidFill>
+                <a:schemeClr val="bg1"/>
+              </a:solidFill>
               <a:latin typeface="Times New Roman" pitchFamily="18" charset="0"/>
               <a:cs typeface="Times New Roman" pitchFamily="18" charset="0"/>
             </a:endParaRPr>
@@ -4212,8 +4271,22 @@
 </file>
 
 <file path=ppt/slides/slide2.xml><?xml version="1.0" encoding="utf-8"?>
-<p:sld xmlns:a="http://schemas.openxmlformats.org/drawingml/2006/main" xmlns:r="http://schemas.openxmlformats.org/officeDocument/2006/relationships" xmlns:p="http://schemas.openxmlformats.org/presentationml/2006/main">
+<p:sld xmlns:a="http://schemas.openxmlformats.org/drawingml/2006/main" xmlns:r="http://schemas.openxmlformats.org/officeDocument/2006/relationships" xmlns:p="http://schemas.openxmlformats.org/presentationml/2006/main" showMasterSp="0">
   <p:cSld>
+    <p:bg>
+      <p:bgPr>
+        <a:blipFill dpi="0" rotWithShape="1">
+          <a:blip r:embed="rId2">
+            <a:lum/>
+          </a:blip>
+          <a:srcRect/>
+          <a:stretch>
+            <a:fillRect/>
+          </a:stretch>
+        </a:blipFill>
+        <a:effectLst/>
+      </p:bgPr>
+    </p:bg>
     <p:spTree>
       <p:nvGrpSpPr>
         <p:cNvPr id="1" name=""/>
@@ -4238,7 +4311,12 @@
             <p:ph type="body" idx="1"/>
           </p:nvPr>
         </p:nvSpPr>
-        <p:spPr/>
+        <p:spPr>
+          <a:xfrm>
+            <a:off x="457200" y="2057400"/>
+            <a:ext cx="8229600" cy="4572000"/>
+          </a:xfrm>
+        </p:spPr>
         <p:txBody>
           <a:bodyPr>
             <a:normAutofit lnSpcReduction="10000"/>
@@ -4251,11 +4329,17 @@
               </a:buClr>
             </a:pPr>
             <a:r>
-              <a:rPr lang="en-US" b="1" noProof="1" smtClean="0"/>
+              <a:rPr lang="en-US" b="1" noProof="1" smtClean="0">
+                <a:latin typeface="Times New Roman" pitchFamily="18" charset="0"/>
+                <a:cs typeface="Times New Roman" pitchFamily="18" charset="0"/>
+              </a:rPr>
               <a:t>Context : </a:t>
             </a:r>
             <a:r>
-              <a:rPr lang="ro-RO" b="1" noProof="1" smtClean="0"/>
+              <a:rPr lang="ro-RO" b="1" noProof="1" smtClean="0">
+                <a:latin typeface="Times New Roman" pitchFamily="18" charset="0"/>
+                <a:cs typeface="Times New Roman" pitchFamily="18" charset="0"/>
+              </a:rPr>
               <a:t>Software pentru sisteme embedded</a:t>
             </a:r>
           </a:p>
@@ -4266,7 +4350,10 @@
               </a:buClr>
             </a:pPr>
             <a:r>
-              <a:rPr lang="ro-RO" b="1" noProof="1" smtClean="0"/>
+              <a:rPr lang="ro-RO" b="1" noProof="1" smtClean="0">
+                <a:latin typeface="Times New Roman" pitchFamily="18" charset="0"/>
+                <a:cs typeface="Times New Roman" pitchFamily="18" charset="0"/>
+              </a:rPr>
               <a:t>Tehnologii folosite</a:t>
             </a:r>
           </a:p>
@@ -4277,7 +4364,10 @@
               </a:buClr>
             </a:pPr>
             <a:r>
-              <a:rPr lang="en-US" noProof="1" smtClean="0"/>
+              <a:rPr lang="en-US" noProof="1" smtClean="0">
+                <a:latin typeface="Times New Roman" pitchFamily="18" charset="0"/>
+                <a:cs typeface="Times New Roman" pitchFamily="18" charset="0"/>
+              </a:rPr>
               <a:t>Baze de date</a:t>
             </a:r>
           </a:p>
@@ -4288,7 +4378,10 @@
               </a:buClr>
             </a:pPr>
             <a:r>
-              <a:rPr lang="en-US" noProof="1" smtClean="0"/>
+              <a:rPr lang="en-US" noProof="1" smtClean="0">
+                <a:latin typeface="Times New Roman" pitchFamily="18" charset="0"/>
+                <a:cs typeface="Times New Roman" pitchFamily="18" charset="0"/>
+              </a:rPr>
               <a:t>Programare orientata pe obiecte</a:t>
             </a:r>
           </a:p>
@@ -4299,7 +4392,10 @@
               </a:buClr>
             </a:pPr>
             <a:r>
-              <a:rPr lang="en-US" noProof="1" smtClean="0"/>
+              <a:rPr lang="en-US" noProof="1" smtClean="0">
+                <a:latin typeface="Times New Roman" pitchFamily="18" charset="0"/>
+                <a:cs typeface="Times New Roman" pitchFamily="18" charset="0"/>
+              </a:rPr>
               <a:t>Modelare UML</a:t>
             </a:r>
           </a:p>
@@ -4310,7 +4406,10 @@
               </a:buClr>
             </a:pPr>
             <a:r>
-              <a:rPr lang="en-US" noProof="1" smtClean="0"/>
+              <a:rPr lang="en-US" noProof="1" smtClean="0">
+                <a:latin typeface="Times New Roman" pitchFamily="18" charset="0"/>
+                <a:cs typeface="Times New Roman" pitchFamily="18" charset="0"/>
+              </a:rPr>
               <a:t>Platforma Netbeans</a:t>
             </a:r>
           </a:p>
@@ -4321,7 +4420,10 @@
               </a:buClr>
             </a:pPr>
             <a:r>
-              <a:rPr lang="en-US" noProof="1" smtClean="0"/>
+              <a:rPr lang="en-US" noProof="1" smtClean="0">
+                <a:latin typeface="Times New Roman" pitchFamily="18" charset="0"/>
+                <a:cs typeface="Times New Roman" pitchFamily="18" charset="0"/>
+              </a:rPr>
               <a:t>Java Swing</a:t>
             </a:r>
           </a:p>
@@ -4332,7 +4434,10 @@
               </a:buClr>
             </a:pPr>
             <a:r>
-              <a:rPr lang="en-US" b="1" noProof="1" smtClean="0"/>
+              <a:rPr lang="en-US" b="1" noProof="1" smtClean="0">
+                <a:latin typeface="Times New Roman" pitchFamily="18" charset="0"/>
+                <a:cs typeface="Times New Roman" pitchFamily="18" charset="0"/>
+              </a:rPr>
               <a:t>Descrierea proiectului</a:t>
             </a:r>
           </a:p>
@@ -4343,7 +4448,10 @@
               </a:buClr>
             </a:pPr>
             <a:r>
-              <a:rPr lang="en-US" noProof="1" smtClean="0"/>
+              <a:rPr lang="en-US" noProof="1" smtClean="0">
+                <a:latin typeface="Times New Roman" pitchFamily="18" charset="0"/>
+                <a:cs typeface="Times New Roman" pitchFamily="18" charset="0"/>
+              </a:rPr>
               <a:t>Simulator</a:t>
             </a:r>
           </a:p>
@@ -4354,7 +4462,10 @@
               </a:buClr>
             </a:pPr>
             <a:r>
-              <a:rPr lang="en-US" noProof="1" smtClean="0"/>
+              <a:rPr lang="en-US" noProof="1" smtClean="0">
+                <a:latin typeface="Times New Roman" pitchFamily="18" charset="0"/>
+                <a:cs typeface="Times New Roman" pitchFamily="18" charset="0"/>
+              </a:rPr>
               <a:t>Interfata grafica cu utilizatorul</a:t>
             </a:r>
           </a:p>
@@ -4365,7 +4476,10 @@
               </a:buClr>
             </a:pPr>
             <a:r>
-              <a:rPr lang="en-US" noProof="1" smtClean="0"/>
+              <a:rPr lang="en-US" noProof="1" smtClean="0">
+                <a:latin typeface="Times New Roman" pitchFamily="18" charset="0"/>
+                <a:cs typeface="Times New Roman" pitchFamily="18" charset="0"/>
+              </a:rPr>
               <a:t>Modul de testare</a:t>
             </a:r>
           </a:p>
@@ -4376,10 +4490,16 @@
               </a:buClr>
             </a:pPr>
             <a:r>
-              <a:rPr lang="en-US" b="1" noProof="1" smtClean="0"/>
+              <a:rPr lang="en-US" b="1" noProof="1" smtClean="0">
+                <a:latin typeface="Times New Roman" pitchFamily="18" charset="0"/>
+                <a:cs typeface="Times New Roman" pitchFamily="18" charset="0"/>
+              </a:rPr>
               <a:t>Concluzii</a:t>
             </a:r>
-            <a:endParaRPr lang="ro-RO" b="1" noProof="1"/>
+            <a:endParaRPr lang="ro-RO" b="1" noProof="1">
+              <a:latin typeface="Times New Roman" pitchFamily="18" charset="0"/>
+              <a:cs typeface="Times New Roman" pitchFamily="18" charset="0"/>
+            </a:endParaRPr>
           </a:p>
         </p:txBody>
       </p:sp>
@@ -4393,21 +4513,32 @@
             <p:ph type="title"/>
           </p:nvPr>
         </p:nvSpPr>
-        <p:spPr/>
+        <p:spPr>
+          <a:xfrm>
+            <a:off x="5334000" y="990599"/>
+            <a:ext cx="3505200" cy="609601"/>
+          </a:xfrm>
+        </p:spPr>
         <p:txBody>
           <a:bodyPr>
-            <a:normAutofit/>
+            <a:normAutofit fontScale="90000"/>
           </a:bodyPr>
           <a:lstStyle/>
           <a:p>
             <a:r>
               <a:rPr lang="ro-RO" sz="4000" b="1" noProof="1" smtClean="0">
+                <a:solidFill>
+                  <a:schemeClr val="bg1"/>
+                </a:solidFill>
                 <a:latin typeface="Times New Roman" pitchFamily="18" charset="0"/>
                 <a:cs typeface="Times New Roman" pitchFamily="18" charset="0"/>
               </a:rPr>
               <a:t>Cuprins</a:t>
             </a:r>
             <a:endParaRPr lang="ro-RO" sz="4000" b="1" noProof="1">
+              <a:solidFill>
+                <a:schemeClr val="bg1"/>
+              </a:solidFill>
               <a:latin typeface="Times New Roman" pitchFamily="18" charset="0"/>
               <a:cs typeface="Times New Roman" pitchFamily="18" charset="0"/>
             </a:endParaRPr>
@@ -4433,8 +4564,22 @@
 </file>
 
 <file path=ppt/slides/slide3.xml><?xml version="1.0" encoding="utf-8"?>
-<p:sld xmlns:a="http://schemas.openxmlformats.org/drawingml/2006/main" xmlns:r="http://schemas.openxmlformats.org/officeDocument/2006/relationships" xmlns:p="http://schemas.openxmlformats.org/presentationml/2006/main">
+<p:sld xmlns:a="http://schemas.openxmlformats.org/drawingml/2006/main" xmlns:r="http://schemas.openxmlformats.org/officeDocument/2006/relationships" xmlns:p="http://schemas.openxmlformats.org/presentationml/2006/main" showMasterSp="0">
   <p:cSld>
+    <p:bg>
+      <p:bgPr>
+        <a:blipFill dpi="0" rotWithShape="1">
+          <a:blip r:embed="rId2">
+            <a:lum/>
+          </a:blip>
+          <a:srcRect/>
+          <a:stretch>
+            <a:fillRect/>
+          </a:stretch>
+        </a:blipFill>
+        <a:effectLst/>
+      </p:bgPr>
+    </p:bg>
     <p:spTree>
       <p:nvGrpSpPr>
         <p:cNvPr id="1" name=""/>
@@ -4459,7 +4604,12 @@
             <p:ph type="body" idx="1"/>
           </p:nvPr>
         </p:nvSpPr>
-        <p:spPr/>
+        <p:spPr>
+          <a:xfrm>
+            <a:off x="457200" y="2057400"/>
+            <a:ext cx="8229600" cy="4068763"/>
+          </a:xfrm>
+        </p:spPr>
         <p:txBody>
           <a:bodyPr/>
           <a:lstStyle/>
@@ -4525,19 +4675,33 @@
             <p:ph type="title"/>
           </p:nvPr>
         </p:nvSpPr>
-        <p:spPr/>
-        <p:txBody>
-          <a:bodyPr/>
-          <a:lstStyle/>
-          <a:p>
+        <p:spPr>
+          <a:xfrm>
+            <a:off x="3200400" y="914400"/>
+            <a:ext cx="5410200" cy="914400"/>
+          </a:xfrm>
+        </p:spPr>
+        <p:txBody>
+          <a:bodyPr>
+            <a:normAutofit fontScale="90000"/>
+          </a:bodyPr>
+          <a:lstStyle/>
+          <a:p>
+            <a:pPr algn="ctr"/>
             <a:r>
               <a:rPr lang="ro-RO" b="1" noProof="1" smtClean="0">
+                <a:solidFill>
+                  <a:schemeClr val="bg1"/>
+                </a:solidFill>
                 <a:latin typeface="Times New Roman" pitchFamily="18" charset="0"/>
                 <a:cs typeface="Times New Roman" pitchFamily="18" charset="0"/>
               </a:rPr>
               <a:t>Software pentru sisteme embedded</a:t>
             </a:r>
             <a:endParaRPr lang="ro-RO" b="1" noProof="1">
+              <a:solidFill>
+                <a:schemeClr val="bg1"/>
+              </a:solidFill>
               <a:latin typeface="Times New Roman" pitchFamily="18" charset="0"/>
               <a:cs typeface="Times New Roman" pitchFamily="18" charset="0"/>
             </a:endParaRPr>
@@ -4563,8 +4727,22 @@
 </file>
 
 <file path=ppt/slides/slide4.xml><?xml version="1.0" encoding="utf-8"?>
-<p:sld xmlns:a="http://schemas.openxmlformats.org/drawingml/2006/main" xmlns:r="http://schemas.openxmlformats.org/officeDocument/2006/relationships" xmlns:p="http://schemas.openxmlformats.org/presentationml/2006/main">
+<p:sld xmlns:a="http://schemas.openxmlformats.org/drawingml/2006/main" xmlns:r="http://schemas.openxmlformats.org/officeDocument/2006/relationships" xmlns:p="http://schemas.openxmlformats.org/presentationml/2006/main" showMasterSp="0">
   <p:cSld>
+    <p:bg>
+      <p:bgPr>
+        <a:blipFill dpi="0" rotWithShape="1">
+          <a:blip r:embed="rId2">
+            <a:lum/>
+          </a:blip>
+          <a:srcRect/>
+          <a:stretch>
+            <a:fillRect/>
+          </a:stretch>
+        </a:blipFill>
+        <a:effectLst/>
+      </p:bgPr>
+    </p:bg>
     <p:spTree>
       <p:nvGrpSpPr>
         <p:cNvPr id="1" name=""/>
@@ -4589,7 +4767,12 @@
             <p:ph type="body" idx="1"/>
           </p:nvPr>
         </p:nvSpPr>
-        <p:spPr/>
+        <p:spPr>
+          <a:xfrm>
+            <a:off x="457200" y="1981200"/>
+            <a:ext cx="8229600" cy="4572000"/>
+          </a:xfrm>
+        </p:spPr>
         <p:txBody>
           <a:bodyPr/>
           <a:lstStyle/>
@@ -4708,19 +4891,33 @@
             <p:ph type="title"/>
           </p:nvPr>
         </p:nvSpPr>
-        <p:spPr/>
-        <p:txBody>
-          <a:bodyPr/>
-          <a:lstStyle/>
-          <a:p>
-            <a:r>
-              <a:rPr lang="ro-RO" b="1" noProof="1" smtClean="0">
+        <p:spPr>
+          <a:xfrm>
+            <a:off x="3048000" y="533400"/>
+            <a:ext cx="5486400" cy="1295400"/>
+          </a:xfrm>
+        </p:spPr>
+        <p:txBody>
+          <a:bodyPr>
+            <a:normAutofit/>
+          </a:bodyPr>
+          <a:lstStyle/>
+          <a:p>
+            <a:pPr algn="ctr"/>
+            <a:r>
+              <a:rPr lang="ro-RO" sz="3200" b="1" noProof="1" smtClean="0">
+                <a:solidFill>
+                  <a:schemeClr val="bg1"/>
+                </a:solidFill>
                 <a:latin typeface="Times New Roman" pitchFamily="18" charset="0"/>
                 <a:cs typeface="Times New Roman" pitchFamily="18" charset="0"/>
               </a:rPr>
               <a:t>Software pentru sisteme embedded (2)</a:t>
             </a:r>
-            <a:endParaRPr lang="ro-RO" b="1" noProof="1">
+            <a:endParaRPr lang="ro-RO" sz="3200" b="1" noProof="1">
+              <a:solidFill>
+                <a:schemeClr val="bg1"/>
+              </a:solidFill>
               <a:latin typeface="Times New Roman" pitchFamily="18" charset="0"/>
               <a:cs typeface="Times New Roman" pitchFamily="18" charset="0"/>
             </a:endParaRPr>
@@ -4746,8 +4943,22 @@
 </file>
 
 <file path=ppt/slides/slide5.xml><?xml version="1.0" encoding="utf-8"?>
-<p:sld xmlns:a="http://schemas.openxmlformats.org/drawingml/2006/main" xmlns:r="http://schemas.openxmlformats.org/officeDocument/2006/relationships" xmlns:p="http://schemas.openxmlformats.org/presentationml/2006/main">
+<p:sld xmlns:a="http://schemas.openxmlformats.org/drawingml/2006/main" xmlns:r="http://schemas.openxmlformats.org/officeDocument/2006/relationships" xmlns:p="http://schemas.openxmlformats.org/presentationml/2006/main" showMasterSp="0">
   <p:cSld>
+    <p:bg>
+      <p:bgPr>
+        <a:blipFill dpi="0" rotWithShape="1">
+          <a:blip r:embed="rId2">
+            <a:lum/>
+          </a:blip>
+          <a:srcRect/>
+          <a:stretch>
+            <a:fillRect/>
+          </a:stretch>
+        </a:blipFill>
+        <a:effectLst/>
+      </p:bgPr>
+    </p:bg>
     <p:spTree>
       <p:nvGrpSpPr>
         <p:cNvPr id="1" name=""/>
@@ -4772,7 +4983,12 @@
             <p:ph type="body" idx="1"/>
           </p:nvPr>
         </p:nvSpPr>
-        <p:spPr/>
+        <p:spPr>
+          <a:xfrm>
+            <a:off x="457200" y="2133600"/>
+            <a:ext cx="8229600" cy="4419600"/>
+          </a:xfrm>
+        </p:spPr>
         <p:txBody>
           <a:bodyPr/>
           <a:lstStyle/>
@@ -4863,8 +5079,8 @@
         </p:nvSpPr>
         <p:spPr>
           <a:xfrm>
-            <a:off x="457200" y="533400"/>
-            <a:ext cx="8229600" cy="859735"/>
+            <a:off x="4038600" y="762000"/>
+            <a:ext cx="4724400" cy="859735"/>
           </a:xfrm>
         </p:spPr>
         <p:txBody>
@@ -4875,12 +5091,18 @@
           <a:p>
             <a:r>
               <a:rPr lang="ro-RO" b="1" noProof="1" smtClean="0">
+                <a:solidFill>
+                  <a:schemeClr val="bg1"/>
+                </a:solidFill>
                 <a:latin typeface="Times New Roman" pitchFamily="18" charset="0"/>
                 <a:cs typeface="Times New Roman" pitchFamily="18" charset="0"/>
               </a:rPr>
               <a:t>Tehnologii folosite</a:t>
             </a:r>
             <a:endParaRPr lang="ro-RO" b="1" noProof="1">
+              <a:solidFill>
+                <a:schemeClr val="bg1"/>
+              </a:solidFill>
               <a:latin typeface="Times New Roman" pitchFamily="18" charset="0"/>
               <a:cs typeface="Times New Roman" pitchFamily="18" charset="0"/>
             </a:endParaRPr>
@@ -4906,8 +5128,22 @@
 </file>
 
 <file path=ppt/slides/slide6.xml><?xml version="1.0" encoding="utf-8"?>
-<p:sld xmlns:a="http://schemas.openxmlformats.org/drawingml/2006/main" xmlns:r="http://schemas.openxmlformats.org/officeDocument/2006/relationships" xmlns:p="http://schemas.openxmlformats.org/presentationml/2006/main">
+<p:sld xmlns:a="http://schemas.openxmlformats.org/drawingml/2006/main" xmlns:r="http://schemas.openxmlformats.org/officeDocument/2006/relationships" xmlns:p="http://schemas.openxmlformats.org/presentationml/2006/main" showMasterSp="0">
   <p:cSld>
+    <p:bg>
+      <p:bgPr>
+        <a:blipFill dpi="0" rotWithShape="1">
+          <a:blip r:embed="rId2">
+            <a:lum/>
+          </a:blip>
+          <a:srcRect/>
+          <a:stretch>
+            <a:fillRect/>
+          </a:stretch>
+        </a:blipFill>
+        <a:effectLst/>
+      </p:bgPr>
+    </p:bg>
     <p:spTree>
       <p:nvGrpSpPr>
         <p:cNvPr id="1" name=""/>
@@ -4932,7 +5168,12 @@
             <p:ph type="body" idx="1"/>
           </p:nvPr>
         </p:nvSpPr>
-        <p:spPr/>
+        <p:spPr>
+          <a:xfrm>
+            <a:off x="457200" y="2133600"/>
+            <a:ext cx="8229600" cy="4267200"/>
+          </a:xfrm>
+        </p:spPr>
         <p:txBody>
           <a:bodyPr/>
           <a:lstStyle/>
@@ -5021,19 +5262,33 @@
             <p:ph type="title"/>
           </p:nvPr>
         </p:nvSpPr>
-        <p:spPr/>
-        <p:txBody>
-          <a:bodyPr/>
-          <a:lstStyle/>
-          <a:p>
+        <p:spPr>
+          <a:xfrm>
+            <a:off x="3276600" y="685800"/>
+            <a:ext cx="5410200" cy="1143001"/>
+          </a:xfrm>
+        </p:spPr>
+        <p:txBody>
+          <a:bodyPr>
+            <a:normAutofit fontScale="90000"/>
+          </a:bodyPr>
+          <a:lstStyle/>
+          <a:p>
+            <a:pPr algn="ctr"/>
             <a:r>
               <a:rPr lang="ro-RO" b="1" noProof="1" smtClean="0">
+                <a:solidFill>
+                  <a:schemeClr val="bg1"/>
+                </a:solidFill>
                 <a:latin typeface="Times New Roman" pitchFamily="18" charset="0"/>
                 <a:cs typeface="Times New Roman" pitchFamily="18" charset="0"/>
               </a:rPr>
               <a:t>Programarea orientata pe obiecte</a:t>
             </a:r>
             <a:endParaRPr lang="ro-RO" b="1" noProof="1">
+              <a:solidFill>
+                <a:schemeClr val="bg1"/>
+              </a:solidFill>
               <a:latin typeface="Times New Roman" pitchFamily="18" charset="0"/>
               <a:cs typeface="Times New Roman" pitchFamily="18" charset="0"/>
             </a:endParaRPr>
@@ -5059,8 +5314,22 @@
 </file>
 
 <file path=ppt/slides/slide7.xml><?xml version="1.0" encoding="utf-8"?>
-<p:sld xmlns:a="http://schemas.openxmlformats.org/drawingml/2006/main" xmlns:r="http://schemas.openxmlformats.org/officeDocument/2006/relationships" xmlns:p="http://schemas.openxmlformats.org/presentationml/2006/main">
+<p:sld xmlns:a="http://schemas.openxmlformats.org/drawingml/2006/main" xmlns:r="http://schemas.openxmlformats.org/officeDocument/2006/relationships" xmlns:p="http://schemas.openxmlformats.org/presentationml/2006/main" showMasterSp="0">
   <p:cSld>
+    <p:bg>
+      <p:bgPr>
+        <a:blipFill dpi="0" rotWithShape="1">
+          <a:blip r:embed="rId2">
+            <a:lum/>
+          </a:blip>
+          <a:srcRect/>
+          <a:stretch>
+            <a:fillRect/>
+          </a:stretch>
+        </a:blipFill>
+        <a:effectLst/>
+      </p:bgPr>
+    </p:bg>
     <p:spTree>
       <p:nvGrpSpPr>
         <p:cNvPr id="1" name=""/>
@@ -5087,8 +5356,8 @@
         </p:nvSpPr>
         <p:spPr>
           <a:xfrm>
-            <a:off x="457200" y="1676400"/>
-            <a:ext cx="8229600" cy="4525963"/>
+            <a:off x="457200" y="2057400"/>
+            <a:ext cx="8229600" cy="4419600"/>
           </a:xfrm>
         </p:spPr>
         <p:txBody>
@@ -5187,19 +5456,33 @@
             <p:ph type="title"/>
           </p:nvPr>
         </p:nvSpPr>
-        <p:spPr/>
-        <p:txBody>
-          <a:bodyPr/>
-          <a:lstStyle/>
-          <a:p>
-            <a:r>
-              <a:rPr lang="ro-RO" b="1" noProof="1" smtClean="0">
+        <p:spPr>
+          <a:xfrm>
+            <a:off x="3276600" y="914400"/>
+            <a:ext cx="5410200" cy="740465"/>
+          </a:xfrm>
+        </p:spPr>
+        <p:txBody>
+          <a:bodyPr>
+            <a:normAutofit/>
+          </a:bodyPr>
+          <a:lstStyle/>
+          <a:p>
+            <a:pPr algn="ctr"/>
+            <a:r>
+              <a:rPr lang="ro-RO" sz="3200" b="1" noProof="1" smtClean="0">
+                <a:solidFill>
+                  <a:schemeClr val="bg1"/>
+                </a:solidFill>
                 <a:latin typeface="Times New Roman" pitchFamily="18" charset="0"/>
                 <a:cs typeface="Times New Roman" pitchFamily="18" charset="0"/>
               </a:rPr>
               <a:t>Baze de date</a:t>
             </a:r>
-            <a:endParaRPr lang="ro-RO" b="1" noProof="1">
+            <a:endParaRPr lang="ro-RO" sz="3200" b="1" noProof="1">
+              <a:solidFill>
+                <a:schemeClr val="bg1"/>
+              </a:solidFill>
               <a:latin typeface="Times New Roman" pitchFamily="18" charset="0"/>
               <a:cs typeface="Times New Roman" pitchFamily="18" charset="0"/>
             </a:endParaRPr>
@@ -5213,7 +5496,7 @@
           <p:nvPr/>
         </p:nvPicPr>
         <p:blipFill>
-          <a:blip r:embed="rId2"/>
+          <a:blip r:embed="rId3"/>
           <a:srcRect/>
           <a:stretch>
             <a:fillRect/>
@@ -5221,7 +5504,7 @@
         </p:blipFill>
         <p:spPr bwMode="auto">
           <a:xfrm>
-            <a:off x="5867400" y="4876800"/>
+            <a:off x="5791200" y="5181600"/>
             <a:ext cx="2438400" cy="762000"/>
           </a:xfrm>
           <a:prstGeom prst="rect">
@@ -5255,8 +5538,22 @@
 </file>
 
 <file path=ppt/slides/slide8.xml><?xml version="1.0" encoding="utf-8"?>
-<p:sld xmlns:a="http://schemas.openxmlformats.org/drawingml/2006/main" xmlns:r="http://schemas.openxmlformats.org/officeDocument/2006/relationships" xmlns:p="http://schemas.openxmlformats.org/presentationml/2006/main">
+<p:sld xmlns:a="http://schemas.openxmlformats.org/drawingml/2006/main" xmlns:r="http://schemas.openxmlformats.org/officeDocument/2006/relationships" xmlns:p="http://schemas.openxmlformats.org/presentationml/2006/main" showMasterSp="0">
   <p:cSld>
+    <p:bg>
+      <p:bgPr>
+        <a:blipFill dpi="0" rotWithShape="1">
+          <a:blip r:embed="rId2">
+            <a:lum/>
+          </a:blip>
+          <a:srcRect/>
+          <a:stretch>
+            <a:fillRect/>
+          </a:stretch>
+        </a:blipFill>
+        <a:effectLst/>
+      </p:bgPr>
+    </p:bg>
     <p:spTree>
       <p:nvGrpSpPr>
         <p:cNvPr id="1" name=""/>
@@ -5281,7 +5578,12 @@
             <p:ph type="body" idx="1"/>
           </p:nvPr>
         </p:nvSpPr>
-        <p:spPr/>
+        <p:spPr>
+          <a:xfrm>
+            <a:off x="457200" y="2133600"/>
+            <a:ext cx="8229600" cy="4419600"/>
+          </a:xfrm>
+        </p:spPr>
         <p:txBody>
           <a:bodyPr/>
           <a:lstStyle/>
@@ -5370,19 +5672,33 @@
             <p:ph type="title"/>
           </p:nvPr>
         </p:nvSpPr>
-        <p:spPr/>
-        <p:txBody>
-          <a:bodyPr/>
-          <a:lstStyle/>
-          <a:p>
-            <a:r>
-              <a:rPr lang="en-US" b="1" noProof="1" smtClean="0">
+        <p:spPr>
+          <a:xfrm>
+            <a:off x="3429000" y="914400"/>
+            <a:ext cx="5257800" cy="740465"/>
+          </a:xfrm>
+        </p:spPr>
+        <p:txBody>
+          <a:bodyPr>
+            <a:normAutofit/>
+          </a:bodyPr>
+          <a:lstStyle/>
+          <a:p>
+            <a:pPr algn="ctr"/>
+            <a:r>
+              <a:rPr lang="en-US" sz="3200" b="1" noProof="1" smtClean="0">
+                <a:solidFill>
+                  <a:schemeClr val="bg1"/>
+                </a:solidFill>
                 <a:latin typeface="Times New Roman" pitchFamily="18" charset="0"/>
                 <a:cs typeface="Times New Roman" pitchFamily="18" charset="0"/>
               </a:rPr>
               <a:t>Modelare UML</a:t>
             </a:r>
-            <a:endParaRPr lang="ro-RO" b="1" noProof="1">
+            <a:endParaRPr lang="ro-RO" sz="3200" b="1" noProof="1">
+              <a:solidFill>
+                <a:schemeClr val="bg1"/>
+              </a:solidFill>
               <a:latin typeface="Times New Roman" pitchFamily="18" charset="0"/>
               <a:cs typeface="Times New Roman" pitchFamily="18" charset="0"/>
             </a:endParaRPr>
@@ -5408,8 +5724,22 @@
 </file>
 
 <file path=ppt/slides/slide9.xml><?xml version="1.0" encoding="utf-8"?>
-<p:sld xmlns:a="http://schemas.openxmlformats.org/drawingml/2006/main" xmlns:r="http://schemas.openxmlformats.org/officeDocument/2006/relationships" xmlns:p="http://schemas.openxmlformats.org/presentationml/2006/main">
+<p:sld xmlns:a="http://schemas.openxmlformats.org/drawingml/2006/main" xmlns:r="http://schemas.openxmlformats.org/officeDocument/2006/relationships" xmlns:p="http://schemas.openxmlformats.org/presentationml/2006/main" showMasterSp="0">
   <p:cSld>
+    <p:bg>
+      <p:bgPr>
+        <a:blipFill dpi="0" rotWithShape="1">
+          <a:blip r:embed="rId2">
+            <a:lum/>
+          </a:blip>
+          <a:srcRect/>
+          <a:stretch>
+            <a:fillRect/>
+          </a:stretch>
+        </a:blipFill>
+        <a:effectLst/>
+      </p:bgPr>
+    </p:bg>
     <p:spTree>
       <p:nvGrpSpPr>
         <p:cNvPr id="1" name=""/>
@@ -5434,7 +5764,12 @@
             <p:ph type="body" idx="1"/>
           </p:nvPr>
         </p:nvSpPr>
-        <p:spPr/>
+        <p:spPr>
+          <a:xfrm>
+            <a:off x="457200" y="2057400"/>
+            <a:ext cx="8229600" cy="4495800"/>
+          </a:xfrm>
+        </p:spPr>
         <p:txBody>
           <a:bodyPr/>
           <a:lstStyle/>
@@ -5527,19 +5862,33 @@
             <p:ph type="title"/>
           </p:nvPr>
         </p:nvSpPr>
-        <p:spPr/>
-        <p:txBody>
-          <a:bodyPr/>
-          <a:lstStyle/>
-          <a:p>
-            <a:r>
-              <a:rPr lang="ro-RO" b="1" noProof="1" smtClean="0">
+        <p:spPr>
+          <a:xfrm>
+            <a:off x="3124200" y="914400"/>
+            <a:ext cx="5562600" cy="740465"/>
+          </a:xfrm>
+        </p:spPr>
+        <p:txBody>
+          <a:bodyPr>
+            <a:normAutofit/>
+          </a:bodyPr>
+          <a:lstStyle/>
+          <a:p>
+            <a:pPr algn="ctr"/>
+            <a:r>
+              <a:rPr lang="ro-RO" sz="3200" b="1" noProof="1" smtClean="0">
+                <a:solidFill>
+                  <a:schemeClr val="bg1"/>
+                </a:solidFill>
                 <a:latin typeface="Times New Roman" pitchFamily="18" charset="0"/>
                 <a:cs typeface="Times New Roman" pitchFamily="18" charset="0"/>
               </a:rPr>
               <a:t>Platforma Netbeans</a:t>
             </a:r>
-            <a:endParaRPr lang="ro-RO" b="1" noProof="1">
+            <a:endParaRPr lang="ro-RO" sz="3200" b="1" noProof="1">
+              <a:solidFill>
+                <a:schemeClr val="bg1"/>
+              </a:solidFill>
               <a:latin typeface="Times New Roman" pitchFamily="18" charset="0"/>
               <a:cs typeface="Times New Roman" pitchFamily="18" charset="0"/>
             </a:endParaRPr>

--- a/Office documents/Prezentare Scurta.pptx
+++ b/Office documents/Prezentare Scurta.pptx
@@ -374,7 +374,7 @@
             <a:fld id="{DC32BC8C-447D-48B7-85E7-C44104B6F7C5}" type="datetimeFigureOut">
               <a:rPr lang="en-US" smtClean="0"/>
               <a:pPr/>
-              <a:t>7/5/2010</a:t>
+              <a:t>7/6/2010</a:t>
             </a:fld>
             <a:endParaRPr lang="en-US"/>
           </a:p>
@@ -551,7 +551,7 @@
             <a:fld id="{DC32BC8C-447D-48B7-85E7-C44104B6F7C5}" type="datetimeFigureOut">
               <a:rPr lang="en-US" smtClean="0"/>
               <a:pPr/>
-              <a:t>7/5/2010</a:t>
+              <a:t>7/6/2010</a:t>
             </a:fld>
             <a:endParaRPr lang="en-US"/>
           </a:p>
@@ -677,7 +677,7 @@
             <a:fld id="{DC32BC8C-447D-48B7-85E7-C44104B6F7C5}" type="datetimeFigureOut">
               <a:rPr lang="en-US" smtClean="0"/>
               <a:pPr/>
-              <a:t>7/5/2010</a:t>
+              <a:t>7/6/2010</a:t>
             </a:fld>
             <a:endParaRPr lang="en-US"/>
           </a:p>
@@ -769,7 +769,7 @@
             <a:fld id="{DC32BC8C-447D-48B7-85E7-C44104B6F7C5}" type="datetimeFigureOut">
               <a:rPr lang="en-US" smtClean="0"/>
               <a:pPr/>
-              <a:t>7/5/2010</a:t>
+              <a:t>7/6/2010</a:t>
             </a:fld>
             <a:endParaRPr lang="en-US"/>
           </a:p>
@@ -1007,7 +1007,7 @@
             <a:fld id="{DC32BC8C-447D-48B7-85E7-C44104B6F7C5}" type="datetimeFigureOut">
               <a:rPr lang="en-US" smtClean="0"/>
               <a:pPr/>
-              <a:t>7/5/2010</a:t>
+              <a:t>7/6/2010</a:t>
             </a:fld>
             <a:endParaRPr lang="en-US"/>
           </a:p>
@@ -1184,7 +1184,7 @@
             <a:fld id="{DC32BC8C-447D-48B7-85E7-C44104B6F7C5}" type="datetimeFigureOut">
               <a:rPr lang="en-US" smtClean="0"/>
               <a:pPr/>
-              <a:t>7/5/2010</a:t>
+              <a:t>7/6/2010</a:t>
             </a:fld>
             <a:endParaRPr lang="en-US"/>
           </a:p>
@@ -1422,7 +1422,7 @@
             <a:fld id="{DC32BC8C-447D-48B7-85E7-C44104B6F7C5}" type="datetimeFigureOut">
               <a:rPr lang="en-US" smtClean="0"/>
               <a:pPr/>
-              <a:t>7/5/2010</a:t>
+              <a:t>7/6/2010</a:t>
             </a:fld>
             <a:endParaRPr lang="en-US"/>
           </a:p>
@@ -1695,7 +1695,7 @@
             <a:fld id="{DC32BC8C-447D-48B7-85E7-C44104B6F7C5}" type="datetimeFigureOut">
               <a:rPr lang="en-US" smtClean="0"/>
               <a:pPr/>
-              <a:t>7/5/2010</a:t>
+              <a:t>7/6/2010</a:t>
             </a:fld>
             <a:endParaRPr lang="en-US"/>
           </a:p>
@@ -1994,7 +1994,67 @@
                 <a:latin typeface="Times New Roman" pitchFamily="18" charset="0"/>
                 <a:cs typeface="Times New Roman" pitchFamily="18" charset="0"/>
               </a:rPr>
-              <a:t>Sistem de simulare si testare automata a functionalitatilor unui computer de bord</a:t>
+              <a:t>Sistem de simulare </a:t>
+            </a:r>
+            <a:r>
+              <a:rPr lang="ro-RO" b="1" noProof="1" smtClean="0">
+                <a:solidFill>
+                  <a:schemeClr val="bg1"/>
+                </a:solidFill>
+                <a:latin typeface="Times New Roman" pitchFamily="18" charset="0"/>
+                <a:cs typeface="Times New Roman" pitchFamily="18" charset="0"/>
+              </a:rPr>
+              <a:t>şi </a:t>
+            </a:r>
+            <a:r>
+              <a:rPr lang="ro-RO" b="1" noProof="1" smtClean="0">
+                <a:solidFill>
+                  <a:schemeClr val="bg1"/>
+                </a:solidFill>
+                <a:latin typeface="Times New Roman" pitchFamily="18" charset="0"/>
+                <a:cs typeface="Times New Roman" pitchFamily="18" charset="0"/>
+              </a:rPr>
+              <a:t>testare </a:t>
+            </a:r>
+            <a:r>
+              <a:rPr lang="ro-RO" b="1" noProof="1" smtClean="0">
+                <a:solidFill>
+                  <a:schemeClr val="bg1"/>
+                </a:solidFill>
+                <a:latin typeface="Times New Roman" pitchFamily="18" charset="0"/>
+                <a:cs typeface="Times New Roman" pitchFamily="18" charset="0"/>
+              </a:rPr>
+              <a:t>automată </a:t>
+            </a:r>
+            <a:r>
+              <a:rPr lang="ro-RO" b="1" noProof="1" smtClean="0">
+                <a:solidFill>
+                  <a:schemeClr val="bg1"/>
+                </a:solidFill>
+                <a:latin typeface="Times New Roman" pitchFamily="18" charset="0"/>
+                <a:cs typeface="Times New Roman" pitchFamily="18" charset="0"/>
+              </a:rPr>
+              <a:t>a </a:t>
+            </a:r>
+            <a:r>
+              <a:rPr lang="ro-RO" b="1" noProof="1" smtClean="0">
+                <a:solidFill>
+                  <a:schemeClr val="bg1"/>
+                </a:solidFill>
+                <a:latin typeface="Times New Roman" pitchFamily="18" charset="0"/>
+                <a:cs typeface="Times New Roman" pitchFamily="18" charset="0"/>
+              </a:rPr>
+              <a:t>funcţionalităţilor </a:t>
+            </a:r>
+            <a:r>
+              <a:rPr lang="ro-RO" b="1" noProof="1" smtClean="0">
+                <a:solidFill>
+                  <a:schemeClr val="bg1"/>
+                </a:solidFill>
+                <a:latin typeface="Times New Roman" pitchFamily="18" charset="0"/>
+                <a:cs typeface="Times New Roman" pitchFamily="18" charset="0"/>
+              </a:rPr>
+              <a:t>unui computer de bord</a:t>
             </a:r>
             <a:endParaRPr lang="ro-RO" b="1" noProof="1">
               <a:solidFill>
@@ -2080,7 +2140,21 @@
                 <a:latin typeface="Times New Roman" pitchFamily="18" charset="0"/>
                 <a:cs typeface="Times New Roman" pitchFamily="18" charset="0"/>
               </a:rPr>
-              <a:t>Inlocuirea AWT cu Swing</a:t>
+              <a:t>Î</a:t>
+            </a:r>
+            <a:r>
+              <a:rPr lang="ro-RO" b="1" noProof="1" smtClean="0">
+                <a:latin typeface="Times New Roman" pitchFamily="18" charset="0"/>
+                <a:cs typeface="Times New Roman" pitchFamily="18" charset="0"/>
+              </a:rPr>
+              <a:t>nlocuirea </a:t>
+            </a:r>
+            <a:r>
+              <a:rPr lang="ro-RO" b="1" noProof="1" smtClean="0">
+                <a:latin typeface="Times New Roman" pitchFamily="18" charset="0"/>
+                <a:cs typeface="Times New Roman" pitchFamily="18" charset="0"/>
+              </a:rPr>
+              <a:t>AWT cu Swing</a:t>
             </a:r>
             <a:endParaRPr lang="en-US" b="1" noProof="1" smtClean="0">
               <a:latin typeface="Times New Roman" pitchFamily="18" charset="0"/>
@@ -2099,7 +2173,28 @@
                 <a:latin typeface="Times New Roman" pitchFamily="18" charset="0"/>
                 <a:cs typeface="Times New Roman" pitchFamily="18" charset="0"/>
               </a:rPr>
-              <a:t>Interfata cu utilizatorul</a:t>
+              <a:t>Interfa</a:t>
+            </a:r>
+            <a:r>
+              <a:rPr lang="ro-RO" b="1" noProof="1" smtClean="0">
+                <a:latin typeface="Times New Roman" pitchFamily="18" charset="0"/>
+                <a:cs typeface="Times New Roman" pitchFamily="18" charset="0"/>
+              </a:rPr>
+              <a:t>ţ</a:t>
+            </a:r>
+            <a:r>
+              <a:rPr lang="en-US" b="1" noProof="1" smtClean="0">
+                <a:latin typeface="Times New Roman" pitchFamily="18" charset="0"/>
+                <a:cs typeface="Times New Roman" pitchFamily="18" charset="0"/>
+              </a:rPr>
+              <a:t>a </a:t>
+            </a:r>
+            <a:r>
+              <a:rPr lang="en-US" b="1" noProof="1" smtClean="0">
+                <a:latin typeface="Times New Roman" pitchFamily="18" charset="0"/>
+                <a:cs typeface="Times New Roman" pitchFamily="18" charset="0"/>
+              </a:rPr>
+              <a:t>cu utilizatorul</a:t>
             </a:r>
           </a:p>
           <a:p>
@@ -2266,7 +2361,35 @@
                 <a:latin typeface="Times New Roman" pitchFamily="18" charset="0"/>
                 <a:cs typeface="Times New Roman" pitchFamily="18" charset="0"/>
               </a:rPr>
-              <a:t>O vedere generala asupra proiectului poate fi descrisa de figura de mai jos, in care sunt prezentate 4 componente principale denumite generic </a:t>
+              <a:t>O vedere generala asupra proiectului poate fi </a:t>
+            </a:r>
+            <a:r>
+              <a:rPr lang="ro-RO" sz="2400" noProof="1" smtClean="0">
+                <a:latin typeface="Times New Roman" pitchFamily="18" charset="0"/>
+                <a:cs typeface="Times New Roman" pitchFamily="18" charset="0"/>
+              </a:rPr>
+              <a:t>descrisă </a:t>
+            </a:r>
+            <a:r>
+              <a:rPr lang="ro-RO" sz="2400" noProof="1" smtClean="0">
+                <a:latin typeface="Times New Roman" pitchFamily="18" charset="0"/>
+                <a:cs typeface="Times New Roman" pitchFamily="18" charset="0"/>
+              </a:rPr>
+              <a:t>de figura de mai jos, </a:t>
+            </a:r>
+            <a:r>
+              <a:rPr lang="ro-RO" sz="2400" noProof="1" smtClean="0">
+                <a:latin typeface="Times New Roman" pitchFamily="18" charset="0"/>
+                <a:cs typeface="Times New Roman" pitchFamily="18" charset="0"/>
+              </a:rPr>
+              <a:t>în </a:t>
+            </a:r>
+            <a:r>
+              <a:rPr lang="ro-RO" sz="2400" noProof="1" smtClean="0">
+                <a:latin typeface="Times New Roman" pitchFamily="18" charset="0"/>
+                <a:cs typeface="Times New Roman" pitchFamily="18" charset="0"/>
+              </a:rPr>
+              <a:t>care sunt prezentate 4 componente principale denumite generic </a:t>
             </a:r>
             <a:r>
               <a:rPr lang="ro-RO" sz="2400" b="1" noProof="1" smtClean="0">
@@ -2287,7 +2410,14 @@
                 <a:latin typeface="Times New Roman" pitchFamily="18" charset="0"/>
                 <a:cs typeface="Times New Roman" pitchFamily="18" charset="0"/>
               </a:rPr>
-              <a:t>Interfata cu utilizatorul</a:t>
+              <a:t>Interfaţa </a:t>
+            </a:r>
+            <a:r>
+              <a:rPr lang="ro-RO" sz="2400" b="1" noProof="1" smtClean="0">
+                <a:latin typeface="Times New Roman" pitchFamily="18" charset="0"/>
+                <a:cs typeface="Times New Roman" pitchFamily="18" charset="0"/>
+              </a:rPr>
+              <a:t>cu utilizatorul</a:t>
             </a:r>
             <a:r>
               <a:rPr lang="ro-RO" sz="2400" noProof="1" smtClean="0">
@@ -2871,7 +3001,28 @@
                 <a:latin typeface="Times New Roman" pitchFamily="18" charset="0"/>
                 <a:cs typeface="Times New Roman" pitchFamily="18" charset="0"/>
               </a:rPr>
-              <a:t>Atributii principale:</a:t>
+              <a:t>Atribu</a:t>
+            </a:r>
+            <a:r>
+              <a:rPr lang="ro-RO" b="1" noProof="1" smtClean="0">
+                <a:latin typeface="Times New Roman" pitchFamily="18" charset="0"/>
+                <a:cs typeface="Times New Roman" pitchFamily="18" charset="0"/>
+              </a:rPr>
+              <a:t>ţ</a:t>
+            </a:r>
+            <a:r>
+              <a:rPr lang="en-US" b="1" noProof="1" smtClean="0">
+                <a:latin typeface="Times New Roman" pitchFamily="18" charset="0"/>
+                <a:cs typeface="Times New Roman" pitchFamily="18" charset="0"/>
+              </a:rPr>
+              <a:t>ii </a:t>
+            </a:r>
+            <a:r>
+              <a:rPr lang="en-US" b="1" noProof="1" smtClean="0">
+                <a:latin typeface="Times New Roman" pitchFamily="18" charset="0"/>
+                <a:cs typeface="Times New Roman" pitchFamily="18" charset="0"/>
+              </a:rPr>
+              <a:t>principale:</a:t>
             </a:r>
           </a:p>
           <a:p>
@@ -2881,7 +3032,42 @@
                 <a:latin typeface="Times New Roman" pitchFamily="18" charset="0"/>
                 <a:cs typeface="Times New Roman" pitchFamily="18" charset="0"/>
               </a:rPr>
-              <a:t>calculul de coordonate in spatiul de lucru al componentelor Swing</a:t>
+              <a:t>calculul de coordonate </a:t>
+            </a:r>
+            <a:r>
+              <a:rPr lang="ro-RO" noProof="1" smtClean="0">
+                <a:latin typeface="Times New Roman" pitchFamily="18" charset="0"/>
+                <a:cs typeface="Times New Roman" pitchFamily="18" charset="0"/>
+              </a:rPr>
+              <a:t>î</a:t>
+            </a:r>
+            <a:r>
+              <a:rPr lang="en-US" noProof="1" smtClean="0">
+                <a:latin typeface="Times New Roman" pitchFamily="18" charset="0"/>
+                <a:cs typeface="Times New Roman" pitchFamily="18" charset="0"/>
+              </a:rPr>
+              <a:t>n spa</a:t>
+            </a:r>
+            <a:r>
+              <a:rPr lang="ro-RO" noProof="1" smtClean="0">
+                <a:latin typeface="Times New Roman" pitchFamily="18" charset="0"/>
+                <a:cs typeface="Times New Roman" pitchFamily="18" charset="0"/>
+              </a:rPr>
+              <a:t>ţ</a:t>
+            </a:r>
+            <a:r>
+              <a:rPr lang="en-US" noProof="1" smtClean="0">
+                <a:latin typeface="Times New Roman" pitchFamily="18" charset="0"/>
+                <a:cs typeface="Times New Roman" pitchFamily="18" charset="0"/>
+              </a:rPr>
+              <a:t>iul </a:t>
+            </a:r>
+            <a:r>
+              <a:rPr lang="en-US" noProof="1" smtClean="0">
+                <a:latin typeface="Times New Roman" pitchFamily="18" charset="0"/>
+                <a:cs typeface="Times New Roman" pitchFamily="18" charset="0"/>
+              </a:rPr>
+              <a:t>de lucru al componentelor Swing</a:t>
             </a:r>
           </a:p>
           <a:p>
@@ -2891,8 +3077,33 @@
                 <a:latin typeface="Times New Roman" pitchFamily="18" charset="0"/>
                 <a:cs typeface="Times New Roman" pitchFamily="18" charset="0"/>
               </a:rPr>
-              <a:t>desenarea interfetei</a:t>
-            </a:r>
+              <a:t>desenarea </a:t>
+            </a:r>
+            <a:r>
+              <a:rPr lang="en-US" noProof="1" smtClean="0">
+                <a:latin typeface="Times New Roman" pitchFamily="18" charset="0"/>
+                <a:cs typeface="Times New Roman" pitchFamily="18" charset="0"/>
+              </a:rPr>
+              <a:t>interfe</a:t>
+            </a:r>
+            <a:r>
+              <a:rPr lang="ro-RO" noProof="1" smtClean="0">
+                <a:latin typeface="Times New Roman" pitchFamily="18" charset="0"/>
+                <a:cs typeface="Times New Roman" pitchFamily="18" charset="0"/>
+              </a:rPr>
+              <a:t>ţ</a:t>
+            </a:r>
+            <a:r>
+              <a:rPr lang="en-US" noProof="1" smtClean="0">
+                <a:latin typeface="Times New Roman" pitchFamily="18" charset="0"/>
+                <a:cs typeface="Times New Roman" pitchFamily="18" charset="0"/>
+              </a:rPr>
+              <a:t>ei</a:t>
+            </a:r>
+            <a:endParaRPr lang="en-US" noProof="1" smtClean="0">
+              <a:latin typeface="Times New Roman" pitchFamily="18" charset="0"/>
+              <a:cs typeface="Times New Roman" pitchFamily="18" charset="0"/>
+            </a:endParaRPr>
           </a:p>
           <a:p>
             <a:pPr lvl="1"/>
@@ -2901,7 +3112,63 @@
                 <a:latin typeface="Times New Roman" pitchFamily="18" charset="0"/>
                 <a:cs typeface="Times New Roman" pitchFamily="18" charset="0"/>
               </a:rPr>
-              <a:t>calculul marimilor de interes (viteza, turatie etc.) </a:t>
+              <a:t>calculul </a:t>
+            </a:r>
+            <a:r>
+              <a:rPr lang="en-US" noProof="1" smtClean="0">
+                <a:latin typeface="Times New Roman" pitchFamily="18" charset="0"/>
+                <a:cs typeface="Times New Roman" pitchFamily="18" charset="0"/>
+              </a:rPr>
+              <a:t>m</a:t>
+            </a:r>
+            <a:r>
+              <a:rPr lang="ro-RO" noProof="1" smtClean="0">
+                <a:latin typeface="Times New Roman" pitchFamily="18" charset="0"/>
+                <a:cs typeface="Times New Roman" pitchFamily="18" charset="0"/>
+              </a:rPr>
+              <a:t>ă</a:t>
+            </a:r>
+            <a:r>
+              <a:rPr lang="en-US" noProof="1" smtClean="0">
+                <a:latin typeface="Times New Roman" pitchFamily="18" charset="0"/>
+                <a:cs typeface="Times New Roman" pitchFamily="18" charset="0"/>
+              </a:rPr>
+              <a:t>rimilor </a:t>
+            </a:r>
+            <a:r>
+              <a:rPr lang="en-US" noProof="1" smtClean="0">
+                <a:latin typeface="Times New Roman" pitchFamily="18" charset="0"/>
+                <a:cs typeface="Times New Roman" pitchFamily="18" charset="0"/>
+              </a:rPr>
+              <a:t>de interes (viteza, </a:t>
+            </a:r>
+            <a:r>
+              <a:rPr lang="en-US" noProof="1" smtClean="0">
+                <a:latin typeface="Times New Roman" pitchFamily="18" charset="0"/>
+                <a:cs typeface="Times New Roman" pitchFamily="18" charset="0"/>
+              </a:rPr>
+              <a:t>tura</a:t>
+            </a:r>
+            <a:r>
+              <a:rPr lang="ro-RO" noProof="1" smtClean="0">
+                <a:latin typeface="Times New Roman" pitchFamily="18" charset="0"/>
+                <a:cs typeface="Times New Roman" pitchFamily="18" charset="0"/>
+              </a:rPr>
+              <a:t>ţ</a:t>
+            </a:r>
+            <a:r>
+              <a:rPr lang="en-US" noProof="1" smtClean="0">
+                <a:latin typeface="Times New Roman" pitchFamily="18" charset="0"/>
+                <a:cs typeface="Times New Roman" pitchFamily="18" charset="0"/>
+              </a:rPr>
+              <a:t>ie </a:t>
+            </a:r>
+            <a:r>
+              <a:rPr lang="en-US" noProof="1" smtClean="0">
+                <a:latin typeface="Times New Roman" pitchFamily="18" charset="0"/>
+                <a:cs typeface="Times New Roman" pitchFamily="18" charset="0"/>
+              </a:rPr>
+              <a:t>etc.) </a:t>
             </a:r>
           </a:p>
           <a:p>
@@ -2926,12 +3193,79 @@
           <a:p>
             <a:pPr lvl="1"/>
             <a:r>
+              <a:rPr lang="ro-RO" noProof="1" smtClean="0">
+                <a:latin typeface="Times New Roman" pitchFamily="18" charset="0"/>
+                <a:cs typeface="Times New Roman" pitchFamily="18" charset="0"/>
+              </a:rPr>
+              <a:t>Î</a:t>
+            </a:r>
+            <a:r>
               <a:rPr lang="en-US" noProof="1" smtClean="0">
                 <a:latin typeface="Times New Roman" pitchFamily="18" charset="0"/>
                 <a:cs typeface="Times New Roman" pitchFamily="18" charset="0"/>
               </a:rPr>
-              <a:t>Impartirea in zone a interfetei</a:t>
-            </a:r>
+              <a:t>mpar</a:t>
+            </a:r>
+            <a:r>
+              <a:rPr lang="ro-RO" noProof="1" smtClean="0">
+                <a:latin typeface="Times New Roman" pitchFamily="18" charset="0"/>
+                <a:cs typeface="Times New Roman" pitchFamily="18" charset="0"/>
+              </a:rPr>
+              <a:t>ţ</a:t>
+            </a:r>
+            <a:r>
+              <a:rPr lang="en-US" noProof="1" smtClean="0">
+                <a:latin typeface="Times New Roman" pitchFamily="18" charset="0"/>
+                <a:cs typeface="Times New Roman" pitchFamily="18" charset="0"/>
+              </a:rPr>
+              <a:t>irea </a:t>
+            </a:r>
+            <a:r>
+              <a:rPr lang="ro-RO" noProof="1" smtClean="0">
+                <a:latin typeface="Times New Roman" pitchFamily="18" charset="0"/>
+                <a:cs typeface="Times New Roman" pitchFamily="18" charset="0"/>
+              </a:rPr>
+              <a:t>î</a:t>
+            </a:r>
+            <a:r>
+              <a:rPr lang="en-US" noProof="1" smtClean="0">
+                <a:latin typeface="Times New Roman" pitchFamily="18" charset="0"/>
+                <a:cs typeface="Times New Roman" pitchFamily="18" charset="0"/>
+              </a:rPr>
+              <a:t>n </a:t>
+            </a:r>
+            <a:r>
+              <a:rPr lang="en-US" noProof="1" smtClean="0">
+                <a:latin typeface="Times New Roman" pitchFamily="18" charset="0"/>
+                <a:cs typeface="Times New Roman" pitchFamily="18" charset="0"/>
+              </a:rPr>
+              <a:t>zone a </a:t>
+            </a:r>
+            <a:r>
+              <a:rPr lang="en-US" noProof="1" smtClean="0">
+                <a:latin typeface="Times New Roman" pitchFamily="18" charset="0"/>
+                <a:cs typeface="Times New Roman" pitchFamily="18" charset="0"/>
+              </a:rPr>
+              <a:t>interfe</a:t>
+            </a:r>
+            <a:r>
+              <a:rPr lang="ro-RO" noProof="1" smtClean="0">
+                <a:latin typeface="Times New Roman" pitchFamily="18" charset="0"/>
+                <a:cs typeface="Times New Roman" pitchFamily="18" charset="0"/>
+              </a:rPr>
+              <a:t>ţ</a:t>
+            </a:r>
+            <a:r>
+              <a:rPr lang="en-US" noProof="1" smtClean="0">
+                <a:latin typeface="Times New Roman" pitchFamily="18" charset="0"/>
+                <a:cs typeface="Times New Roman" pitchFamily="18" charset="0"/>
+              </a:rPr>
+              <a:t>ei</a:t>
+            </a:r>
+            <a:endParaRPr lang="en-US" noProof="1" smtClean="0">
+              <a:latin typeface="Times New Roman" pitchFamily="18" charset="0"/>
+              <a:cs typeface="Times New Roman" pitchFamily="18" charset="0"/>
+            </a:endParaRPr>
           </a:p>
           <a:p>
             <a:pPr lvl="1"/>
@@ -2940,8 +3274,26 @@
                 <a:latin typeface="Times New Roman" pitchFamily="18" charset="0"/>
                 <a:cs typeface="Times New Roman" pitchFamily="18" charset="0"/>
               </a:rPr>
-              <a:t>Regresia polinomiala</a:t>
-            </a:r>
+              <a:t>Regresia </a:t>
+            </a:r>
+            <a:r>
+              <a:rPr lang="en-US" noProof="1" smtClean="0">
+                <a:latin typeface="Times New Roman" pitchFamily="18" charset="0"/>
+                <a:cs typeface="Times New Roman" pitchFamily="18" charset="0"/>
+              </a:rPr>
+              <a:t>polinomial</a:t>
+            </a:r>
+            <a:r>
+              <a:rPr lang="ro-RO" noProof="1" smtClean="0">
+                <a:latin typeface="Times New Roman" pitchFamily="18" charset="0"/>
+                <a:cs typeface="Times New Roman" pitchFamily="18" charset="0"/>
+              </a:rPr>
+              <a:t>ă</a:t>
+            </a:r>
+            <a:endParaRPr lang="en-US" noProof="1" smtClean="0">
+              <a:latin typeface="Times New Roman" pitchFamily="18" charset="0"/>
+              <a:cs typeface="Times New Roman" pitchFamily="18" charset="0"/>
+            </a:endParaRPr>
           </a:p>
           <a:p>
             <a:pPr lvl="1"/>
@@ -3086,11 +3438,53 @@
           </a:p>
           <a:p>
             <a:r>
+              <a:rPr lang="ro-RO" b="1" noProof="1" smtClean="0">
+                <a:latin typeface="Times New Roman" pitchFamily="18" charset="0"/>
+                <a:cs typeface="Times New Roman" pitchFamily="18" charset="0"/>
+              </a:rPr>
+              <a:t>Î</a:t>
+            </a:r>
+            <a:r>
               <a:rPr lang="en-US" b="1" noProof="1" smtClean="0">
                 <a:latin typeface="Times New Roman" pitchFamily="18" charset="0"/>
                 <a:cs typeface="Times New Roman" pitchFamily="18" charset="0"/>
               </a:rPr>
-              <a:t>Impartirea in zone a simulatorului</a:t>
+              <a:t>mpar</a:t>
+            </a:r>
+            <a:r>
+              <a:rPr lang="ro-RO" b="1" noProof="1" smtClean="0">
+                <a:latin typeface="Times New Roman" pitchFamily="18" charset="0"/>
+                <a:cs typeface="Times New Roman" pitchFamily="18" charset="0"/>
+              </a:rPr>
+              <a:t>ţ</a:t>
+            </a:r>
+            <a:r>
+              <a:rPr lang="en-US" b="1" noProof="1" smtClean="0">
+                <a:latin typeface="Times New Roman" pitchFamily="18" charset="0"/>
+                <a:cs typeface="Times New Roman" pitchFamily="18" charset="0"/>
+              </a:rPr>
+              <a:t>irea </a:t>
+            </a:r>
+            <a:r>
+              <a:rPr lang="ro-RO" b="1" noProof="1" smtClean="0">
+                <a:latin typeface="Times New Roman" pitchFamily="18" charset="0"/>
+                <a:cs typeface="Times New Roman" pitchFamily="18" charset="0"/>
+              </a:rPr>
+              <a:t>î</a:t>
+            </a:r>
+            <a:r>
+              <a:rPr lang="en-US" b="1" noProof="1" smtClean="0">
+                <a:latin typeface="Times New Roman" pitchFamily="18" charset="0"/>
+                <a:cs typeface="Times New Roman" pitchFamily="18" charset="0"/>
+              </a:rPr>
+              <a:t>n </a:t>
+            </a:r>
+            <a:r>
+              <a:rPr lang="en-US" b="1" noProof="1" smtClean="0">
+                <a:latin typeface="Times New Roman" pitchFamily="18" charset="0"/>
+                <a:cs typeface="Times New Roman" pitchFamily="18" charset="0"/>
+              </a:rPr>
+              <a:t>zone a simulatorului</a:t>
             </a:r>
           </a:p>
           <a:p>
@@ -3125,8 +3519,26 @@
                 <a:latin typeface="Times New Roman" pitchFamily="18" charset="0"/>
                 <a:cs typeface="Times New Roman" pitchFamily="18" charset="0"/>
               </a:rPr>
-              <a:t>Regresia polinomiala</a:t>
-            </a:r>
+              <a:t>Regresia </a:t>
+            </a:r>
+            <a:r>
+              <a:rPr lang="en-US" b="1" noProof="1" smtClean="0">
+                <a:latin typeface="Times New Roman" pitchFamily="18" charset="0"/>
+                <a:cs typeface="Times New Roman" pitchFamily="18" charset="0"/>
+              </a:rPr>
+              <a:t>polinomial</a:t>
+            </a:r>
+            <a:r>
+              <a:rPr lang="ro-RO" b="1" noProof="1" smtClean="0">
+                <a:latin typeface="Times New Roman" pitchFamily="18" charset="0"/>
+                <a:cs typeface="Times New Roman" pitchFamily="18" charset="0"/>
+              </a:rPr>
+              <a:t>ă</a:t>
+            </a:r>
+            <a:endParaRPr lang="en-US" b="1" noProof="1" smtClean="0">
+              <a:latin typeface="Times New Roman" pitchFamily="18" charset="0"/>
+              <a:cs typeface="Times New Roman" pitchFamily="18" charset="0"/>
+            </a:endParaRPr>
           </a:p>
           <a:p>
             <a:endParaRPr lang="en-US" noProof="1" smtClean="0">
@@ -3698,7 +4110,35 @@
                 <a:latin typeface="Times New Roman" pitchFamily="18" charset="0"/>
                 <a:cs typeface="Times New Roman" pitchFamily="18" charset="0"/>
               </a:rPr>
-              <a:t>Exemplu de vedere arborescenta a clasei </a:t>
+              <a:t>Exemplu de vedere </a:t>
+            </a:r>
+            <a:r>
+              <a:rPr lang="en-US" sz="2400" b="1" noProof="1" smtClean="0">
+                <a:latin typeface="Times New Roman" pitchFamily="18" charset="0"/>
+                <a:cs typeface="Times New Roman" pitchFamily="18" charset="0"/>
+              </a:rPr>
+              <a:t>arborescent</a:t>
+            </a:r>
+            <a:r>
+              <a:rPr lang="ro-RO" sz="2400" b="1" noProof="1" smtClean="0">
+                <a:latin typeface="Times New Roman" pitchFamily="18" charset="0"/>
+                <a:cs typeface="Times New Roman" pitchFamily="18" charset="0"/>
+              </a:rPr>
+              <a:t>ă</a:t>
+            </a:r>
+            <a:r>
+              <a:rPr lang="en-US" sz="2400" b="1" noProof="1" smtClean="0">
+                <a:latin typeface="Times New Roman" pitchFamily="18" charset="0"/>
+                <a:cs typeface="Times New Roman" pitchFamily="18" charset="0"/>
+              </a:rPr>
+              <a:t> </a:t>
+            </a:r>
+            <a:r>
+              <a:rPr lang="en-US" sz="2400" b="1" noProof="1" smtClean="0">
+                <a:latin typeface="Times New Roman" pitchFamily="18" charset="0"/>
+                <a:cs typeface="Times New Roman" pitchFamily="18" charset="0"/>
+              </a:rPr>
+              <a:t>a clasei </a:t>
             </a:r>
           </a:p>
           <a:p>
@@ -3926,15 +4366,120 @@
                 <a:latin typeface="Times New Roman" pitchFamily="18" charset="0"/>
                 <a:cs typeface="Times New Roman" pitchFamily="18" charset="0"/>
               </a:rPr>
-              <a:t>Componenta a aplicatiei parte a functionarii automate</a:t>
-            </a:r>
-          </a:p>
-          <a:p>
+              <a:t>Component</a:t>
+            </a:r>
+            <a:r>
+              <a:rPr lang="ro-RO" sz="2400" b="1" noProof="1" smtClean="0">
+                <a:latin typeface="Times New Roman" pitchFamily="18" charset="0"/>
+                <a:cs typeface="Times New Roman" pitchFamily="18" charset="0"/>
+              </a:rPr>
+              <a:t>ă</a:t>
+            </a:r>
             <a:r>
               <a:rPr lang="en-US" sz="2400" b="1" noProof="1" smtClean="0">
                 <a:latin typeface="Times New Roman" pitchFamily="18" charset="0"/>
                 <a:cs typeface="Times New Roman" pitchFamily="18" charset="0"/>
               </a:rPr>
+              <a:t> </a:t>
+            </a:r>
+            <a:r>
+              <a:rPr lang="en-US" sz="2400" b="1" noProof="1" smtClean="0">
+                <a:latin typeface="Times New Roman" pitchFamily="18" charset="0"/>
+                <a:cs typeface="Times New Roman" pitchFamily="18" charset="0"/>
+              </a:rPr>
+              <a:t>a </a:t>
+            </a:r>
+            <a:r>
+              <a:rPr lang="en-US" sz="2400" b="1" noProof="1" smtClean="0">
+                <a:latin typeface="Times New Roman" pitchFamily="18" charset="0"/>
+                <a:cs typeface="Times New Roman" pitchFamily="18" charset="0"/>
+              </a:rPr>
+              <a:t>aplica</a:t>
+            </a:r>
+            <a:r>
+              <a:rPr lang="ro-RO" sz="2400" b="1" noProof="1" smtClean="0">
+                <a:latin typeface="Times New Roman" pitchFamily="18" charset="0"/>
+                <a:cs typeface="Times New Roman" pitchFamily="18" charset="0"/>
+              </a:rPr>
+              <a:t>ţ</a:t>
+            </a:r>
+            <a:r>
+              <a:rPr lang="en-US" sz="2400" b="1" noProof="1" smtClean="0">
+                <a:latin typeface="Times New Roman" pitchFamily="18" charset="0"/>
+                <a:cs typeface="Times New Roman" pitchFamily="18" charset="0"/>
+              </a:rPr>
+              <a:t>iei</a:t>
+            </a:r>
+            <a:r>
+              <a:rPr lang="ro-RO" sz="2400" b="1" noProof="1" smtClean="0">
+                <a:latin typeface="Times New Roman" pitchFamily="18" charset="0"/>
+                <a:cs typeface="Times New Roman" pitchFamily="18" charset="0"/>
+              </a:rPr>
+              <a:t>,</a:t>
+            </a:r>
+            <a:r>
+              <a:rPr lang="en-US" sz="2400" b="1" noProof="1" smtClean="0">
+                <a:latin typeface="Times New Roman" pitchFamily="18" charset="0"/>
+                <a:cs typeface="Times New Roman" pitchFamily="18" charset="0"/>
+              </a:rPr>
+              <a:t> </a:t>
+            </a:r>
+            <a:r>
+              <a:rPr lang="en-US" sz="2400" b="1" noProof="1" smtClean="0">
+                <a:latin typeface="Times New Roman" pitchFamily="18" charset="0"/>
+                <a:cs typeface="Times New Roman" pitchFamily="18" charset="0"/>
+              </a:rPr>
+              <a:t>parte a </a:t>
+            </a:r>
+            <a:r>
+              <a:rPr lang="en-US" sz="2400" b="1" noProof="1" smtClean="0">
+                <a:latin typeface="Times New Roman" pitchFamily="18" charset="0"/>
+                <a:cs typeface="Times New Roman" pitchFamily="18" charset="0"/>
+              </a:rPr>
+              <a:t>func</a:t>
+            </a:r>
+            <a:r>
+              <a:rPr lang="ro-RO" sz="2400" b="1" noProof="1" smtClean="0">
+                <a:latin typeface="Times New Roman" pitchFamily="18" charset="0"/>
+                <a:cs typeface="Times New Roman" pitchFamily="18" charset="0"/>
+              </a:rPr>
+              <a:t>ţ</a:t>
+            </a:r>
+            <a:r>
+              <a:rPr lang="en-US" sz="2400" b="1" noProof="1" smtClean="0">
+                <a:latin typeface="Times New Roman" pitchFamily="18" charset="0"/>
+                <a:cs typeface="Times New Roman" pitchFamily="18" charset="0"/>
+              </a:rPr>
+              <a:t>ion</a:t>
+            </a:r>
+            <a:r>
+              <a:rPr lang="ro-RO" sz="2400" b="1" noProof="1" smtClean="0">
+                <a:latin typeface="Times New Roman" pitchFamily="18" charset="0"/>
+                <a:cs typeface="Times New Roman" pitchFamily="18" charset="0"/>
+              </a:rPr>
+              <a:t>ă</a:t>
+            </a:r>
+            <a:r>
+              <a:rPr lang="en-US" sz="2400" b="1" noProof="1" smtClean="0">
+                <a:latin typeface="Times New Roman" pitchFamily="18" charset="0"/>
+                <a:cs typeface="Times New Roman" pitchFamily="18" charset="0"/>
+              </a:rPr>
+              <a:t>rii </a:t>
+            </a:r>
+            <a:r>
+              <a:rPr lang="en-US" sz="2400" b="1" noProof="1" smtClean="0">
+                <a:latin typeface="Times New Roman" pitchFamily="18" charset="0"/>
+                <a:cs typeface="Times New Roman" pitchFamily="18" charset="0"/>
+              </a:rPr>
+              <a:t>automate</a:t>
+            </a:r>
+          </a:p>
+          <a:p>
+            <a:r>
+              <a:rPr lang="en-US" sz="2400" b="1" noProof="1" smtClean="0">
+                <a:latin typeface="Times New Roman" pitchFamily="18" charset="0"/>
+                <a:cs typeface="Times New Roman" pitchFamily="18" charset="0"/>
+              </a:rPr>
               <a:t>Categorii de scenarii:</a:t>
             </a:r>
           </a:p>
@@ -3942,7 +4487,23 @@
             <a:pPr lvl="1"/>
             <a:r>
               <a:rPr lang="ro-RO" sz="2200" dirty="0" smtClean="0"/>
-              <a:t>Scenarii pentru testarea cvasicompleta a functionalitatii (scenarii complexe)</a:t>
+              <a:t>Scenarii pentru testarea </a:t>
+            </a:r>
+            <a:r>
+              <a:rPr lang="ro-RO" sz="2200" dirty="0" smtClean="0"/>
+              <a:t>cvasicompletă </a:t>
+            </a:r>
+            <a:r>
+              <a:rPr lang="ro-RO" sz="2200" dirty="0" smtClean="0"/>
+              <a:t>a </a:t>
+            </a:r>
+            <a:r>
+              <a:rPr lang="ro-RO" sz="2200" dirty="0" smtClean="0"/>
+              <a:t>funcţionalităţii </a:t>
+            </a:r>
+            <a:r>
+              <a:rPr lang="ro-RO" sz="2200" dirty="0" smtClean="0"/>
+              <a:t>(scenarii complexe)</a:t>
             </a:r>
             <a:endParaRPr lang="en-US" sz="2200" dirty="0" smtClean="0"/>
           </a:p>
@@ -3958,7 +4519,15 @@
             <a:pPr lvl="1"/>
             <a:r>
               <a:rPr lang="ro-RO" sz="2200" dirty="0" smtClean="0"/>
-              <a:t>Scenarii pentru testarea unor functionalitati specifice ale indicatoarelor</a:t>
+              <a:t>Scenarii pentru testarea unor </a:t>
+            </a:r>
+            <a:r>
+              <a:rPr lang="ro-RO" sz="2200" dirty="0" smtClean="0"/>
+              <a:t>functionalităţi </a:t>
+            </a:r>
+            <a:r>
+              <a:rPr lang="ro-RO" sz="2200" dirty="0" smtClean="0"/>
+              <a:t>specifice ale indicatoarelor</a:t>
             </a:r>
             <a:endParaRPr lang="en-US" sz="2200" b="1" noProof="1" smtClean="0">
               <a:latin typeface="Times New Roman" pitchFamily="18" charset="0"/>
@@ -3980,7 +4549,63 @@
                 <a:latin typeface="Times New Roman" pitchFamily="18" charset="0"/>
                 <a:cs typeface="Times New Roman" pitchFamily="18" charset="0"/>
               </a:rPr>
-              <a:t>Urmarirea dinamica a pasilor</a:t>
+              <a:t>Urm</a:t>
+            </a:r>
+            <a:r>
+              <a:rPr lang="ro-RO" sz="2400" b="1" noProof="1" smtClean="0">
+                <a:latin typeface="Times New Roman" pitchFamily="18" charset="0"/>
+                <a:cs typeface="Times New Roman" pitchFamily="18" charset="0"/>
+              </a:rPr>
+              <a:t>ă</a:t>
+            </a:r>
+            <a:r>
+              <a:rPr lang="en-US" sz="2400" b="1" noProof="1" smtClean="0">
+                <a:latin typeface="Times New Roman" pitchFamily="18" charset="0"/>
+                <a:cs typeface="Times New Roman" pitchFamily="18" charset="0"/>
+              </a:rPr>
+              <a:t>rirea dinamic</a:t>
+            </a:r>
+            <a:r>
+              <a:rPr lang="ro-RO" sz="2400" b="1" noProof="1" smtClean="0">
+                <a:latin typeface="Times New Roman" pitchFamily="18" charset="0"/>
+                <a:cs typeface="Times New Roman" pitchFamily="18" charset="0"/>
+              </a:rPr>
+              <a:t>ă</a:t>
+            </a:r>
+            <a:r>
+              <a:rPr lang="en-US" sz="2400" b="1" noProof="1" smtClean="0">
+                <a:latin typeface="Times New Roman" pitchFamily="18" charset="0"/>
+                <a:cs typeface="Times New Roman" pitchFamily="18" charset="0"/>
+              </a:rPr>
+              <a:t> </a:t>
+            </a:r>
+            <a:r>
+              <a:rPr lang="en-US" sz="2400" b="1" noProof="1" smtClean="0">
+                <a:latin typeface="Times New Roman" pitchFamily="18" charset="0"/>
+                <a:cs typeface="Times New Roman" pitchFamily="18" charset="0"/>
+              </a:rPr>
+              <a:t>a </a:t>
+            </a:r>
+            <a:r>
+              <a:rPr lang="en-US" sz="2400" b="1" noProof="1" smtClean="0">
+                <a:latin typeface="Times New Roman" pitchFamily="18" charset="0"/>
+                <a:cs typeface="Times New Roman" pitchFamily="18" charset="0"/>
+              </a:rPr>
+              <a:t>pa</a:t>
+            </a:r>
+            <a:r>
+              <a:rPr lang="ro-RO" sz="2400" b="1" noProof="1" smtClean="0">
+                <a:latin typeface="Times New Roman" pitchFamily="18" charset="0"/>
+                <a:cs typeface="Times New Roman" pitchFamily="18" charset="0"/>
+              </a:rPr>
+              <a:t>ş</a:t>
+            </a:r>
+            <a:r>
+              <a:rPr lang="en-US" sz="2400" b="1" noProof="1" smtClean="0">
+                <a:latin typeface="Times New Roman" pitchFamily="18" charset="0"/>
+                <a:cs typeface="Times New Roman" pitchFamily="18" charset="0"/>
+              </a:rPr>
+              <a:t>ilor</a:t>
             </a:r>
             <a:endParaRPr lang="en-US" sz="2400" dirty="0" smtClean="0"/>
           </a:p>
@@ -4134,7 +4759,35 @@
                 <a:latin typeface="Times New Roman" pitchFamily="18" charset="0"/>
                 <a:cs typeface="Times New Roman" pitchFamily="18" charset="0"/>
               </a:rPr>
-              <a:t>Ce a urmarit proiectul</a:t>
+              <a:t>Ce a </a:t>
+            </a:r>
+            <a:r>
+              <a:rPr lang="en-US" b="1" noProof="1" smtClean="0">
+                <a:latin typeface="Times New Roman" pitchFamily="18" charset="0"/>
+                <a:cs typeface="Times New Roman" pitchFamily="18" charset="0"/>
+              </a:rPr>
+              <a:t>urm</a:t>
+            </a:r>
+            <a:r>
+              <a:rPr lang="ro-RO" b="1" noProof="1" smtClean="0">
+                <a:latin typeface="Times New Roman" pitchFamily="18" charset="0"/>
+                <a:cs typeface="Times New Roman" pitchFamily="18" charset="0"/>
+              </a:rPr>
+              <a:t>ă</a:t>
+            </a:r>
+            <a:r>
+              <a:rPr lang="en-US" b="1" noProof="1" smtClean="0">
+                <a:latin typeface="Times New Roman" pitchFamily="18" charset="0"/>
+                <a:cs typeface="Times New Roman" pitchFamily="18" charset="0"/>
+              </a:rPr>
+              <a:t>rit </a:t>
+            </a:r>
+            <a:r>
+              <a:rPr lang="en-US" b="1" noProof="1" smtClean="0">
+                <a:latin typeface="Times New Roman" pitchFamily="18" charset="0"/>
+                <a:cs typeface="Times New Roman" pitchFamily="18" charset="0"/>
+              </a:rPr>
+              <a:t>proiectul</a:t>
             </a:r>
           </a:p>
           <a:p>
@@ -4156,12 +4809,30 @@
           <a:p>
             <a:pPr lvl="1"/>
             <a:r>
-              <a:rPr lang="en-US" sz="2800" b="1" noProof="1" smtClean="0">
-                <a:latin typeface="Times New Roman" pitchFamily="18" charset="0"/>
-                <a:cs typeface="Times New Roman" pitchFamily="18" charset="0"/>
-              </a:rPr>
-              <a:t>Testare automata</a:t>
-            </a:r>
+              <a:rPr lang="en-US" b="1" noProof="1" smtClean="0">
+                <a:latin typeface="Times New Roman" pitchFamily="18" charset="0"/>
+                <a:cs typeface="Times New Roman" pitchFamily="18" charset="0"/>
+              </a:rPr>
+              <a:t>Testare </a:t>
+            </a:r>
+            <a:r>
+              <a:rPr lang="en-US" b="1" noProof="1" smtClean="0">
+                <a:latin typeface="Times New Roman" pitchFamily="18" charset="0"/>
+                <a:cs typeface="Times New Roman" pitchFamily="18" charset="0"/>
+              </a:rPr>
+              <a:t>automat</a:t>
+            </a:r>
+            <a:r>
+              <a:rPr lang="ro-RO" b="1" noProof="1" smtClean="0">
+                <a:latin typeface="Times New Roman" pitchFamily="18" charset="0"/>
+                <a:cs typeface="Times New Roman" pitchFamily="18" charset="0"/>
+              </a:rPr>
+              <a:t>ă</a:t>
+            </a:r>
+            <a:endParaRPr lang="en-US" b="1" noProof="1" smtClean="0">
+              <a:latin typeface="Times New Roman" pitchFamily="18" charset="0"/>
+              <a:cs typeface="Times New Roman" pitchFamily="18" charset="0"/>
+            </a:endParaRPr>
           </a:p>
           <a:p>
             <a:pPr lvl="1"/>
@@ -4186,7 +4857,56 @@
                 <a:latin typeface="Times New Roman" pitchFamily="18" charset="0"/>
                 <a:cs typeface="Times New Roman" pitchFamily="18" charset="0"/>
               </a:rPr>
-              <a:t>a functionalitatilor unui computer de bord</a:t>
+              <a:t>a </a:t>
+            </a:r>
+            <a:r>
+              <a:rPr lang="en-US" sz="2400" noProof="1" smtClean="0">
+                <a:latin typeface="Times New Roman" pitchFamily="18" charset="0"/>
+                <a:cs typeface="Times New Roman" pitchFamily="18" charset="0"/>
+              </a:rPr>
+              <a:t>func</a:t>
+            </a:r>
+            <a:r>
+              <a:rPr lang="ro-RO" sz="2400" noProof="1" smtClean="0">
+                <a:latin typeface="Times New Roman" pitchFamily="18" charset="0"/>
+                <a:cs typeface="Times New Roman" pitchFamily="18" charset="0"/>
+              </a:rPr>
+              <a:t>ţ</a:t>
+            </a:r>
+            <a:r>
+              <a:rPr lang="en-US" sz="2400" noProof="1" smtClean="0">
+                <a:latin typeface="Times New Roman" pitchFamily="18" charset="0"/>
+                <a:cs typeface="Times New Roman" pitchFamily="18" charset="0"/>
+              </a:rPr>
+              <a:t>ionalit</a:t>
+            </a:r>
+            <a:r>
+              <a:rPr lang="ro-RO" sz="2400" noProof="1" smtClean="0">
+                <a:latin typeface="Times New Roman" pitchFamily="18" charset="0"/>
+                <a:cs typeface="Times New Roman" pitchFamily="18" charset="0"/>
+              </a:rPr>
+              <a:t>ă</a:t>
+            </a:r>
+            <a:r>
+              <a:rPr lang="ro-RO" sz="2400" noProof="1" smtClean="0">
+                <a:latin typeface="Times New Roman" pitchFamily="18" charset="0"/>
+                <a:cs typeface="Times New Roman" pitchFamily="18" charset="0"/>
+              </a:rPr>
+              <a:t>ţ</a:t>
+            </a:r>
+            <a:r>
+              <a:rPr lang="en-US" sz="2400" noProof="1" smtClean="0">
+                <a:latin typeface="Times New Roman" pitchFamily="18" charset="0"/>
+                <a:cs typeface="Times New Roman" pitchFamily="18" charset="0"/>
+              </a:rPr>
+              <a:t>ilor </a:t>
+            </a:r>
+            <a:r>
+              <a:rPr lang="en-US" sz="2400" noProof="1" smtClean="0">
+                <a:latin typeface="Times New Roman" pitchFamily="18" charset="0"/>
+                <a:cs typeface="Times New Roman" pitchFamily="18" charset="0"/>
+              </a:rPr>
+              <a:t>unui computer de bord</a:t>
             </a:r>
           </a:p>
           <a:p>
@@ -4204,7 +4924,28 @@
                 <a:latin typeface="Times New Roman" pitchFamily="18" charset="0"/>
                 <a:cs typeface="Times New Roman" pitchFamily="18" charset="0"/>
               </a:rPr>
-              <a:t>Dezvoltari viitoare</a:t>
+              <a:t>Dezvolt</a:t>
+            </a:r>
+            <a:r>
+              <a:rPr lang="ro-RO" b="1" noProof="1" smtClean="0">
+                <a:latin typeface="Times New Roman" pitchFamily="18" charset="0"/>
+                <a:cs typeface="Times New Roman" pitchFamily="18" charset="0"/>
+              </a:rPr>
+              <a:t>ă</a:t>
+            </a:r>
+            <a:r>
+              <a:rPr lang="en-US" b="1" noProof="1" smtClean="0">
+                <a:latin typeface="Times New Roman" pitchFamily="18" charset="0"/>
+                <a:cs typeface="Times New Roman" pitchFamily="18" charset="0"/>
+              </a:rPr>
+              <a:t>ri </a:t>
+            </a:r>
+            <a:r>
+              <a:rPr lang="en-US" b="1" noProof="1" smtClean="0">
+                <a:latin typeface="Times New Roman" pitchFamily="18" charset="0"/>
+                <a:cs typeface="Times New Roman" pitchFamily="18" charset="0"/>
+              </a:rPr>
+              <a:t>viitoare</a:t>
             </a:r>
           </a:p>
         </p:txBody>
@@ -4382,7 +5123,35 @@
                 <a:latin typeface="Times New Roman" pitchFamily="18" charset="0"/>
                 <a:cs typeface="Times New Roman" pitchFamily="18" charset="0"/>
               </a:rPr>
-              <a:t>Programare orientata pe obiecte</a:t>
+              <a:t>Programare </a:t>
+            </a:r>
+            <a:r>
+              <a:rPr lang="en-US" noProof="1" smtClean="0">
+                <a:latin typeface="Times New Roman" pitchFamily="18" charset="0"/>
+                <a:cs typeface="Times New Roman" pitchFamily="18" charset="0"/>
+              </a:rPr>
+              <a:t>orientat</a:t>
+            </a:r>
+            <a:r>
+              <a:rPr lang="ro-RO" noProof="1" smtClean="0">
+                <a:latin typeface="Times New Roman" pitchFamily="18" charset="0"/>
+                <a:cs typeface="Times New Roman" pitchFamily="18" charset="0"/>
+              </a:rPr>
+              <a:t>ă</a:t>
+            </a:r>
+            <a:r>
+              <a:rPr lang="en-US" noProof="1" smtClean="0">
+                <a:latin typeface="Times New Roman" pitchFamily="18" charset="0"/>
+                <a:cs typeface="Times New Roman" pitchFamily="18" charset="0"/>
+              </a:rPr>
+              <a:t> </a:t>
+            </a:r>
+            <a:r>
+              <a:rPr lang="en-US" noProof="1" smtClean="0">
+                <a:latin typeface="Times New Roman" pitchFamily="18" charset="0"/>
+                <a:cs typeface="Times New Roman" pitchFamily="18" charset="0"/>
+              </a:rPr>
+              <a:t>pe obiecte</a:t>
             </a:r>
           </a:p>
           <a:p>
@@ -4466,7 +5235,42 @@
                 <a:latin typeface="Times New Roman" pitchFamily="18" charset="0"/>
                 <a:cs typeface="Times New Roman" pitchFamily="18" charset="0"/>
               </a:rPr>
-              <a:t>Interfata grafica cu utilizatorul</a:t>
+              <a:t>Interfa</a:t>
+            </a:r>
+            <a:r>
+              <a:rPr lang="ro-RO" noProof="1" smtClean="0">
+                <a:latin typeface="Times New Roman" pitchFamily="18" charset="0"/>
+                <a:cs typeface="Times New Roman" pitchFamily="18" charset="0"/>
+              </a:rPr>
+              <a:t>ţ</a:t>
+            </a:r>
+            <a:r>
+              <a:rPr lang="en-US" noProof="1" smtClean="0">
+                <a:latin typeface="Times New Roman" pitchFamily="18" charset="0"/>
+                <a:cs typeface="Times New Roman" pitchFamily="18" charset="0"/>
+              </a:rPr>
+              <a:t>a grafic</a:t>
+            </a:r>
+            <a:r>
+              <a:rPr lang="ro-RO" noProof="1" smtClean="0">
+                <a:latin typeface="Times New Roman" pitchFamily="18" charset="0"/>
+                <a:cs typeface="Times New Roman" pitchFamily="18" charset="0"/>
+              </a:rPr>
+              <a:t>ă</a:t>
+            </a:r>
+            <a:r>
+              <a:rPr lang="en-US" noProof="1" smtClean="0">
+                <a:latin typeface="Times New Roman" pitchFamily="18" charset="0"/>
+                <a:cs typeface="Times New Roman" pitchFamily="18" charset="0"/>
+              </a:rPr>
+              <a:t> </a:t>
+            </a:r>
+            <a:r>
+              <a:rPr lang="en-US" noProof="1" smtClean="0">
+                <a:latin typeface="Times New Roman" pitchFamily="18" charset="0"/>
+                <a:cs typeface="Times New Roman" pitchFamily="18" charset="0"/>
+              </a:rPr>
+              <a:t>cu utilizatorul</a:t>
             </a:r>
           </a:p>
           <a:p>
@@ -4817,7 +5621,21 @@
                 <a:latin typeface="Times New Roman" pitchFamily="18" charset="0"/>
                 <a:cs typeface="Times New Roman" pitchFamily="18" charset="0"/>
               </a:rPr>
-              <a:t>Round-Robin cu intreruperi	</a:t>
+              <a:t>Round-Robin cu </a:t>
+            </a:r>
+            <a:r>
+              <a:rPr lang="ro-RO" noProof="1" smtClean="0">
+                <a:latin typeface="Times New Roman" pitchFamily="18" charset="0"/>
+                <a:cs typeface="Times New Roman" pitchFamily="18" charset="0"/>
+              </a:rPr>
+              <a:t>întreruperi</a:t>
+            </a:r>
+            <a:r>
+              <a:rPr lang="ro-RO" noProof="1" smtClean="0">
+                <a:latin typeface="Times New Roman" pitchFamily="18" charset="0"/>
+                <a:cs typeface="Times New Roman" pitchFamily="18" charset="0"/>
+              </a:rPr>
+              <a:t>	</a:t>
             </a:r>
           </a:p>
           <a:p>
@@ -4850,7 +5668,35 @@
                 <a:latin typeface="Times New Roman" pitchFamily="18" charset="0"/>
                 <a:cs typeface="Times New Roman" pitchFamily="18" charset="0"/>
               </a:rPr>
-              <a:t>Problema partajarii datelor</a:t>
+              <a:t>Problema </a:t>
+            </a:r>
+            <a:r>
+              <a:rPr lang="en-US" b="1" noProof="1" smtClean="0">
+                <a:latin typeface="Times New Roman" pitchFamily="18" charset="0"/>
+                <a:cs typeface="Times New Roman" pitchFamily="18" charset="0"/>
+              </a:rPr>
+              <a:t>partaj</a:t>
+            </a:r>
+            <a:r>
+              <a:rPr lang="ro-RO" b="1" noProof="1" smtClean="0">
+                <a:latin typeface="Times New Roman" pitchFamily="18" charset="0"/>
+                <a:cs typeface="Times New Roman" pitchFamily="18" charset="0"/>
+              </a:rPr>
+              <a:t>ă</a:t>
+            </a:r>
+            <a:r>
+              <a:rPr lang="en-US" b="1" noProof="1" smtClean="0">
+                <a:latin typeface="Times New Roman" pitchFamily="18" charset="0"/>
+                <a:cs typeface="Times New Roman" pitchFamily="18" charset="0"/>
+              </a:rPr>
+              <a:t>rii </a:t>
+            </a:r>
+            <a:r>
+              <a:rPr lang="en-US" b="1" noProof="1" smtClean="0">
+                <a:latin typeface="Times New Roman" pitchFamily="18" charset="0"/>
+                <a:cs typeface="Times New Roman" pitchFamily="18" charset="0"/>
+              </a:rPr>
+              <a:t>datelor</a:t>
             </a:r>
           </a:p>
           <a:p>
@@ -4998,7 +5844,21 @@
                 <a:latin typeface="Times New Roman" pitchFamily="18" charset="0"/>
                 <a:cs typeface="Times New Roman" pitchFamily="18" charset="0"/>
               </a:rPr>
-              <a:t>Programarea orientata pe obiecte</a:t>
+              <a:t>Programarea </a:t>
+            </a:r>
+            <a:r>
+              <a:rPr lang="ro-RO" b="1" noProof="1" smtClean="0">
+                <a:latin typeface="Times New Roman" pitchFamily="18" charset="0"/>
+                <a:cs typeface="Times New Roman" pitchFamily="18" charset="0"/>
+              </a:rPr>
+              <a:t>orientată </a:t>
+            </a:r>
+            <a:r>
+              <a:rPr lang="ro-RO" b="1" noProof="1" smtClean="0">
+                <a:latin typeface="Times New Roman" pitchFamily="18" charset="0"/>
+                <a:cs typeface="Times New Roman" pitchFamily="18" charset="0"/>
+              </a:rPr>
+              <a:t>pe obiecte</a:t>
             </a:r>
           </a:p>
           <a:p>
@@ -5198,7 +6058,28 @@
                 <a:latin typeface="Times New Roman" pitchFamily="18" charset="0"/>
                 <a:cs typeface="Times New Roman" pitchFamily="18" charset="0"/>
               </a:rPr>
-              <a:t>Clase si obiecte</a:t>
+              <a:t>Clase </a:t>
+            </a:r>
+            <a:r>
+              <a:rPr lang="ro-RO" b="1" noProof="1" smtClean="0">
+                <a:latin typeface="Times New Roman" pitchFamily="18" charset="0"/>
+                <a:cs typeface="Times New Roman" pitchFamily="18" charset="0"/>
+              </a:rPr>
+              <a:t>ş</a:t>
+            </a:r>
+            <a:r>
+              <a:rPr lang="en-US" b="1" noProof="1" smtClean="0">
+                <a:latin typeface="Times New Roman" pitchFamily="18" charset="0"/>
+                <a:cs typeface="Times New Roman" pitchFamily="18" charset="0"/>
+              </a:rPr>
+              <a:t>i </a:t>
+            </a:r>
+            <a:r>
+              <a:rPr lang="en-US" b="1" noProof="1" smtClean="0">
+                <a:latin typeface="Times New Roman" pitchFamily="18" charset="0"/>
+                <a:cs typeface="Times New Roman" pitchFamily="18" charset="0"/>
+              </a:rPr>
+              <a:t>obiecte</a:t>
             </a:r>
           </a:p>
           <a:p>
@@ -5213,7 +6094,28 @@
                 <a:latin typeface="Times New Roman" pitchFamily="18" charset="0"/>
                 <a:cs typeface="Times New Roman" pitchFamily="18" charset="0"/>
               </a:rPr>
-              <a:t>Comunicarea intre obiecte</a:t>
+              <a:t>Comunicarea </a:t>
+            </a:r>
+            <a:r>
+              <a:rPr lang="ro-RO" b="1" noProof="1" smtClean="0">
+                <a:latin typeface="Times New Roman" pitchFamily="18" charset="0"/>
+                <a:cs typeface="Times New Roman" pitchFamily="18" charset="0"/>
+              </a:rPr>
+              <a:t>î</a:t>
+            </a:r>
+            <a:r>
+              <a:rPr lang="en-US" b="1" noProof="1" smtClean="0">
+                <a:latin typeface="Times New Roman" pitchFamily="18" charset="0"/>
+                <a:cs typeface="Times New Roman" pitchFamily="18" charset="0"/>
+              </a:rPr>
+              <a:t>ntre </a:t>
+            </a:r>
+            <a:r>
+              <a:rPr lang="en-US" b="1" noProof="1" smtClean="0">
+                <a:latin typeface="Times New Roman" pitchFamily="18" charset="0"/>
+                <a:cs typeface="Times New Roman" pitchFamily="18" charset="0"/>
+              </a:rPr>
+              <a:t>obiecte</a:t>
             </a:r>
           </a:p>
           <a:p>
@@ -5369,7 +6271,14 @@
                 <a:latin typeface="Times New Roman" pitchFamily="18" charset="0"/>
                 <a:cs typeface="Times New Roman" pitchFamily="18" charset="0"/>
               </a:rPr>
-              <a:t>Modelul relational</a:t>
+              <a:t>Modelul </a:t>
+            </a:r>
+            <a:r>
+              <a:rPr lang="ro-RO" b="1" noProof="1" smtClean="0">
+                <a:latin typeface="Times New Roman" pitchFamily="18" charset="0"/>
+                <a:cs typeface="Times New Roman" pitchFamily="18" charset="0"/>
+              </a:rPr>
+              <a:t>relaţional</a:t>
             </a:r>
             <a:endParaRPr lang="en-US" b="1" noProof="1" smtClean="0">
               <a:latin typeface="Times New Roman" pitchFamily="18" charset="0"/>
@@ -5388,23 +6297,80 @@
                 <a:latin typeface="Times New Roman" pitchFamily="18" charset="0"/>
                 <a:cs typeface="Times New Roman" pitchFamily="18" charset="0"/>
               </a:rPr>
-              <a:t>Algebra relationala</a:t>
-            </a:r>
-          </a:p>
-          <a:p>
+              <a:t>Algebra </a:t>
+            </a:r>
+            <a:r>
+              <a:rPr lang="en-US" b="1" noProof="1" smtClean="0">
+                <a:latin typeface="Times New Roman" pitchFamily="18" charset="0"/>
+                <a:cs typeface="Times New Roman" pitchFamily="18" charset="0"/>
+              </a:rPr>
+              <a:t>rela</a:t>
+            </a:r>
+            <a:r>
+              <a:rPr lang="ro-RO" b="1" noProof="1" smtClean="0">
+                <a:latin typeface="Times New Roman" pitchFamily="18" charset="0"/>
+                <a:cs typeface="Times New Roman" pitchFamily="18" charset="0"/>
+              </a:rPr>
+              <a:t>ţ</a:t>
+            </a:r>
+            <a:r>
+              <a:rPr lang="en-US" b="1" noProof="1" smtClean="0">
+                <a:latin typeface="Times New Roman" pitchFamily="18" charset="0"/>
+                <a:cs typeface="Times New Roman" pitchFamily="18" charset="0"/>
+              </a:rPr>
+              <a:t>ional</a:t>
+            </a:r>
+            <a:r>
+              <a:rPr lang="ro-RO" b="1" noProof="1" smtClean="0">
+                <a:latin typeface="Times New Roman" pitchFamily="18" charset="0"/>
+                <a:cs typeface="Times New Roman" pitchFamily="18" charset="0"/>
+              </a:rPr>
+              <a:t>ă</a:t>
+            </a:r>
             <a:endParaRPr lang="en-US" b="1" noProof="1" smtClean="0">
               <a:latin typeface="Times New Roman" pitchFamily="18" charset="0"/>
               <a:cs typeface="Times New Roman" pitchFamily="18" charset="0"/>
             </a:endParaRPr>
           </a:p>
           <a:p>
+            <a:endParaRPr lang="en-US" b="1" noProof="1" smtClean="0">
+              <a:latin typeface="Times New Roman" pitchFamily="18" charset="0"/>
+              <a:cs typeface="Times New Roman" pitchFamily="18" charset="0"/>
+            </a:endParaRPr>
+          </a:p>
+          <a:p>
             <a:r>
               <a:rPr lang="en-US" b="1" noProof="1" smtClean="0">
                 <a:latin typeface="Times New Roman" pitchFamily="18" charset="0"/>
                 <a:cs typeface="Times New Roman" pitchFamily="18" charset="0"/>
               </a:rPr>
-              <a:t>Calculul relational</a:t>
-            </a:r>
+              <a:t>Calculul </a:t>
+            </a:r>
+            <a:r>
+              <a:rPr lang="en-US" b="1" noProof="1" smtClean="0">
+                <a:latin typeface="Times New Roman" pitchFamily="18" charset="0"/>
+                <a:cs typeface="Times New Roman" pitchFamily="18" charset="0"/>
+              </a:rPr>
+              <a:t>rela</a:t>
+            </a:r>
+            <a:r>
+              <a:rPr lang="ro-RO" b="1" noProof="1" smtClean="0">
+                <a:latin typeface="Times New Roman" pitchFamily="18" charset="0"/>
+                <a:cs typeface="Times New Roman" pitchFamily="18" charset="0"/>
+              </a:rPr>
+              <a:t>ţ</a:t>
+            </a:r>
+            <a:r>
+              <a:rPr lang="en-US" b="1" noProof="1" smtClean="0">
+                <a:latin typeface="Times New Roman" pitchFamily="18" charset="0"/>
+                <a:cs typeface="Times New Roman" pitchFamily="18" charset="0"/>
+              </a:rPr>
+              <a:t>ional</a:t>
+            </a:r>
+            <a:endParaRPr lang="en-US" b="1" noProof="1" smtClean="0">
+              <a:latin typeface="Times New Roman" pitchFamily="18" charset="0"/>
+              <a:cs typeface="Times New Roman" pitchFamily="18" charset="0"/>
+            </a:endParaRPr>
           </a:p>
           <a:p>
             <a:endParaRPr lang="en-US" b="1" noProof="1" smtClean="0">
@@ -5593,26 +6559,61 @@
                 <a:latin typeface="Times New Roman" pitchFamily="18" charset="0"/>
                 <a:cs typeface="Times New Roman" pitchFamily="18" charset="0"/>
               </a:rPr>
-              <a:t>Informatii generale</a:t>
-            </a:r>
-          </a:p>
-          <a:p>
+              <a:t>Informa</a:t>
+            </a:r>
+            <a:r>
+              <a:rPr lang="ro-RO" b="1" noProof="1" smtClean="0">
+                <a:latin typeface="Times New Roman" pitchFamily="18" charset="0"/>
+                <a:cs typeface="Times New Roman" pitchFamily="18" charset="0"/>
+              </a:rPr>
+              <a:t>ţ</a:t>
+            </a:r>
             <a:r>
               <a:rPr lang="en-US" b="1" noProof="1" smtClean="0">
                 <a:latin typeface="Times New Roman" pitchFamily="18" charset="0"/>
                 <a:cs typeface="Times New Roman" pitchFamily="18" charset="0"/>
               </a:rPr>
+              <a:t>ii </a:t>
+            </a:r>
+            <a:r>
+              <a:rPr lang="en-US" b="1" noProof="1" smtClean="0">
+                <a:latin typeface="Times New Roman" pitchFamily="18" charset="0"/>
+                <a:cs typeface="Times New Roman" pitchFamily="18" charset="0"/>
+              </a:rPr>
+              <a:t>generale</a:t>
+            </a:r>
+          </a:p>
+          <a:p>
+            <a:r>
+              <a:rPr lang="en-US" b="1" noProof="1" smtClean="0">
+                <a:latin typeface="Times New Roman" pitchFamily="18" charset="0"/>
+                <a:cs typeface="Times New Roman" pitchFamily="18" charset="0"/>
+              </a:rPr>
               <a:t>Istoric</a:t>
             </a:r>
           </a:p>
           <a:p>
             <a:pPr lvl="1"/>
             <a:r>
+              <a:rPr lang="ro-RO" noProof="1" smtClean="0">
+                <a:latin typeface="Times New Roman" pitchFamily="18" charset="0"/>
+                <a:cs typeface="Times New Roman" pitchFamily="18" charset="0"/>
+              </a:rPr>
+              <a:t>Î</a:t>
+            </a:r>
+            <a:r>
               <a:rPr lang="en-US" noProof="1" smtClean="0">
                 <a:latin typeface="Times New Roman" pitchFamily="18" charset="0"/>
                 <a:cs typeface="Times New Roman" pitchFamily="18" charset="0"/>
               </a:rPr>
-              <a:t>Inainte de UML 1.x</a:t>
+              <a:t>nainte </a:t>
+            </a:r>
+            <a:r>
+              <a:rPr lang="en-US" noProof="1" smtClean="0">
+                <a:latin typeface="Times New Roman" pitchFamily="18" charset="0"/>
+                <a:cs typeface="Times New Roman" pitchFamily="18" charset="0"/>
+              </a:rPr>
+              <a:t>de UML 1.x</a:t>
             </a:r>
           </a:p>
           <a:p>
@@ -5622,7 +6623,35 @@
                 <a:latin typeface="Times New Roman" pitchFamily="18" charset="0"/>
                 <a:cs typeface="Times New Roman" pitchFamily="18" charset="0"/>
               </a:rPr>
-              <a:t>Dezvoltarea catre UML 2.0</a:t>
+              <a:t>Dezvoltarea </a:t>
+            </a:r>
+            <a:r>
+              <a:rPr lang="en-US" noProof="1" smtClean="0">
+                <a:latin typeface="Times New Roman" pitchFamily="18" charset="0"/>
+                <a:cs typeface="Times New Roman" pitchFamily="18" charset="0"/>
+              </a:rPr>
+              <a:t>c</a:t>
+            </a:r>
+            <a:r>
+              <a:rPr lang="ro-RO" noProof="1" smtClean="0">
+                <a:latin typeface="Times New Roman" pitchFamily="18" charset="0"/>
+                <a:cs typeface="Times New Roman" pitchFamily="18" charset="0"/>
+              </a:rPr>
+              <a:t>ă</a:t>
+            </a:r>
+            <a:r>
+              <a:rPr lang="en-US" noProof="1" smtClean="0">
+                <a:latin typeface="Times New Roman" pitchFamily="18" charset="0"/>
+                <a:cs typeface="Times New Roman" pitchFamily="18" charset="0"/>
+              </a:rPr>
+              <a:t>tre </a:t>
+            </a:r>
+            <a:r>
+              <a:rPr lang="en-US" noProof="1" smtClean="0">
+                <a:latin typeface="Times New Roman" pitchFamily="18" charset="0"/>
+                <a:cs typeface="Times New Roman" pitchFamily="18" charset="0"/>
+              </a:rPr>
+              <a:t>UML 2.0</a:t>
             </a:r>
           </a:p>
           <a:p>
@@ -5828,7 +6857,35 @@
                 <a:latin typeface="Times New Roman" pitchFamily="18" charset="0"/>
                 <a:cs typeface="Times New Roman" pitchFamily="18" charset="0"/>
               </a:rPr>
-              <a:t>Infrastructura interfetei cu utilizatorul</a:t>
+              <a:t>Infrastructura </a:t>
+            </a:r>
+            <a:r>
+              <a:rPr lang="en-US" b="1" noProof="1" smtClean="0">
+                <a:latin typeface="Times New Roman" pitchFamily="18" charset="0"/>
+                <a:cs typeface="Times New Roman" pitchFamily="18" charset="0"/>
+              </a:rPr>
+              <a:t>interfe</a:t>
+            </a:r>
+            <a:r>
+              <a:rPr lang="ro-RO" b="1" noProof="1" smtClean="0">
+                <a:latin typeface="Times New Roman" pitchFamily="18" charset="0"/>
+                <a:cs typeface="Times New Roman" pitchFamily="18" charset="0"/>
+              </a:rPr>
+              <a:t>ţ</a:t>
+            </a:r>
+            <a:r>
+              <a:rPr lang="en-US" b="1" noProof="1" smtClean="0">
+                <a:latin typeface="Times New Roman" pitchFamily="18" charset="0"/>
+                <a:cs typeface="Times New Roman" pitchFamily="18" charset="0"/>
+              </a:rPr>
+              <a:t>ei </a:t>
+            </a:r>
+            <a:r>
+              <a:rPr lang="en-US" b="1" noProof="1" smtClean="0">
+                <a:latin typeface="Times New Roman" pitchFamily="18" charset="0"/>
+                <a:cs typeface="Times New Roman" pitchFamily="18" charset="0"/>
+              </a:rPr>
+              <a:t>cu utilizatorul</a:t>
             </a:r>
           </a:p>
           <a:p>
